--- a/Rapport/Lore/presentation_revu.pptx
+++ b/Rapport/Lore/presentation_revu.pptx
@@ -507,7 +507,7 @@
             <a:fld id="{7385B5F2-299D-41E4-81B4-55AECBC730DC}" type="datetimeFigureOut">
               <a:rPr lang="fr-FR" smtClean="0"/>
               <a:pPr/>
-              <a:t>12/02/2018</a:t>
+              <a:t>14/02/2018</a:t>
             </a:fld>
             <a:endParaRPr lang="fr-FR"/>
           </a:p>
@@ -674,7 +674,7 @@
             <a:fld id="{7385B5F2-299D-41E4-81B4-55AECBC730DC}" type="datetimeFigureOut">
               <a:rPr lang="fr-FR" smtClean="0"/>
               <a:pPr/>
-              <a:t>12/02/2018</a:t>
+              <a:t>14/02/2018</a:t>
             </a:fld>
             <a:endParaRPr lang="fr-FR"/>
           </a:p>
@@ -851,7 +851,7 @@
             <a:fld id="{7385B5F2-299D-41E4-81B4-55AECBC730DC}" type="datetimeFigureOut">
               <a:rPr lang="fr-FR" smtClean="0"/>
               <a:pPr/>
-              <a:t>12/02/2018</a:t>
+              <a:t>14/02/2018</a:t>
             </a:fld>
             <a:endParaRPr lang="fr-FR"/>
           </a:p>
@@ -1022,7 +1022,7 @@
             <a:fld id="{7385B5F2-299D-41E4-81B4-55AECBC730DC}" type="datetimeFigureOut">
               <a:rPr lang="fr-FR" smtClean="0"/>
               <a:pPr/>
-              <a:t>12/02/2018</a:t>
+              <a:t>14/02/2018</a:t>
             </a:fld>
             <a:endParaRPr lang="fr-FR"/>
           </a:p>
@@ -1486,7 +1486,7 @@
             <a:fld id="{7385B5F2-299D-41E4-81B4-55AECBC730DC}" type="datetimeFigureOut">
               <a:rPr lang="fr-FR" smtClean="0"/>
               <a:pPr/>
-              <a:t>12/02/2018</a:t>
+              <a:t>14/02/2018</a:t>
             </a:fld>
             <a:endParaRPr lang="fr-FR"/>
           </a:p>
@@ -1752,7 +1752,7 @@
             <a:fld id="{7385B5F2-299D-41E4-81B4-55AECBC730DC}" type="datetimeFigureOut">
               <a:rPr lang="fr-FR" smtClean="0"/>
               <a:pPr/>
-              <a:t>12/02/2018</a:t>
+              <a:t>14/02/2018</a:t>
             </a:fld>
             <a:endParaRPr lang="fr-FR"/>
           </a:p>
@@ -2128,7 +2128,7 @@
             <a:fld id="{7385B5F2-299D-41E4-81B4-55AECBC730DC}" type="datetimeFigureOut">
               <a:rPr lang="fr-FR" smtClean="0"/>
               <a:pPr/>
-              <a:t>12/02/2018</a:t>
+              <a:t>14/02/2018</a:t>
             </a:fld>
             <a:endParaRPr lang="fr-FR"/>
           </a:p>
@@ -2252,7 +2252,7 @@
             <a:fld id="{7385B5F2-299D-41E4-81B4-55AECBC730DC}" type="datetimeFigureOut">
               <a:rPr lang="fr-FR" smtClean="0"/>
               <a:pPr/>
-              <a:t>12/02/2018</a:t>
+              <a:t>14/02/2018</a:t>
             </a:fld>
             <a:endParaRPr lang="fr-FR"/>
           </a:p>
@@ -2344,7 +2344,7 @@
             <a:fld id="{7385B5F2-299D-41E4-81B4-55AECBC730DC}" type="datetimeFigureOut">
               <a:rPr lang="fr-FR" smtClean="0"/>
               <a:pPr/>
-              <a:t>12/02/2018</a:t>
+              <a:t>14/02/2018</a:t>
             </a:fld>
             <a:endParaRPr lang="fr-FR"/>
           </a:p>
@@ -2595,7 +2595,7 @@
             <a:fld id="{7385B5F2-299D-41E4-81B4-55AECBC730DC}" type="datetimeFigureOut">
               <a:rPr lang="fr-FR" smtClean="0"/>
               <a:pPr/>
-              <a:t>12/02/2018</a:t>
+              <a:t>14/02/2018</a:t>
             </a:fld>
             <a:endParaRPr lang="fr-FR"/>
           </a:p>
@@ -2856,7 +2856,7 @@
             <a:fld id="{7385B5F2-299D-41E4-81B4-55AECBC730DC}" type="datetimeFigureOut">
               <a:rPr lang="fr-FR" smtClean="0"/>
               <a:pPr/>
-              <a:t>12/02/2018</a:t>
+              <a:t>14/02/2018</a:t>
             </a:fld>
             <a:endParaRPr lang="fr-FR"/>
           </a:p>
@@ -3262,7 +3262,7 @@
             <a:fld id="{7385B5F2-299D-41E4-81B4-55AECBC730DC}" type="datetimeFigureOut">
               <a:rPr lang="fr-FR" smtClean="0"/>
               <a:pPr/>
-              <a:t>12/02/2018</a:t>
+              <a:t>14/02/2018</a:t>
             </a:fld>
             <a:endParaRPr lang="fr-FR"/>
           </a:p>
@@ -4312,7 +4312,23 @@
                   </a:solidFill>
                 </a:ln>
               </a:rPr>
-              <a:t>)			impulsion du </a:t>
+              <a:t>)			impulsion du compteur</a:t>
+            </a:r>
+          </a:p>
+          <a:p>
+            <a:pPr>
+              <a:buFont typeface="Wingdings" pitchFamily="2" charset="2"/>
+              <a:buChar char="v"/>
+            </a:pPr>
+            <a:r>
+              <a:rPr lang="fr-FR" sz="2400" dirty="0" err="1" smtClean="0">
+                <a:ln>
+                  <a:solidFill>
+                    <a:schemeClr val="bg2"/>
+                  </a:solidFill>
+                </a:ln>
+              </a:rPr>
+              <a:t>dat</a:t>
             </a:r>
             <a:r>
               <a:rPr lang="fr-FR" sz="2400" dirty="0" smtClean="0">
@@ -4322,73 +4338,7 @@
                   </a:solidFill>
                 </a:ln>
               </a:rPr>
-              <a:t>compteur</a:t>
-            </a:r>
-          </a:p>
-          <a:p>
-            <a:pPr>
-              <a:buFont typeface="Wingdings" pitchFamily="2" charset="2"/>
-              <a:buChar char="v"/>
-            </a:pPr>
-            <a:r>
-              <a:rPr lang="fr-FR" sz="2400" dirty="0" err="1" smtClean="0">
-                <a:ln>
-                  <a:solidFill>
-                    <a:schemeClr val="bg2"/>
-                  </a:solidFill>
-                </a:ln>
-              </a:rPr>
-              <a:t>d</a:t>
-            </a:r>
-            <a:r>
-              <a:rPr lang="fr-FR" sz="2400" dirty="0" err="1" smtClean="0">
-                <a:ln>
-                  <a:solidFill>
-                    <a:schemeClr val="bg2"/>
-                  </a:solidFill>
-                </a:ln>
-              </a:rPr>
-              <a:t>at</a:t>
-            </a:r>
-            <a:r>
-              <a:rPr lang="fr-FR" sz="2400" dirty="0" smtClean="0">
-                <a:ln>
-                  <a:solidFill>
-                    <a:schemeClr val="bg2"/>
-                  </a:solidFill>
-                </a:ln>
-              </a:rPr>
-              <a:t>(jour)			</a:t>
-            </a:r>
-            <a:r>
-              <a:rPr lang="fr-FR" sz="2400" dirty="0" smtClean="0">
-                <a:ln>
-                  <a:solidFill>
-                    <a:schemeClr val="bg2"/>
-                  </a:solidFill>
-                </a:ln>
-              </a:rPr>
-              <a:t>impulsion </a:t>
-            </a:r>
-            <a:r>
-              <a:rPr lang="fr-FR" sz="2400" dirty="0" smtClean="0">
-                <a:ln>
-                  <a:solidFill>
-                    <a:schemeClr val="bg2"/>
-                  </a:solidFill>
-                </a:ln>
-              </a:rPr>
-              <a:t>du </a:t>
-            </a:r>
-            <a:r>
-              <a:rPr lang="fr-FR" sz="2400" dirty="0" smtClean="0">
-                <a:ln>
-                  <a:solidFill>
-                    <a:schemeClr val="bg2"/>
-                  </a:solidFill>
-                </a:ln>
-              </a:rPr>
-              <a:t>compteur</a:t>
+              <a:t>(jour)			impulsion du compteur</a:t>
             </a:r>
             <a:endParaRPr lang="fr-FR" dirty="0" smtClean="0">
               <a:ln>
@@ -4517,7 +4467,49 @@
                   </a:outerShdw>
                 </a:effectLst>
               </a:rPr>
-              <a:t>Mon rôle dans se projet</a:t>
+              <a:t>Mon rôle dans </a:t>
+            </a:r>
+            <a:r>
+              <a:rPr lang="fr-FR" dirty="0" smtClean="0">
+                <a:ln w="18415" cmpd="sng">
+                  <a:solidFill>
+                    <a:srgbClr val="FFFFFF"/>
+                  </a:solidFill>
+                  <a:prstDash val="solid"/>
+                </a:ln>
+                <a:solidFill>
+                  <a:srgbClr val="FFFFFF"/>
+                </a:solidFill>
+                <a:effectLst>
+                  <a:outerShdw blurRad="63500" dir="3600000" algn="tl" rotWithShape="0">
+                    <a:srgbClr val="000000">
+                      <a:alpha val="70000"/>
+                    </a:srgbClr>
+                  </a:outerShdw>
+                </a:effectLst>
+              </a:rPr>
+              <a:t>ce </a:t>
+            </a:r>
+            <a:r>
+              <a:rPr lang="fr-FR" dirty="0" smtClean="0">
+                <a:ln w="18415" cmpd="sng">
+                  <a:solidFill>
+                    <a:srgbClr val="FFFFFF"/>
+                  </a:solidFill>
+                  <a:prstDash val="solid"/>
+                </a:ln>
+                <a:solidFill>
+                  <a:srgbClr val="FFFFFF"/>
+                </a:solidFill>
+                <a:effectLst>
+                  <a:outerShdw blurRad="63500" dir="3600000" algn="tl" rotWithShape="0">
+                    <a:srgbClr val="000000">
+                      <a:alpha val="70000"/>
+                    </a:srgbClr>
+                  </a:outerShdw>
+                </a:effectLst>
+              </a:rPr>
+              <a:t>projet</a:t>
             </a:r>
             <a:endParaRPr lang="fr-FR" dirty="0">
               <a:ln w="18415" cmpd="sng">

--- a/Rapport/Lore/presentation_revu.pptx
+++ b/Rapport/Lore/presentation_revu.pptx
@@ -19,8 +19,9 @@
     <p:sldId id="264" r:id="rId13"/>
     <p:sldId id="271" r:id="rId14"/>
     <p:sldId id="265" r:id="rId15"/>
-    <p:sldId id="269" r:id="rId16"/>
-    <p:sldId id="270" r:id="rId17"/>
+    <p:sldId id="272" r:id="rId16"/>
+    <p:sldId id="269" r:id="rId17"/>
+    <p:sldId id="270" r:id="rId18"/>
   </p:sldIdLst>
   <p:sldSz cx="9144000" cy="5715000" type="screen16x10"/>
   <p:notesSz cx="6858000" cy="9144000"/>
@@ -507,7 +508,7 @@
             <a:fld id="{7385B5F2-299D-41E4-81B4-55AECBC730DC}" type="datetimeFigureOut">
               <a:rPr lang="fr-FR" smtClean="0"/>
               <a:pPr/>
-              <a:t>14/02/2018</a:t>
+              <a:t>15/02/2018</a:t>
             </a:fld>
             <a:endParaRPr lang="fr-FR"/>
           </a:p>
@@ -674,7 +675,7 @@
             <a:fld id="{7385B5F2-299D-41E4-81B4-55AECBC730DC}" type="datetimeFigureOut">
               <a:rPr lang="fr-FR" smtClean="0"/>
               <a:pPr/>
-              <a:t>14/02/2018</a:t>
+              <a:t>15/02/2018</a:t>
             </a:fld>
             <a:endParaRPr lang="fr-FR"/>
           </a:p>
@@ -851,7 +852,7 @@
             <a:fld id="{7385B5F2-299D-41E4-81B4-55AECBC730DC}" type="datetimeFigureOut">
               <a:rPr lang="fr-FR" smtClean="0"/>
               <a:pPr/>
-              <a:t>14/02/2018</a:t>
+              <a:t>15/02/2018</a:t>
             </a:fld>
             <a:endParaRPr lang="fr-FR"/>
           </a:p>
@@ -1022,7 +1023,7 @@
             <a:fld id="{7385B5F2-299D-41E4-81B4-55AECBC730DC}" type="datetimeFigureOut">
               <a:rPr lang="fr-FR" smtClean="0"/>
               <a:pPr/>
-              <a:t>14/02/2018</a:t>
+              <a:t>15/02/2018</a:t>
             </a:fld>
             <a:endParaRPr lang="fr-FR"/>
           </a:p>
@@ -1486,7 +1487,7 @@
             <a:fld id="{7385B5F2-299D-41E4-81B4-55AECBC730DC}" type="datetimeFigureOut">
               <a:rPr lang="fr-FR" smtClean="0"/>
               <a:pPr/>
-              <a:t>14/02/2018</a:t>
+              <a:t>15/02/2018</a:t>
             </a:fld>
             <a:endParaRPr lang="fr-FR"/>
           </a:p>
@@ -1752,7 +1753,7 @@
             <a:fld id="{7385B5F2-299D-41E4-81B4-55AECBC730DC}" type="datetimeFigureOut">
               <a:rPr lang="fr-FR" smtClean="0"/>
               <a:pPr/>
-              <a:t>14/02/2018</a:t>
+              <a:t>15/02/2018</a:t>
             </a:fld>
             <a:endParaRPr lang="fr-FR"/>
           </a:p>
@@ -2128,7 +2129,7 @@
             <a:fld id="{7385B5F2-299D-41E4-81B4-55AECBC730DC}" type="datetimeFigureOut">
               <a:rPr lang="fr-FR" smtClean="0"/>
               <a:pPr/>
-              <a:t>14/02/2018</a:t>
+              <a:t>15/02/2018</a:t>
             </a:fld>
             <a:endParaRPr lang="fr-FR"/>
           </a:p>
@@ -2252,7 +2253,7 @@
             <a:fld id="{7385B5F2-299D-41E4-81B4-55AECBC730DC}" type="datetimeFigureOut">
               <a:rPr lang="fr-FR" smtClean="0"/>
               <a:pPr/>
-              <a:t>14/02/2018</a:t>
+              <a:t>15/02/2018</a:t>
             </a:fld>
             <a:endParaRPr lang="fr-FR"/>
           </a:p>
@@ -2344,7 +2345,7 @@
             <a:fld id="{7385B5F2-299D-41E4-81B4-55AECBC730DC}" type="datetimeFigureOut">
               <a:rPr lang="fr-FR" smtClean="0"/>
               <a:pPr/>
-              <a:t>14/02/2018</a:t>
+              <a:t>15/02/2018</a:t>
             </a:fld>
             <a:endParaRPr lang="fr-FR"/>
           </a:p>
@@ -2595,7 +2596,7 @@
             <a:fld id="{7385B5F2-299D-41E4-81B4-55AECBC730DC}" type="datetimeFigureOut">
               <a:rPr lang="fr-FR" smtClean="0"/>
               <a:pPr/>
-              <a:t>14/02/2018</a:t>
+              <a:t>15/02/2018</a:t>
             </a:fld>
             <a:endParaRPr lang="fr-FR"/>
           </a:p>
@@ -2856,7 +2857,7 @@
             <a:fld id="{7385B5F2-299D-41E4-81B4-55AECBC730DC}" type="datetimeFigureOut">
               <a:rPr lang="fr-FR" smtClean="0"/>
               <a:pPr/>
-              <a:t>14/02/2018</a:t>
+              <a:t>15/02/2018</a:t>
             </a:fld>
             <a:endParaRPr lang="fr-FR"/>
           </a:p>
@@ -3262,7 +3263,7 @@
             <a:fld id="{7385B5F2-299D-41E4-81B4-55AECBC730DC}" type="datetimeFigureOut">
               <a:rPr lang="fr-FR" smtClean="0"/>
               <a:pPr/>
-              <a:t>14/02/2018</a:t>
+              <a:t>15/02/2018</a:t>
             </a:fld>
             <a:endParaRPr lang="fr-FR"/>
           </a:p>
@@ -4467,49 +4468,7 @@
                   </a:outerShdw>
                 </a:effectLst>
               </a:rPr>
-              <a:t>Mon rôle dans </a:t>
-            </a:r>
-            <a:r>
-              <a:rPr lang="fr-FR" dirty="0" smtClean="0">
-                <a:ln w="18415" cmpd="sng">
-                  <a:solidFill>
-                    <a:srgbClr val="FFFFFF"/>
-                  </a:solidFill>
-                  <a:prstDash val="solid"/>
-                </a:ln>
-                <a:solidFill>
-                  <a:srgbClr val="FFFFFF"/>
-                </a:solidFill>
-                <a:effectLst>
-                  <a:outerShdw blurRad="63500" dir="3600000" algn="tl" rotWithShape="0">
-                    <a:srgbClr val="000000">
-                      <a:alpha val="70000"/>
-                    </a:srgbClr>
-                  </a:outerShdw>
-                </a:effectLst>
-              </a:rPr>
-              <a:t>ce </a:t>
-            </a:r>
-            <a:r>
-              <a:rPr lang="fr-FR" dirty="0" smtClean="0">
-                <a:ln w="18415" cmpd="sng">
-                  <a:solidFill>
-                    <a:srgbClr val="FFFFFF"/>
-                  </a:solidFill>
-                  <a:prstDash val="solid"/>
-                </a:ln>
-                <a:solidFill>
-                  <a:srgbClr val="FFFFFF"/>
-                </a:solidFill>
-                <a:effectLst>
-                  <a:outerShdw blurRad="63500" dir="3600000" algn="tl" rotWithShape="0">
-                    <a:srgbClr val="000000">
-                      <a:alpha val="70000"/>
-                    </a:srgbClr>
-                  </a:outerShdw>
-                </a:effectLst>
-              </a:rPr>
-              <a:t>projet</a:t>
+              <a:t>Mon rôle dans ce projet</a:t>
             </a:r>
             <a:endParaRPr lang="fr-FR" dirty="0">
               <a:ln w="18415" cmpd="sng">
@@ -5124,6 +5083,154 @@
           </a:p>
         </p:txBody>
       </p:sp>
+      <p:pic>
+        <p:nvPicPr>
+          <p:cNvPr id="10" name="Image 9"/>
+          <p:cNvPicPr/>
+          <p:nvPr/>
+        </p:nvPicPr>
+        <p:blipFill>
+          <a:blip r:embed="rId4"/>
+          <a:srcRect/>
+          <a:stretch>
+            <a:fillRect/>
+          </a:stretch>
+        </p:blipFill>
+        <p:spPr bwMode="auto">
+          <a:xfrm>
+            <a:off x="285720" y="642922"/>
+            <a:ext cx="3118205" cy="4829522"/>
+          </a:xfrm>
+          <a:prstGeom prst="rect">
+            <a:avLst/>
+          </a:prstGeom>
+          <a:ln w="38100" cap="sq">
+            <a:solidFill>
+              <a:schemeClr val="accent2"/>
+            </a:solidFill>
+            <a:prstDash val="solid"/>
+            <a:miter lim="800000"/>
+          </a:ln>
+          <a:effectLst>
+            <a:outerShdw blurRad="50800" dist="38100" dir="2700000" algn="tl" rotWithShape="0">
+              <a:srgbClr val="000000">
+                <a:alpha val="43000"/>
+              </a:srgbClr>
+            </a:outerShdw>
+          </a:effectLst>
+        </p:spPr>
+      </p:pic>
+      <p:pic>
+        <p:nvPicPr>
+          <p:cNvPr id="11" name="Image 10"/>
+          <p:cNvPicPr/>
+          <p:nvPr/>
+        </p:nvPicPr>
+        <p:blipFill>
+          <a:blip r:embed="rId5"/>
+          <a:srcRect/>
+          <a:stretch>
+            <a:fillRect/>
+          </a:stretch>
+        </p:blipFill>
+        <p:spPr bwMode="auto">
+          <a:xfrm>
+            <a:off x="2571736" y="3143252"/>
+            <a:ext cx="1583937" cy="2083782"/>
+          </a:xfrm>
+          <a:prstGeom prst="rect">
+            <a:avLst/>
+          </a:prstGeom>
+          <a:ln w="38100" cap="sq">
+            <a:solidFill>
+              <a:schemeClr val="accent2"/>
+            </a:solidFill>
+            <a:prstDash val="solid"/>
+            <a:miter lim="800000"/>
+          </a:ln>
+          <a:effectLst>
+            <a:outerShdw blurRad="50800" dist="38100" dir="2700000" algn="tl" rotWithShape="0">
+              <a:srgbClr val="000000">
+                <a:alpha val="43000"/>
+              </a:srgbClr>
+            </a:outerShdw>
+          </a:effectLst>
+        </p:spPr>
+      </p:pic>
+      <p:pic>
+        <p:nvPicPr>
+          <p:cNvPr id="12" name="Image 11"/>
+          <p:cNvPicPr/>
+          <p:nvPr/>
+        </p:nvPicPr>
+        <p:blipFill>
+          <a:blip r:embed="rId6"/>
+          <a:srcRect/>
+          <a:stretch>
+            <a:fillRect/>
+          </a:stretch>
+        </p:blipFill>
+        <p:spPr bwMode="auto">
+          <a:xfrm>
+            <a:off x="4572000" y="285732"/>
+            <a:ext cx="2714644" cy="5214953"/>
+          </a:xfrm>
+          <a:prstGeom prst="rect">
+            <a:avLst/>
+          </a:prstGeom>
+          <a:ln w="38100" cap="sq">
+            <a:solidFill>
+              <a:schemeClr val="accent2"/>
+            </a:solidFill>
+            <a:prstDash val="solid"/>
+            <a:miter lim="800000"/>
+          </a:ln>
+          <a:effectLst>
+            <a:outerShdw blurRad="50800" dist="38100" dir="2700000" algn="tl" rotWithShape="0">
+              <a:srgbClr val="000000">
+                <a:alpha val="43000"/>
+              </a:srgbClr>
+            </a:outerShdw>
+          </a:effectLst>
+        </p:spPr>
+      </p:pic>
+      <p:pic>
+        <p:nvPicPr>
+          <p:cNvPr id="13" name="Image 12"/>
+          <p:cNvPicPr/>
+          <p:nvPr/>
+        </p:nvPicPr>
+        <p:blipFill>
+          <a:blip r:embed="rId7"/>
+          <a:srcRect/>
+          <a:stretch>
+            <a:fillRect/>
+          </a:stretch>
+        </p:blipFill>
+        <p:spPr bwMode="auto">
+          <a:xfrm>
+            <a:off x="7215206" y="2357434"/>
+            <a:ext cx="1177637" cy="3036982"/>
+          </a:xfrm>
+          <a:prstGeom prst="rect">
+            <a:avLst/>
+          </a:prstGeom>
+          <a:ln w="38100" cap="sq">
+            <a:solidFill>
+              <a:schemeClr val="accent2"/>
+            </a:solidFill>
+            <a:prstDash val="solid"/>
+            <a:miter lim="800000"/>
+          </a:ln>
+          <a:effectLst>
+            <a:outerShdw blurRad="50800" dist="38100" dir="2700000" algn="tl" rotWithShape="0">
+              <a:srgbClr val="000000">
+                <a:alpha val="43000"/>
+              </a:srgbClr>
+            </a:outerShdw>
+          </a:effectLst>
+        </p:spPr>
+      </p:pic>
     </p:spTree>
   </p:cSld>
   <p:clrMapOvr>
@@ -5156,6 +5263,31 @@
           <a:chExt cx="0" cy="0"/>
         </a:xfrm>
       </p:grpSpPr>
+    </p:spTree>
+  </p:cSld>
+  <p:clrMapOvr>
+    <a:masterClrMapping/>
+  </p:clrMapOvr>
+</p:sld>
+</file>
+
+<file path=ppt/slides/slide16.xml><?xml version="1.0" encoding="utf-8"?>
+<p:sld xmlns:a="http://schemas.openxmlformats.org/drawingml/2006/main" xmlns:r="http://schemas.openxmlformats.org/officeDocument/2006/relationships" xmlns:p="http://schemas.openxmlformats.org/presentationml/2006/main">
+  <p:cSld>
+    <p:spTree>
+      <p:nvGrpSpPr>
+        <p:cNvPr id="1" name=""/>
+        <p:cNvGrpSpPr/>
+        <p:nvPr/>
+      </p:nvGrpSpPr>
+      <p:grpSpPr>
+        <a:xfrm>
+          <a:off x="0" y="0"/>
+          <a:ext cx="0" cy="0"/>
+          <a:chOff x="0" y="0"/>
+          <a:chExt cx="0" cy="0"/>
+        </a:xfrm>
+      </p:grpSpPr>
       <p:sp>
         <p:nvSpPr>
           <p:cNvPr id="4" name="Titre 1"/>
@@ -5417,7 +5549,7 @@
 </p:sld>
 </file>
 
-<file path=ppt/slides/slide16.xml><?xml version="1.0" encoding="utf-8"?>
+<file path=ppt/slides/slide17.xml><?xml version="1.0" encoding="utf-8"?>
 <p:sld xmlns:a="http://schemas.openxmlformats.org/drawingml/2006/main" xmlns:r="http://schemas.openxmlformats.org/officeDocument/2006/relationships" xmlns:p="http://schemas.openxmlformats.org/presentationml/2006/main">
   <p:cSld>
     <p:spTree>

--- a/Rapport/Lore/presentation_revu.pptx
+++ b/Rapport/Lore/presentation_revu.pptx
@@ -4,6 +4,9 @@
   <p:sldMasterIdLst>
     <p:sldMasterId id="2147483828" r:id="rId1"/>
   </p:sldMasterIdLst>
+  <p:notesMasterIdLst>
+    <p:notesMasterId r:id="rId21"/>
+  </p:notesMasterIdLst>
   <p:sldIdLst>
     <p:sldId id="256" r:id="rId2"/>
     <p:sldId id="257" r:id="rId3"/>
@@ -19,9 +22,11 @@
     <p:sldId id="264" r:id="rId13"/>
     <p:sldId id="271" r:id="rId14"/>
     <p:sldId id="265" r:id="rId15"/>
-    <p:sldId id="272" r:id="rId16"/>
-    <p:sldId id="269" r:id="rId17"/>
-    <p:sldId id="270" r:id="rId18"/>
+    <p:sldId id="269" r:id="rId16"/>
+    <p:sldId id="270" r:id="rId17"/>
+    <p:sldId id="272" r:id="rId18"/>
+    <p:sldId id="273" r:id="rId19"/>
+    <p:sldId id="274" r:id="rId20"/>
   </p:sldIdLst>
   <p:sldSz cx="9144000" cy="5715000" type="screen16x10"/>
   <p:notesSz cx="6858000" cy="9144000"/>
@@ -123,6 +128,353 @@
 </p:presentation>
 </file>
 
+<file path=ppt/notesMasters/notesMaster1.xml><?xml version="1.0" encoding="utf-8"?>
+<p:notesMaster xmlns:a="http://schemas.openxmlformats.org/drawingml/2006/main" xmlns:r="http://schemas.openxmlformats.org/officeDocument/2006/relationships" xmlns:p="http://schemas.openxmlformats.org/presentationml/2006/main">
+  <p:cSld>
+    <p:bg>
+      <p:bgRef idx="1001">
+        <a:schemeClr val="bg1"/>
+      </p:bgRef>
+    </p:bg>
+    <p:spTree>
+      <p:nvGrpSpPr>
+        <p:cNvPr id="1" name=""/>
+        <p:cNvGrpSpPr/>
+        <p:nvPr/>
+      </p:nvGrpSpPr>
+      <p:grpSpPr>
+        <a:xfrm>
+          <a:off x="0" y="0"/>
+          <a:ext cx="0" cy="0"/>
+          <a:chOff x="0" y="0"/>
+          <a:chExt cx="0" cy="0"/>
+        </a:xfrm>
+      </p:grpSpPr>
+      <p:sp>
+        <p:nvSpPr>
+          <p:cNvPr id="2" name="Espace réservé de l'en-tête 1"/>
+          <p:cNvSpPr>
+            <a:spLocks noGrp="1"/>
+          </p:cNvSpPr>
+          <p:nvPr>
+            <p:ph type="hdr" sz="quarter"/>
+          </p:nvPr>
+        </p:nvSpPr>
+        <p:spPr>
+          <a:xfrm>
+            <a:off x="0" y="0"/>
+            <a:ext cx="2971800" cy="457200"/>
+          </a:xfrm>
+          <a:prstGeom prst="rect">
+            <a:avLst/>
+          </a:prstGeom>
+        </p:spPr>
+        <p:txBody>
+          <a:bodyPr vert="horz" lIns="91440" tIns="45720" rIns="91440" bIns="45720" rtlCol="0"/>
+          <a:lstStyle>
+            <a:lvl1pPr algn="l">
+              <a:defRPr sz="1200"/>
+            </a:lvl1pPr>
+          </a:lstStyle>
+          <a:p>
+            <a:endParaRPr lang="fr-FR"/>
+          </a:p>
+        </p:txBody>
+      </p:sp>
+      <p:sp>
+        <p:nvSpPr>
+          <p:cNvPr id="3" name="Espace réservé de la date 2"/>
+          <p:cNvSpPr>
+            <a:spLocks noGrp="1"/>
+          </p:cNvSpPr>
+          <p:nvPr>
+            <p:ph type="dt" idx="1"/>
+          </p:nvPr>
+        </p:nvSpPr>
+        <p:spPr>
+          <a:xfrm>
+            <a:off x="3884613" y="0"/>
+            <a:ext cx="2971800" cy="457200"/>
+          </a:xfrm>
+          <a:prstGeom prst="rect">
+            <a:avLst/>
+          </a:prstGeom>
+        </p:spPr>
+        <p:txBody>
+          <a:bodyPr vert="horz" lIns="91440" tIns="45720" rIns="91440" bIns="45720" rtlCol="0"/>
+          <a:lstStyle>
+            <a:lvl1pPr algn="r">
+              <a:defRPr sz="1200"/>
+            </a:lvl1pPr>
+          </a:lstStyle>
+          <a:p>
+            <a:fld id="{C96F4F48-8193-4084-9575-C48AE4CFB5A7}" type="datetimeFigureOut">
+              <a:rPr lang="fr-FR" smtClean="0"/>
+              <a:t>14/03/2018</a:t>
+            </a:fld>
+            <a:endParaRPr lang="fr-FR"/>
+          </a:p>
+        </p:txBody>
+      </p:sp>
+      <p:sp>
+        <p:nvSpPr>
+          <p:cNvPr id="4" name="Espace réservé de l'image des diapositives 3"/>
+          <p:cNvSpPr>
+            <a:spLocks noGrp="1" noRot="1" noChangeAspect="1"/>
+          </p:cNvSpPr>
+          <p:nvPr>
+            <p:ph type="sldImg" idx="2"/>
+          </p:nvPr>
+        </p:nvSpPr>
+        <p:spPr>
+          <a:xfrm>
+            <a:off x="685800" y="685800"/>
+            <a:ext cx="5486400" cy="3429000"/>
+          </a:xfrm>
+          <a:prstGeom prst="rect">
+            <a:avLst/>
+          </a:prstGeom>
+          <a:noFill/>
+          <a:ln w="12700">
+            <a:solidFill>
+              <a:prstClr val="black"/>
+            </a:solidFill>
+          </a:ln>
+        </p:spPr>
+        <p:txBody>
+          <a:bodyPr vert="horz" lIns="91440" tIns="45720" rIns="91440" bIns="45720" rtlCol="0" anchor="ctr"/>
+          <a:lstStyle/>
+          <a:p>
+            <a:endParaRPr lang="fr-FR"/>
+          </a:p>
+        </p:txBody>
+      </p:sp>
+      <p:sp>
+        <p:nvSpPr>
+          <p:cNvPr id="5" name="Espace réservé des commentaires 4"/>
+          <p:cNvSpPr>
+            <a:spLocks noGrp="1"/>
+          </p:cNvSpPr>
+          <p:nvPr>
+            <p:ph type="body" sz="quarter" idx="3"/>
+          </p:nvPr>
+        </p:nvSpPr>
+        <p:spPr>
+          <a:xfrm>
+            <a:off x="685800" y="4343400"/>
+            <a:ext cx="5486400" cy="4114800"/>
+          </a:xfrm>
+          <a:prstGeom prst="rect">
+            <a:avLst/>
+          </a:prstGeom>
+        </p:spPr>
+        <p:txBody>
+          <a:bodyPr vert="horz" lIns="91440" tIns="45720" rIns="91440" bIns="45720" rtlCol="0">
+            <a:normAutofit/>
+          </a:bodyPr>
+          <a:lstStyle/>
+          <a:p>
+            <a:pPr lvl="0"/>
+            <a:r>
+              <a:rPr lang="fr-FR" smtClean="0"/>
+              <a:t>Cliquez pour modifier les styles du texte du masque</a:t>
+            </a:r>
+          </a:p>
+          <a:p>
+            <a:pPr lvl="1"/>
+            <a:r>
+              <a:rPr lang="fr-FR" smtClean="0"/>
+              <a:t>Deuxième niveau</a:t>
+            </a:r>
+          </a:p>
+          <a:p>
+            <a:pPr lvl="2"/>
+            <a:r>
+              <a:rPr lang="fr-FR" smtClean="0"/>
+              <a:t>Troisième niveau</a:t>
+            </a:r>
+          </a:p>
+          <a:p>
+            <a:pPr lvl="3"/>
+            <a:r>
+              <a:rPr lang="fr-FR" smtClean="0"/>
+              <a:t>Quatrième niveau</a:t>
+            </a:r>
+          </a:p>
+          <a:p>
+            <a:pPr lvl="4"/>
+            <a:r>
+              <a:rPr lang="fr-FR" smtClean="0"/>
+              <a:t>Cinquième niveau</a:t>
+            </a:r>
+            <a:endParaRPr lang="fr-FR"/>
+          </a:p>
+        </p:txBody>
+      </p:sp>
+      <p:sp>
+        <p:nvSpPr>
+          <p:cNvPr id="6" name="Espace réservé du pied de page 5"/>
+          <p:cNvSpPr>
+            <a:spLocks noGrp="1"/>
+          </p:cNvSpPr>
+          <p:nvPr>
+            <p:ph type="ftr" sz="quarter" idx="4"/>
+          </p:nvPr>
+        </p:nvSpPr>
+        <p:spPr>
+          <a:xfrm>
+            <a:off x="0" y="8685213"/>
+            <a:ext cx="2971800" cy="457200"/>
+          </a:xfrm>
+          <a:prstGeom prst="rect">
+            <a:avLst/>
+          </a:prstGeom>
+        </p:spPr>
+        <p:txBody>
+          <a:bodyPr vert="horz" lIns="91440" tIns="45720" rIns="91440" bIns="45720" rtlCol="0" anchor="b"/>
+          <a:lstStyle>
+            <a:lvl1pPr algn="l">
+              <a:defRPr sz="1200"/>
+            </a:lvl1pPr>
+          </a:lstStyle>
+          <a:p>
+            <a:endParaRPr lang="fr-FR"/>
+          </a:p>
+        </p:txBody>
+      </p:sp>
+      <p:sp>
+        <p:nvSpPr>
+          <p:cNvPr id="7" name="Espace réservé du numéro de diapositive 6"/>
+          <p:cNvSpPr>
+            <a:spLocks noGrp="1"/>
+          </p:cNvSpPr>
+          <p:nvPr>
+            <p:ph type="sldNum" sz="quarter" idx="5"/>
+          </p:nvPr>
+        </p:nvSpPr>
+        <p:spPr>
+          <a:xfrm>
+            <a:off x="3884613" y="8685213"/>
+            <a:ext cx="2971800" cy="457200"/>
+          </a:xfrm>
+          <a:prstGeom prst="rect">
+            <a:avLst/>
+          </a:prstGeom>
+        </p:spPr>
+        <p:txBody>
+          <a:bodyPr vert="horz" lIns="91440" tIns="45720" rIns="91440" bIns="45720" rtlCol="0" anchor="b"/>
+          <a:lstStyle>
+            <a:lvl1pPr algn="r">
+              <a:defRPr sz="1200"/>
+            </a:lvl1pPr>
+          </a:lstStyle>
+          <a:p>
+            <a:fld id="{DB3D6AC6-0CE7-43FB-A3EF-B6370ACDA050}" type="slidenum">
+              <a:rPr lang="fr-FR" smtClean="0"/>
+              <a:t>‹N°›</a:t>
+            </a:fld>
+            <a:endParaRPr lang="fr-FR"/>
+          </a:p>
+        </p:txBody>
+      </p:sp>
+    </p:spTree>
+  </p:cSld>
+  <p:clrMap bg1="lt1" tx1="dk1" bg2="lt2" tx2="dk2" accent1="accent1" accent2="accent2" accent3="accent3" accent4="accent4" accent5="accent5" accent6="accent6" hlink="hlink" folHlink="folHlink"/>
+  <p:notesStyle>
+    <a:lvl1pPr marL="0" algn="l" defTabSz="914400" rtl="0" eaLnBrk="1" latinLnBrk="0" hangingPunct="1">
+      <a:defRPr sz="1200" kern="1200">
+        <a:solidFill>
+          <a:schemeClr val="tx1"/>
+        </a:solidFill>
+        <a:latin typeface="+mn-lt"/>
+        <a:ea typeface="+mn-ea"/>
+        <a:cs typeface="+mn-cs"/>
+      </a:defRPr>
+    </a:lvl1pPr>
+    <a:lvl2pPr marL="457200" algn="l" defTabSz="914400" rtl="0" eaLnBrk="1" latinLnBrk="0" hangingPunct="1">
+      <a:defRPr sz="1200" kern="1200">
+        <a:solidFill>
+          <a:schemeClr val="tx1"/>
+        </a:solidFill>
+        <a:latin typeface="+mn-lt"/>
+        <a:ea typeface="+mn-ea"/>
+        <a:cs typeface="+mn-cs"/>
+      </a:defRPr>
+    </a:lvl2pPr>
+    <a:lvl3pPr marL="914400" algn="l" defTabSz="914400" rtl="0" eaLnBrk="1" latinLnBrk="0" hangingPunct="1">
+      <a:defRPr sz="1200" kern="1200">
+        <a:solidFill>
+          <a:schemeClr val="tx1"/>
+        </a:solidFill>
+        <a:latin typeface="+mn-lt"/>
+        <a:ea typeface="+mn-ea"/>
+        <a:cs typeface="+mn-cs"/>
+      </a:defRPr>
+    </a:lvl3pPr>
+    <a:lvl4pPr marL="1371600" algn="l" defTabSz="914400" rtl="0" eaLnBrk="1" latinLnBrk="0" hangingPunct="1">
+      <a:defRPr sz="1200" kern="1200">
+        <a:solidFill>
+          <a:schemeClr val="tx1"/>
+        </a:solidFill>
+        <a:latin typeface="+mn-lt"/>
+        <a:ea typeface="+mn-ea"/>
+        <a:cs typeface="+mn-cs"/>
+      </a:defRPr>
+    </a:lvl4pPr>
+    <a:lvl5pPr marL="1828800" algn="l" defTabSz="914400" rtl="0" eaLnBrk="1" latinLnBrk="0" hangingPunct="1">
+      <a:defRPr sz="1200" kern="1200">
+        <a:solidFill>
+          <a:schemeClr val="tx1"/>
+        </a:solidFill>
+        <a:latin typeface="+mn-lt"/>
+        <a:ea typeface="+mn-ea"/>
+        <a:cs typeface="+mn-cs"/>
+      </a:defRPr>
+    </a:lvl5pPr>
+    <a:lvl6pPr marL="2286000" algn="l" defTabSz="914400" rtl="0" eaLnBrk="1" latinLnBrk="0" hangingPunct="1">
+      <a:defRPr sz="1200" kern="1200">
+        <a:solidFill>
+          <a:schemeClr val="tx1"/>
+        </a:solidFill>
+        <a:latin typeface="+mn-lt"/>
+        <a:ea typeface="+mn-ea"/>
+        <a:cs typeface="+mn-cs"/>
+      </a:defRPr>
+    </a:lvl6pPr>
+    <a:lvl7pPr marL="2743200" algn="l" defTabSz="914400" rtl="0" eaLnBrk="1" latinLnBrk="0" hangingPunct="1">
+      <a:defRPr sz="1200" kern="1200">
+        <a:solidFill>
+          <a:schemeClr val="tx1"/>
+        </a:solidFill>
+        <a:latin typeface="+mn-lt"/>
+        <a:ea typeface="+mn-ea"/>
+        <a:cs typeface="+mn-cs"/>
+      </a:defRPr>
+    </a:lvl7pPr>
+    <a:lvl8pPr marL="3200400" algn="l" defTabSz="914400" rtl="0" eaLnBrk="1" latinLnBrk="0" hangingPunct="1">
+      <a:defRPr sz="1200" kern="1200">
+        <a:solidFill>
+          <a:schemeClr val="tx1"/>
+        </a:solidFill>
+        <a:latin typeface="+mn-lt"/>
+        <a:ea typeface="+mn-ea"/>
+        <a:cs typeface="+mn-cs"/>
+      </a:defRPr>
+    </a:lvl8pPr>
+    <a:lvl9pPr marL="3657600" algn="l" defTabSz="914400" rtl="0" eaLnBrk="1" latinLnBrk="0" hangingPunct="1">
+      <a:defRPr sz="1200" kern="1200">
+        <a:solidFill>
+          <a:schemeClr val="tx1"/>
+        </a:solidFill>
+        <a:latin typeface="+mn-lt"/>
+        <a:ea typeface="+mn-ea"/>
+        <a:cs typeface="+mn-cs"/>
+      </a:defRPr>
+    </a:lvl9pPr>
+  </p:notesStyle>
+</p:notesMaster>
+</file>
+
 <file path=ppt/slideLayouts/slideLayout1.xml><?xml version="1.0" encoding="utf-8"?>
 <p:sldLayout xmlns:a="http://schemas.openxmlformats.org/drawingml/2006/main" xmlns:r="http://schemas.openxmlformats.org/officeDocument/2006/relationships" xmlns:p="http://schemas.openxmlformats.org/presentationml/2006/main" showMasterSp="0" type="title" preserve="1">
   <p:cSld name="Diapositive de titre">
@@ -508,7 +860,7 @@
             <a:fld id="{7385B5F2-299D-41E4-81B4-55AECBC730DC}" type="datetimeFigureOut">
               <a:rPr lang="fr-FR" smtClean="0"/>
               <a:pPr/>
-              <a:t>15/02/2018</a:t>
+              <a:t>14/03/2018</a:t>
             </a:fld>
             <a:endParaRPr lang="fr-FR"/>
           </a:p>
@@ -675,7 +1027,7 @@
             <a:fld id="{7385B5F2-299D-41E4-81B4-55AECBC730DC}" type="datetimeFigureOut">
               <a:rPr lang="fr-FR" smtClean="0"/>
               <a:pPr/>
-              <a:t>15/02/2018</a:t>
+              <a:t>14/03/2018</a:t>
             </a:fld>
             <a:endParaRPr lang="fr-FR"/>
           </a:p>
@@ -852,7 +1204,7 @@
             <a:fld id="{7385B5F2-299D-41E4-81B4-55AECBC730DC}" type="datetimeFigureOut">
               <a:rPr lang="fr-FR" smtClean="0"/>
               <a:pPr/>
-              <a:t>15/02/2018</a:t>
+              <a:t>14/03/2018</a:t>
             </a:fld>
             <a:endParaRPr lang="fr-FR"/>
           </a:p>
@@ -1023,7 +1375,7 @@
             <a:fld id="{7385B5F2-299D-41E4-81B4-55AECBC730DC}" type="datetimeFigureOut">
               <a:rPr lang="fr-FR" smtClean="0"/>
               <a:pPr/>
-              <a:t>15/02/2018</a:t>
+              <a:t>14/03/2018</a:t>
             </a:fld>
             <a:endParaRPr lang="fr-FR"/>
           </a:p>
@@ -1487,7 +1839,7 @@
             <a:fld id="{7385B5F2-299D-41E4-81B4-55AECBC730DC}" type="datetimeFigureOut">
               <a:rPr lang="fr-FR" smtClean="0"/>
               <a:pPr/>
-              <a:t>15/02/2018</a:t>
+              <a:t>14/03/2018</a:t>
             </a:fld>
             <a:endParaRPr lang="fr-FR"/>
           </a:p>
@@ -1753,7 +2105,7 @@
             <a:fld id="{7385B5F2-299D-41E4-81B4-55AECBC730DC}" type="datetimeFigureOut">
               <a:rPr lang="fr-FR" smtClean="0"/>
               <a:pPr/>
-              <a:t>15/02/2018</a:t>
+              <a:t>14/03/2018</a:t>
             </a:fld>
             <a:endParaRPr lang="fr-FR"/>
           </a:p>
@@ -2129,7 +2481,7 @@
             <a:fld id="{7385B5F2-299D-41E4-81B4-55AECBC730DC}" type="datetimeFigureOut">
               <a:rPr lang="fr-FR" smtClean="0"/>
               <a:pPr/>
-              <a:t>15/02/2018</a:t>
+              <a:t>14/03/2018</a:t>
             </a:fld>
             <a:endParaRPr lang="fr-FR"/>
           </a:p>
@@ -2253,7 +2605,7 @@
             <a:fld id="{7385B5F2-299D-41E4-81B4-55AECBC730DC}" type="datetimeFigureOut">
               <a:rPr lang="fr-FR" smtClean="0"/>
               <a:pPr/>
-              <a:t>15/02/2018</a:t>
+              <a:t>14/03/2018</a:t>
             </a:fld>
             <a:endParaRPr lang="fr-FR"/>
           </a:p>
@@ -2345,7 +2697,7 @@
             <a:fld id="{7385B5F2-299D-41E4-81B4-55AECBC730DC}" type="datetimeFigureOut">
               <a:rPr lang="fr-FR" smtClean="0"/>
               <a:pPr/>
-              <a:t>15/02/2018</a:t>
+              <a:t>14/03/2018</a:t>
             </a:fld>
             <a:endParaRPr lang="fr-FR"/>
           </a:p>
@@ -2596,7 +2948,7 @@
             <a:fld id="{7385B5F2-299D-41E4-81B4-55AECBC730DC}" type="datetimeFigureOut">
               <a:rPr lang="fr-FR" smtClean="0"/>
               <a:pPr/>
-              <a:t>15/02/2018</a:t>
+              <a:t>14/03/2018</a:t>
             </a:fld>
             <a:endParaRPr lang="fr-FR"/>
           </a:p>
@@ -2857,7 +3209,7 @@
             <a:fld id="{7385B5F2-299D-41E4-81B4-55AECBC730DC}" type="datetimeFigureOut">
               <a:rPr lang="fr-FR" smtClean="0"/>
               <a:pPr/>
-              <a:t>15/02/2018</a:t>
+              <a:t>14/03/2018</a:t>
             </a:fld>
             <a:endParaRPr lang="fr-FR"/>
           </a:p>
@@ -3263,7 +3615,7 @@
             <a:fld id="{7385B5F2-299D-41E4-81B4-55AECBC730DC}" type="datetimeFigureOut">
               <a:rPr lang="fr-FR" smtClean="0"/>
               <a:pPr/>
-              <a:t>15/02/2018</a:t>
+              <a:t>14/03/2018</a:t>
             </a:fld>
             <a:endParaRPr lang="fr-FR"/>
           </a:p>
@@ -4371,7 +4723,27 @@
                   </a:solidFill>
                 </a:ln>
               </a:rPr>
-              <a:t>Exemple de trame  : $lum0,lux121,tem20,air5,heu86400;</a:t>
+              <a:t>Exemple de trame  : $</a:t>
+            </a:r>
+            <a:r>
+              <a:rPr lang="fr-FR" sz="2000" b="1" dirty="0" smtClean="0">
+                <a:ln>
+                  <a:solidFill>
+                    <a:schemeClr val="bg2"/>
+                  </a:solidFill>
+                </a:ln>
+              </a:rPr>
+              <a:t>lum0$lux121$tem20$air5$heu86400</a:t>
+            </a:r>
+            <a:r>
+              <a:rPr lang="fr-FR" sz="2000" b="1" dirty="0" smtClean="0">
+                <a:ln>
+                  <a:solidFill>
+                    <a:schemeClr val="bg2"/>
+                  </a:solidFill>
+                </a:ln>
+              </a:rPr>
+              <a:t>;</a:t>
             </a:r>
           </a:p>
         </p:txBody>
@@ -4837,6 +5209,13 @@
   <p:clrMapOvr>
     <a:masterClrMapping/>
   </p:clrMapOvr>
+  <p:timing>
+    <p:tnLst>
+      <p:par>
+        <p:cTn id="1" dur="indefinite" restart="never" nodeType="tmRoot"/>
+      </p:par>
+    </p:tnLst>
+  </p:timing>
 </p:sld>
 </file>
 
@@ -4857,6 +5236,42 @@
           <a:chExt cx="0" cy="0"/>
         </a:xfrm>
       </p:grpSpPr>
+      <p:pic>
+        <p:nvPicPr>
+          <p:cNvPr id="14" name="Image 13" descr="convertisseur_HIH6130.jpg"/>
+          <p:cNvPicPr/>
+          <p:nvPr/>
+        </p:nvPicPr>
+        <p:blipFill>
+          <a:blip r:embed="rId2"/>
+          <a:stretch>
+            <a:fillRect/>
+          </a:stretch>
+        </p:blipFill>
+        <p:spPr>
+          <a:xfrm>
+            <a:off x="4643438" y="2143120"/>
+            <a:ext cx="3278442" cy="3271268"/>
+          </a:xfrm>
+          <a:prstGeom prst="rect">
+            <a:avLst/>
+          </a:prstGeom>
+          <a:ln w="38100" cap="sq">
+            <a:solidFill>
+              <a:schemeClr val="accent2"/>
+            </a:solidFill>
+            <a:prstDash val="solid"/>
+            <a:miter lim="800000"/>
+          </a:ln>
+          <a:effectLst>
+            <a:outerShdw blurRad="50800" dist="38100" dir="2700000" algn="tl" rotWithShape="0">
+              <a:srgbClr val="000000">
+                <a:alpha val="43000"/>
+              </a:srgbClr>
+            </a:outerShdw>
+          </a:effectLst>
+        </p:spPr>
+      </p:pic>
       <p:sp>
         <p:nvSpPr>
           <p:cNvPr id="2" name="Titre 1"/>
@@ -4956,7 +5371,7 @@
           <p:nvPr/>
         </p:nvPicPr>
         <p:blipFill>
-          <a:blip r:embed="rId2"/>
+          <a:blip r:embed="rId3"/>
           <a:srcRect/>
           <a:stretch>
             <a:fillRect/>
@@ -4986,14 +5401,74 @@
           </a:effectLst>
         </p:spPr>
       </p:pic>
+      <p:sp>
+        <p:nvSpPr>
+          <p:cNvPr id="8" name="ZoneTexte 7"/>
+          <p:cNvSpPr txBox="1"/>
+          <p:nvPr/>
+        </p:nvSpPr>
+        <p:spPr>
+          <a:xfrm>
+            <a:off x="285720" y="2071682"/>
+            <a:ext cx="2571768" cy="369332"/>
+          </a:xfrm>
+          <a:prstGeom prst="rect">
+            <a:avLst/>
+          </a:prstGeom>
+          <a:noFill/>
+        </p:spPr>
+        <p:txBody>
+          <a:bodyPr wrap="square" rtlCol="0">
+            <a:spAutoFit/>
+          </a:bodyPr>
+          <a:lstStyle/>
+          <a:p>
+            <a:r>
+              <a:rPr lang="fr-FR" dirty="0" smtClean="0"/>
+              <a:t>Montage du BMP180</a:t>
+            </a:r>
+            <a:endParaRPr lang="fr-FR" dirty="0"/>
+          </a:p>
+        </p:txBody>
+      </p:sp>
+      <p:sp>
+        <p:nvSpPr>
+          <p:cNvPr id="9" name="ZoneTexte 8"/>
+          <p:cNvSpPr txBox="1"/>
+          <p:nvPr/>
+        </p:nvSpPr>
+        <p:spPr>
+          <a:xfrm>
+            <a:off x="4429124" y="1500178"/>
+            <a:ext cx="2571768" cy="369332"/>
+          </a:xfrm>
+          <a:prstGeom prst="rect">
+            <a:avLst/>
+          </a:prstGeom>
+          <a:noFill/>
+        </p:spPr>
+        <p:txBody>
+          <a:bodyPr wrap="square" rtlCol="0">
+            <a:spAutoFit/>
+          </a:bodyPr>
+          <a:lstStyle/>
+          <a:p>
+            <a:r>
+              <a:rPr lang="fr-FR" dirty="0" smtClean="0"/>
+              <a:t>Montage du HIH6130</a:t>
+            </a:r>
+            <a:endParaRPr lang="fr-FR" dirty="0"/>
+          </a:p>
+        </p:txBody>
+      </p:sp>
       <p:pic>
         <p:nvPicPr>
-          <p:cNvPr id="7" name="Image 6"/>
+          <p:cNvPr id="11" name="Image 10"/>
           <p:cNvPicPr/>
           <p:nvPr/>
         </p:nvPicPr>
         <p:blipFill>
-          <a:blip r:embed="rId3"/>
+          <a:blip r:embed="rId4"/>
           <a:srcRect/>
           <a:stretch>
             <a:fillRect/>
@@ -5001,8 +5476,8 @@
         </p:blipFill>
         <p:spPr bwMode="auto">
           <a:xfrm>
-            <a:off x="4500562" y="1909642"/>
-            <a:ext cx="4248888" cy="3471615"/>
+            <a:off x="2714612" y="3000376"/>
+            <a:ext cx="1583937" cy="2083782"/>
           </a:xfrm>
           <a:prstGeom prst="rect">
             <a:avLst/>
@@ -5023,106 +5498,9 @@
           </a:effectLst>
         </p:spPr>
       </p:pic>
-      <p:sp>
-        <p:nvSpPr>
-          <p:cNvPr id="8" name="ZoneTexte 7"/>
-          <p:cNvSpPr txBox="1"/>
-          <p:nvPr/>
-        </p:nvSpPr>
-        <p:spPr>
-          <a:xfrm>
-            <a:off x="285720" y="2071682"/>
-            <a:ext cx="2571768" cy="369332"/>
-          </a:xfrm>
-          <a:prstGeom prst="rect">
-            <a:avLst/>
-          </a:prstGeom>
-          <a:noFill/>
-        </p:spPr>
-        <p:txBody>
-          <a:bodyPr wrap="square" rtlCol="0">
-            <a:spAutoFit/>
-          </a:bodyPr>
-          <a:lstStyle/>
-          <a:p>
-            <a:r>
-              <a:rPr lang="fr-FR" dirty="0" smtClean="0"/>
-              <a:t>Montage du BMP180</a:t>
-            </a:r>
-            <a:endParaRPr lang="fr-FR" dirty="0"/>
-          </a:p>
-        </p:txBody>
-      </p:sp>
-      <p:sp>
-        <p:nvSpPr>
-          <p:cNvPr id="9" name="ZoneTexte 8"/>
-          <p:cNvSpPr txBox="1"/>
-          <p:nvPr/>
-        </p:nvSpPr>
-        <p:spPr>
-          <a:xfrm>
-            <a:off x="4429124" y="1500178"/>
-            <a:ext cx="2571768" cy="369332"/>
-          </a:xfrm>
-          <a:prstGeom prst="rect">
-            <a:avLst/>
-          </a:prstGeom>
-          <a:noFill/>
-        </p:spPr>
-        <p:txBody>
-          <a:bodyPr wrap="square" rtlCol="0">
-            <a:spAutoFit/>
-          </a:bodyPr>
-          <a:lstStyle/>
-          <a:p>
-            <a:r>
-              <a:rPr lang="fr-FR" dirty="0" smtClean="0"/>
-              <a:t>Montage du HIH6130</a:t>
-            </a:r>
-            <a:endParaRPr lang="fr-FR" dirty="0"/>
-          </a:p>
-        </p:txBody>
-      </p:sp>
       <p:pic>
         <p:nvPicPr>
-          <p:cNvPr id="10" name="Image 9"/>
-          <p:cNvPicPr/>
-          <p:nvPr/>
-        </p:nvPicPr>
-        <p:blipFill>
-          <a:blip r:embed="rId4"/>
-          <a:srcRect/>
-          <a:stretch>
-            <a:fillRect/>
-          </a:stretch>
-        </p:blipFill>
-        <p:spPr bwMode="auto">
-          <a:xfrm>
-            <a:off x="285720" y="642922"/>
-            <a:ext cx="3118205" cy="4829522"/>
-          </a:xfrm>
-          <a:prstGeom prst="rect">
-            <a:avLst/>
-          </a:prstGeom>
-          <a:ln w="38100" cap="sq">
-            <a:solidFill>
-              <a:schemeClr val="accent2"/>
-            </a:solidFill>
-            <a:prstDash val="solid"/>
-            <a:miter lim="800000"/>
-          </a:ln>
-          <a:effectLst>
-            <a:outerShdw blurRad="50800" dist="38100" dir="2700000" algn="tl" rotWithShape="0">
-              <a:srgbClr val="000000">
-                <a:alpha val="43000"/>
-              </a:srgbClr>
-            </a:outerShdw>
-          </a:effectLst>
-        </p:spPr>
-      </p:pic>
-      <p:pic>
-        <p:nvPicPr>
-          <p:cNvPr id="11" name="Image 10"/>
+          <p:cNvPr id="13" name="Image 12"/>
           <p:cNvPicPr/>
           <p:nvPr/>
         </p:nvPicPr>
@@ -5135,81 +5513,7 @@
         </p:blipFill>
         <p:spPr bwMode="auto">
           <a:xfrm>
-            <a:off x="2571736" y="3143252"/>
-            <a:ext cx="1583937" cy="2083782"/>
-          </a:xfrm>
-          <a:prstGeom prst="rect">
-            <a:avLst/>
-          </a:prstGeom>
-          <a:ln w="38100" cap="sq">
-            <a:solidFill>
-              <a:schemeClr val="accent2"/>
-            </a:solidFill>
-            <a:prstDash val="solid"/>
-            <a:miter lim="800000"/>
-          </a:ln>
-          <a:effectLst>
-            <a:outerShdw blurRad="50800" dist="38100" dir="2700000" algn="tl" rotWithShape="0">
-              <a:srgbClr val="000000">
-                <a:alpha val="43000"/>
-              </a:srgbClr>
-            </a:outerShdw>
-          </a:effectLst>
-        </p:spPr>
-      </p:pic>
-      <p:pic>
-        <p:nvPicPr>
-          <p:cNvPr id="12" name="Image 11"/>
-          <p:cNvPicPr/>
-          <p:nvPr/>
-        </p:nvPicPr>
-        <p:blipFill>
-          <a:blip r:embed="rId6"/>
-          <a:srcRect/>
-          <a:stretch>
-            <a:fillRect/>
-          </a:stretch>
-        </p:blipFill>
-        <p:spPr bwMode="auto">
-          <a:xfrm>
-            <a:off x="4572000" y="285732"/>
-            <a:ext cx="2714644" cy="5214953"/>
-          </a:xfrm>
-          <a:prstGeom prst="rect">
-            <a:avLst/>
-          </a:prstGeom>
-          <a:ln w="38100" cap="sq">
-            <a:solidFill>
-              <a:schemeClr val="accent2"/>
-            </a:solidFill>
-            <a:prstDash val="solid"/>
-            <a:miter lim="800000"/>
-          </a:ln>
-          <a:effectLst>
-            <a:outerShdw blurRad="50800" dist="38100" dir="2700000" algn="tl" rotWithShape="0">
-              <a:srgbClr val="000000">
-                <a:alpha val="43000"/>
-              </a:srgbClr>
-            </a:outerShdw>
-          </a:effectLst>
-        </p:spPr>
-      </p:pic>
-      <p:pic>
-        <p:nvPicPr>
-          <p:cNvPr id="13" name="Image 12"/>
-          <p:cNvPicPr/>
-          <p:nvPr/>
-        </p:nvPicPr>
-        <p:blipFill>
-          <a:blip r:embed="rId7"/>
-          <a:srcRect/>
-          <a:stretch>
-            <a:fillRect/>
-          </a:stretch>
-        </p:blipFill>
-        <p:spPr bwMode="auto">
-          <a:xfrm>
-            <a:off x="7215206" y="2357434"/>
+            <a:off x="7858148" y="2500310"/>
             <a:ext cx="1177637" cy="3036982"/>
           </a:xfrm>
           <a:prstGeom prst="rect">
@@ -5263,31 +5567,6 @@
           <a:chExt cx="0" cy="0"/>
         </a:xfrm>
       </p:grpSpPr>
-    </p:spTree>
-  </p:cSld>
-  <p:clrMapOvr>
-    <a:masterClrMapping/>
-  </p:clrMapOvr>
-</p:sld>
-</file>
-
-<file path=ppt/slides/slide16.xml><?xml version="1.0" encoding="utf-8"?>
-<p:sld xmlns:a="http://schemas.openxmlformats.org/drawingml/2006/main" xmlns:r="http://schemas.openxmlformats.org/officeDocument/2006/relationships" xmlns:p="http://schemas.openxmlformats.org/presentationml/2006/main">
-  <p:cSld>
-    <p:spTree>
-      <p:nvGrpSpPr>
-        <p:cNvPr id="1" name=""/>
-        <p:cNvGrpSpPr/>
-        <p:nvPr/>
-      </p:nvGrpSpPr>
-      <p:grpSpPr>
-        <a:xfrm>
-          <a:off x="0" y="0"/>
-          <a:ext cx="0" cy="0"/>
-          <a:chOff x="0" y="0"/>
-          <a:chExt cx="0" cy="0"/>
-        </a:xfrm>
-      </p:grpSpPr>
       <p:sp>
         <p:nvSpPr>
           <p:cNvPr id="4" name="Titre 1"/>
@@ -5541,15 +5820,59 @@
           </a:p>
         </p:txBody>
       </p:sp>
+      <p:pic>
+        <p:nvPicPr>
+          <p:cNvPr id="9" name="Image 8"/>
+          <p:cNvPicPr/>
+          <p:nvPr/>
+        </p:nvPicPr>
+        <p:blipFill>
+          <a:blip r:embed="rId3"/>
+          <a:srcRect/>
+          <a:stretch>
+            <a:fillRect/>
+          </a:stretch>
+        </p:blipFill>
+        <p:spPr bwMode="auto">
+          <a:xfrm>
+            <a:off x="6143636" y="3000376"/>
+            <a:ext cx="1207547" cy="2462076"/>
+          </a:xfrm>
+          <a:prstGeom prst="rect">
+            <a:avLst/>
+          </a:prstGeom>
+          <a:ln w="38100" cap="sq">
+            <a:solidFill>
+              <a:schemeClr val="accent2"/>
+            </a:solidFill>
+            <a:prstDash val="solid"/>
+            <a:miter lim="800000"/>
+          </a:ln>
+          <a:effectLst>
+            <a:outerShdw blurRad="50800" dist="38100" dir="2700000" algn="tl" rotWithShape="0">
+              <a:srgbClr val="000000">
+                <a:alpha val="43000"/>
+              </a:srgbClr>
+            </a:outerShdw>
+          </a:effectLst>
+        </p:spPr>
+      </p:pic>
     </p:spTree>
   </p:cSld>
   <p:clrMapOvr>
     <a:masterClrMapping/>
   </p:clrMapOvr>
+  <p:timing>
+    <p:tnLst>
+      <p:par>
+        <p:cTn id="1" dur="indefinite" restart="never" nodeType="tmRoot"/>
+      </p:par>
+    </p:tnLst>
+  </p:timing>
 </p:sld>
 </file>
 
-<file path=ppt/slides/slide17.xml><?xml version="1.0" encoding="utf-8"?>
+<file path=ppt/slides/slide16.xml><?xml version="1.0" encoding="utf-8"?>
 <p:sld xmlns:a="http://schemas.openxmlformats.org/drawingml/2006/main" xmlns:r="http://schemas.openxmlformats.org/officeDocument/2006/relationships" xmlns:p="http://schemas.openxmlformats.org/presentationml/2006/main">
   <p:cSld>
     <p:spTree>
@@ -5755,11 +6078,1033 @@
           </a:p>
         </p:txBody>
       </p:sp>
+      <p:pic>
+        <p:nvPicPr>
+          <p:cNvPr id="8" name="Image 7"/>
+          <p:cNvPicPr/>
+          <p:nvPr/>
+        </p:nvPicPr>
+        <p:blipFill>
+          <a:blip r:embed="rId3"/>
+          <a:srcRect/>
+          <a:stretch>
+            <a:fillRect/>
+          </a:stretch>
+        </p:blipFill>
+        <p:spPr bwMode="auto">
+          <a:xfrm>
+            <a:off x="928661" y="1714492"/>
+            <a:ext cx="1896703" cy="1214446"/>
+          </a:xfrm>
+          <a:prstGeom prst="rect">
+            <a:avLst/>
+          </a:prstGeom>
+          <a:ln w="38100" cap="sq">
+            <a:solidFill>
+              <a:schemeClr val="accent2"/>
+            </a:solidFill>
+            <a:prstDash val="solid"/>
+            <a:miter lim="800000"/>
+          </a:ln>
+          <a:effectLst>
+            <a:outerShdw blurRad="50800" dist="38100" dir="2700000" algn="tl" rotWithShape="0">
+              <a:srgbClr val="000000">
+                <a:alpha val="43000"/>
+              </a:srgbClr>
+            </a:outerShdw>
+          </a:effectLst>
+        </p:spPr>
+      </p:pic>
+      <p:sp>
+        <p:nvSpPr>
+          <p:cNvPr id="9" name="ZoneTexte 8"/>
+          <p:cNvSpPr txBox="1"/>
+          <p:nvPr/>
+        </p:nvSpPr>
+        <p:spPr>
+          <a:xfrm>
+            <a:off x="714348" y="3429004"/>
+            <a:ext cx="2500330" cy="1200329"/>
+          </a:xfrm>
+          <a:prstGeom prst="rect">
+            <a:avLst/>
+          </a:prstGeom>
+          <a:noFill/>
+        </p:spPr>
+        <p:txBody>
+          <a:bodyPr wrap="square" rtlCol="0">
+            <a:spAutoFit/>
+          </a:bodyPr>
+          <a:lstStyle/>
+          <a:p>
+            <a:r>
+              <a:rPr lang="fr-FR" b="1" dirty="0" smtClean="0">
+                <a:solidFill>
+                  <a:srgbClr val="FF0000"/>
+                </a:solidFill>
+              </a:rPr>
+              <a:t>11  toto.txt</a:t>
+            </a:r>
+            <a:r>
+              <a:rPr lang="fr-FR" dirty="0" smtClean="0">
+                <a:solidFill>
+                  <a:srgbClr val="FF0000"/>
+                </a:solidFill>
+              </a:rPr>
+              <a:t> </a:t>
+            </a:r>
+            <a:r>
+              <a:rPr lang="fr-FR" dirty="0" smtClean="0"/>
+              <a:t>: 11 correspond au nombre d'octet dans le fichier nommé </a:t>
+            </a:r>
+            <a:r>
+              <a:rPr lang="fr-FR" b="1" dirty="0" smtClean="0">
+                <a:solidFill>
+                  <a:srgbClr val="FF0000"/>
+                </a:solidFill>
+              </a:rPr>
+              <a:t>toto.txt</a:t>
+            </a:r>
+            <a:r>
+              <a:rPr lang="fr-FR" dirty="0" smtClean="0">
+                <a:solidFill>
+                  <a:srgbClr val="FF0000"/>
+                </a:solidFill>
+              </a:rPr>
+              <a:t> </a:t>
+            </a:r>
+            <a:endParaRPr lang="fr-FR" dirty="0">
+              <a:solidFill>
+                <a:srgbClr val="FF0000"/>
+              </a:solidFill>
+            </a:endParaRPr>
+          </a:p>
+        </p:txBody>
+      </p:sp>
     </p:spTree>
   </p:cSld>
   <p:clrMapOvr>
     <a:masterClrMapping/>
   </p:clrMapOvr>
+  <p:timing>
+    <p:tnLst>
+      <p:par>
+        <p:cTn id="1" dur="indefinite" restart="never" nodeType="tmRoot"/>
+      </p:par>
+    </p:tnLst>
+  </p:timing>
+</p:sld>
+</file>
+
+<file path=ppt/slides/slide17.xml><?xml version="1.0" encoding="utf-8"?>
+<p:sld xmlns:a="http://schemas.openxmlformats.org/drawingml/2006/main" xmlns:r="http://schemas.openxmlformats.org/officeDocument/2006/relationships" xmlns:p="http://schemas.openxmlformats.org/presentationml/2006/main">
+  <p:cSld>
+    <p:spTree>
+      <p:nvGrpSpPr>
+        <p:cNvPr id="1" name=""/>
+        <p:cNvGrpSpPr/>
+        <p:nvPr/>
+      </p:nvGrpSpPr>
+      <p:grpSpPr>
+        <a:xfrm>
+          <a:off x="0" y="0"/>
+          <a:ext cx="0" cy="0"/>
+          <a:chOff x="0" y="0"/>
+          <a:chExt cx="0" cy="0"/>
+        </a:xfrm>
+      </p:grpSpPr>
+      <p:pic>
+        <p:nvPicPr>
+          <p:cNvPr id="11" name="Image 10" descr="Sema_radiateur_off.png"/>
+          <p:cNvPicPr/>
+          <p:nvPr/>
+        </p:nvPicPr>
+        <p:blipFill>
+          <a:blip r:embed="rId2"/>
+          <a:stretch>
+            <a:fillRect/>
+          </a:stretch>
+        </p:blipFill>
+        <p:spPr>
+          <a:xfrm>
+            <a:off x="214282" y="1643054"/>
+            <a:ext cx="4857784" cy="3635347"/>
+          </a:xfrm>
+          <a:prstGeom prst="rect">
+            <a:avLst/>
+          </a:prstGeom>
+          <a:ln w="38100" cap="sq">
+            <a:solidFill>
+              <a:schemeClr val="accent2"/>
+            </a:solidFill>
+            <a:prstDash val="solid"/>
+            <a:miter lim="800000"/>
+          </a:ln>
+          <a:effectLst>
+            <a:outerShdw blurRad="50800" dist="38100" dir="2700000" algn="tl" rotWithShape="0">
+              <a:srgbClr val="000000">
+                <a:alpha val="43000"/>
+              </a:srgbClr>
+            </a:outerShdw>
+          </a:effectLst>
+        </p:spPr>
+      </p:pic>
+      <p:sp>
+        <p:nvSpPr>
+          <p:cNvPr id="4" name="Titre 1"/>
+          <p:cNvSpPr txBox="1">
+            <a:spLocks/>
+          </p:cNvSpPr>
+          <p:nvPr/>
+        </p:nvSpPr>
+        <p:spPr>
+          <a:xfrm>
+            <a:off x="428596" y="142856"/>
+            <a:ext cx="7467600" cy="952500"/>
+          </a:xfrm>
+          <a:prstGeom prst="rect">
+            <a:avLst/>
+          </a:prstGeom>
+        </p:spPr>
+        <p:txBody>
+          <a:bodyPr vert="horz" lIns="45720" rIns="45720" anchor="ctr">
+            <a:normAutofit/>
+          </a:bodyPr>
+          <a:lstStyle/>
+          <a:p>
+            <a:pPr marL="0" marR="0" lvl="0" indent="0" algn="l" defTabSz="914400" rtl="0" eaLnBrk="1" fontAlgn="auto" latinLnBrk="0" hangingPunct="1">
+              <a:lnSpc>
+                <a:spcPct val="100000"/>
+              </a:lnSpc>
+              <a:spcBef>
+                <a:spcPct val="0"/>
+              </a:spcBef>
+              <a:spcAft>
+                <a:spcPts val="0"/>
+              </a:spcAft>
+              <a:buClrTx/>
+              <a:buSzTx/>
+              <a:buFontTx/>
+              <a:buNone/>
+              <a:tabLst/>
+              <a:defRPr/>
+            </a:pPr>
+            <a:r>
+              <a:rPr kumimoji="0" lang="fr-FR" sz="4600" b="0" i="0" u="none" strike="noStrike" kern="1200" cap="none" spc="0" normalizeH="0" baseline="0" noProof="0" dirty="0" smtClean="0">
+                <a:ln w="18415" cmpd="sng">
+                  <a:solidFill>
+                    <a:srgbClr val="FFFFFF"/>
+                  </a:solidFill>
+                  <a:prstDash val="solid"/>
+                </a:ln>
+                <a:solidFill>
+                  <a:srgbClr val="FFFFFF"/>
+                </a:solidFill>
+                <a:effectLst>
+                  <a:outerShdw blurRad="63500" dir="3600000" algn="tl" rotWithShape="0">
+                    <a:srgbClr val="000000">
+                      <a:alpha val="70000"/>
+                    </a:srgbClr>
+                  </a:outerShdw>
+                </a:effectLst>
+                <a:uLnTx/>
+                <a:uFillTx/>
+                <a:latin typeface="+mj-lt"/>
+                <a:ea typeface="+mj-ea"/>
+                <a:cs typeface="+mj-cs"/>
+              </a:rPr>
+              <a:t>LES TESTS UNITAIRES</a:t>
+            </a:r>
+            <a:endParaRPr kumimoji="0" lang="fr-FR" sz="4600" b="0" i="0" u="none" strike="noStrike" kern="1200" cap="none" spc="0" normalizeH="0" baseline="0" noProof="0" dirty="0">
+              <a:ln w="18415" cmpd="sng">
+                <a:solidFill>
+                  <a:srgbClr val="FFFFFF"/>
+                </a:solidFill>
+                <a:prstDash val="solid"/>
+              </a:ln>
+              <a:solidFill>
+                <a:srgbClr val="FFFFFF"/>
+              </a:solidFill>
+              <a:effectLst>
+                <a:outerShdw blurRad="63500" dir="3600000" algn="tl" rotWithShape="0">
+                  <a:srgbClr val="000000">
+                    <a:alpha val="70000"/>
+                  </a:srgbClr>
+                </a:outerShdw>
+              </a:effectLst>
+              <a:uLnTx/>
+              <a:uFillTx/>
+              <a:latin typeface="+mj-lt"/>
+              <a:ea typeface="+mj-ea"/>
+              <a:cs typeface="+mj-cs"/>
+            </a:endParaRPr>
+          </a:p>
+        </p:txBody>
+      </p:sp>
+      <p:sp>
+        <p:nvSpPr>
+          <p:cNvPr id="5" name="ZoneTexte 4"/>
+          <p:cNvSpPr txBox="1"/>
+          <p:nvPr/>
+        </p:nvSpPr>
+        <p:spPr>
+          <a:xfrm>
+            <a:off x="857224" y="928674"/>
+            <a:ext cx="5857916" cy="369332"/>
+          </a:xfrm>
+          <a:prstGeom prst="rect">
+            <a:avLst/>
+          </a:prstGeom>
+          <a:noFill/>
+        </p:spPr>
+        <p:txBody>
+          <a:bodyPr wrap="square" rtlCol="0">
+            <a:spAutoFit/>
+          </a:bodyPr>
+          <a:lstStyle/>
+          <a:p>
+            <a:r>
+              <a:rPr lang="fr-FR" dirty="0" smtClean="0"/>
+              <a:t>Contrôle du relais</a:t>
+            </a:r>
+            <a:endParaRPr lang="fr-FR" dirty="0"/>
+          </a:p>
+        </p:txBody>
+      </p:sp>
+      <p:sp>
+        <p:nvSpPr>
+          <p:cNvPr id="7" name="ZoneTexte 6"/>
+          <p:cNvSpPr txBox="1"/>
+          <p:nvPr/>
+        </p:nvSpPr>
+        <p:spPr>
+          <a:xfrm>
+            <a:off x="5857884" y="857236"/>
+            <a:ext cx="3000396" cy="369332"/>
+          </a:xfrm>
+          <a:prstGeom prst="rect">
+            <a:avLst/>
+          </a:prstGeom>
+          <a:noFill/>
+        </p:spPr>
+        <p:txBody>
+          <a:bodyPr wrap="square" rtlCol="0">
+            <a:spAutoFit/>
+          </a:bodyPr>
+          <a:lstStyle/>
+          <a:p>
+            <a:r>
+              <a:rPr lang="fr-FR" dirty="0" smtClean="0"/>
+              <a:t>Montage</a:t>
+            </a:r>
+            <a:endParaRPr lang="fr-FR" dirty="0"/>
+          </a:p>
+        </p:txBody>
+      </p:sp>
+      <p:pic>
+        <p:nvPicPr>
+          <p:cNvPr id="12" name="Image 11" descr="Sema_radiateur_on.png"/>
+          <p:cNvPicPr/>
+          <p:nvPr/>
+        </p:nvPicPr>
+        <p:blipFill>
+          <a:blip r:embed="rId3"/>
+          <a:stretch>
+            <a:fillRect/>
+          </a:stretch>
+        </p:blipFill>
+        <p:spPr>
+          <a:xfrm>
+            <a:off x="357158" y="1785930"/>
+            <a:ext cx="5259225" cy="3632529"/>
+          </a:xfrm>
+          <a:prstGeom prst="rect">
+            <a:avLst/>
+          </a:prstGeom>
+          <a:ln w="38100" cap="sq">
+            <a:solidFill>
+              <a:schemeClr val="accent2"/>
+            </a:solidFill>
+            <a:prstDash val="solid"/>
+            <a:miter lim="800000"/>
+          </a:ln>
+          <a:effectLst>
+            <a:outerShdw blurRad="50800" dist="38100" dir="2700000" algn="tl" rotWithShape="0">
+              <a:srgbClr val="000000">
+                <a:alpha val="43000"/>
+              </a:srgbClr>
+            </a:outerShdw>
+          </a:effectLst>
+        </p:spPr>
+      </p:pic>
+      <p:pic>
+        <p:nvPicPr>
+          <p:cNvPr id="10" name="Image 9" descr="arduino_relai.jpg"/>
+          <p:cNvPicPr/>
+          <p:nvPr/>
+        </p:nvPicPr>
+        <p:blipFill>
+          <a:blip r:embed="rId4"/>
+          <a:stretch>
+            <a:fillRect/>
+          </a:stretch>
+        </p:blipFill>
+        <p:spPr>
+          <a:xfrm>
+            <a:off x="4357686" y="1214426"/>
+            <a:ext cx="4461822" cy="1951681"/>
+          </a:xfrm>
+          <a:prstGeom prst="rect">
+            <a:avLst/>
+          </a:prstGeom>
+          <a:ln w="38100" cap="sq">
+            <a:solidFill>
+              <a:schemeClr val="accent2"/>
+            </a:solidFill>
+            <a:prstDash val="solid"/>
+            <a:miter lim="800000"/>
+          </a:ln>
+          <a:effectLst>
+            <a:outerShdw blurRad="50800" dist="38100" dir="2700000" algn="tl" rotWithShape="0">
+              <a:srgbClr val="000000">
+                <a:alpha val="43000"/>
+              </a:srgbClr>
+            </a:outerShdw>
+          </a:effectLst>
+        </p:spPr>
+      </p:pic>
+      <p:pic>
+        <p:nvPicPr>
+          <p:cNvPr id="13" name="Image 12"/>
+          <p:cNvPicPr/>
+          <p:nvPr/>
+        </p:nvPicPr>
+        <p:blipFill>
+          <a:blip r:embed="rId5"/>
+          <a:srcRect/>
+          <a:stretch>
+            <a:fillRect/>
+          </a:stretch>
+        </p:blipFill>
+        <p:spPr bwMode="auto">
+          <a:xfrm>
+            <a:off x="6143636" y="3357566"/>
+            <a:ext cx="2437691" cy="2132108"/>
+          </a:xfrm>
+          <a:prstGeom prst="rect">
+            <a:avLst/>
+          </a:prstGeom>
+          <a:ln w="38100" cap="sq">
+            <a:solidFill>
+              <a:schemeClr val="accent2"/>
+            </a:solidFill>
+            <a:prstDash val="solid"/>
+            <a:miter lim="800000"/>
+          </a:ln>
+          <a:effectLst>
+            <a:outerShdw blurRad="50800" dist="38100" dir="2700000" algn="tl" rotWithShape="0">
+              <a:srgbClr val="000000">
+                <a:alpha val="43000"/>
+              </a:srgbClr>
+            </a:outerShdw>
+          </a:effectLst>
+        </p:spPr>
+      </p:pic>
+    </p:spTree>
+  </p:cSld>
+  <p:clrMapOvr>
+    <a:masterClrMapping/>
+  </p:clrMapOvr>
+  <p:timing>
+    <p:tnLst>
+      <p:par>
+        <p:cTn id="1" dur="indefinite" restart="never" nodeType="tmRoot">
+          <p:childTnLst>
+            <p:seq concurrent="1" nextAc="seek">
+              <p:cTn id="2" dur="indefinite" nodeType="mainSeq">
+                <p:childTnLst>
+                  <p:par>
+                    <p:cTn id="3" fill="hold">
+                      <p:stCondLst>
+                        <p:cond delay="indefinite"/>
+                      </p:stCondLst>
+                      <p:childTnLst>
+                        <p:par>
+                          <p:cTn id="4" fill="hold">
+                            <p:stCondLst>
+                              <p:cond delay="0"/>
+                            </p:stCondLst>
+                            <p:childTnLst>
+                              <p:par>
+                                <p:cTn id="5" presetID="1" presetClass="entr" presetSubtype="0" fill="hold" nodeType="clickEffect">
+                                  <p:stCondLst>
+                                    <p:cond delay="0"/>
+                                  </p:stCondLst>
+                                  <p:childTnLst>
+                                    <p:set>
+                                      <p:cBhvr>
+                                        <p:cTn id="6" dur="1" fill="hold">
+                                          <p:stCondLst>
+                                            <p:cond delay="0"/>
+                                          </p:stCondLst>
+                                        </p:cTn>
+                                        <p:tgtEl>
+                                          <p:spTgt spid="12"/>
+                                        </p:tgtEl>
+                                        <p:attrNameLst>
+                                          <p:attrName>style.visibility</p:attrName>
+                                        </p:attrNameLst>
+                                      </p:cBhvr>
+                                      <p:to>
+                                        <p:strVal val="visible"/>
+                                      </p:to>
+                                    </p:set>
+                                  </p:childTnLst>
+                                </p:cTn>
+                              </p:par>
+                            </p:childTnLst>
+                          </p:cTn>
+                        </p:par>
+                      </p:childTnLst>
+                    </p:cTn>
+                  </p:par>
+                </p:childTnLst>
+              </p:cTn>
+              <p:prevCondLst>
+                <p:cond evt="onPrev" delay="0">
+                  <p:tgtEl>
+                    <p:sldTgt/>
+                  </p:tgtEl>
+                </p:cond>
+              </p:prevCondLst>
+              <p:nextCondLst>
+                <p:cond evt="onNext" delay="0">
+                  <p:tgtEl>
+                    <p:sldTgt/>
+                  </p:tgtEl>
+                </p:cond>
+              </p:nextCondLst>
+            </p:seq>
+          </p:childTnLst>
+        </p:cTn>
+      </p:par>
+    </p:tnLst>
+  </p:timing>
+</p:sld>
+</file>
+
+<file path=ppt/slides/slide18.xml><?xml version="1.0" encoding="utf-8"?>
+<p:sld xmlns:a="http://schemas.openxmlformats.org/drawingml/2006/main" xmlns:r="http://schemas.openxmlformats.org/officeDocument/2006/relationships" xmlns:p="http://schemas.openxmlformats.org/presentationml/2006/main">
+  <p:cSld>
+    <p:spTree>
+      <p:nvGrpSpPr>
+        <p:cNvPr id="1" name=""/>
+        <p:cNvGrpSpPr/>
+        <p:nvPr/>
+      </p:nvGrpSpPr>
+      <p:grpSpPr>
+        <a:xfrm>
+          <a:off x="0" y="0"/>
+          <a:ext cx="0" cy="0"/>
+          <a:chOff x="0" y="0"/>
+          <a:chExt cx="0" cy="0"/>
+        </a:xfrm>
+      </p:grpSpPr>
+      <p:sp>
+        <p:nvSpPr>
+          <p:cNvPr id="4" name="Titre 1"/>
+          <p:cNvSpPr txBox="1">
+            <a:spLocks/>
+          </p:cNvSpPr>
+          <p:nvPr/>
+        </p:nvSpPr>
+        <p:spPr>
+          <a:xfrm>
+            <a:off x="428596" y="142856"/>
+            <a:ext cx="7467600" cy="952500"/>
+          </a:xfrm>
+          <a:prstGeom prst="rect">
+            <a:avLst/>
+          </a:prstGeom>
+        </p:spPr>
+        <p:txBody>
+          <a:bodyPr vert="horz" lIns="45720" rIns="45720" anchor="ctr">
+            <a:normAutofit/>
+          </a:bodyPr>
+          <a:lstStyle/>
+          <a:p>
+            <a:pPr marL="0" marR="0" lvl="0" indent="0" algn="l" defTabSz="914400" rtl="0" eaLnBrk="1" fontAlgn="auto" latinLnBrk="0" hangingPunct="1">
+              <a:lnSpc>
+                <a:spcPct val="100000"/>
+              </a:lnSpc>
+              <a:spcBef>
+                <a:spcPct val="0"/>
+              </a:spcBef>
+              <a:spcAft>
+                <a:spcPts val="0"/>
+              </a:spcAft>
+              <a:buClrTx/>
+              <a:buSzTx/>
+              <a:buFontTx/>
+              <a:buNone/>
+              <a:tabLst/>
+              <a:defRPr/>
+            </a:pPr>
+            <a:r>
+              <a:rPr kumimoji="0" lang="fr-FR" sz="4600" b="0" i="0" u="none" strike="noStrike" kern="1200" cap="none" spc="0" normalizeH="0" baseline="0" noProof="0" dirty="0" smtClean="0">
+                <a:ln w="18415" cmpd="sng">
+                  <a:solidFill>
+                    <a:srgbClr val="FFFFFF"/>
+                  </a:solidFill>
+                  <a:prstDash val="solid"/>
+                </a:ln>
+                <a:solidFill>
+                  <a:srgbClr val="FFFFFF"/>
+                </a:solidFill>
+                <a:effectLst>
+                  <a:outerShdw blurRad="63500" dir="3600000" algn="tl" rotWithShape="0">
+                    <a:srgbClr val="000000">
+                      <a:alpha val="70000"/>
+                    </a:srgbClr>
+                  </a:outerShdw>
+                </a:effectLst>
+                <a:uLnTx/>
+                <a:uFillTx/>
+                <a:latin typeface="+mj-lt"/>
+                <a:ea typeface="+mj-ea"/>
+                <a:cs typeface="+mj-cs"/>
+              </a:rPr>
+              <a:t>LES TESTS UNITAIRES</a:t>
+            </a:r>
+            <a:endParaRPr kumimoji="0" lang="fr-FR" sz="4600" b="0" i="0" u="none" strike="noStrike" kern="1200" cap="none" spc="0" normalizeH="0" baseline="0" noProof="0" dirty="0">
+              <a:ln w="18415" cmpd="sng">
+                <a:solidFill>
+                  <a:srgbClr val="FFFFFF"/>
+                </a:solidFill>
+                <a:prstDash val="solid"/>
+              </a:ln>
+              <a:solidFill>
+                <a:srgbClr val="FFFFFF"/>
+              </a:solidFill>
+              <a:effectLst>
+                <a:outerShdw blurRad="63500" dir="3600000" algn="tl" rotWithShape="0">
+                  <a:srgbClr val="000000">
+                    <a:alpha val="70000"/>
+                  </a:srgbClr>
+                </a:outerShdw>
+              </a:effectLst>
+              <a:uLnTx/>
+              <a:uFillTx/>
+              <a:latin typeface="+mj-lt"/>
+              <a:ea typeface="+mj-ea"/>
+              <a:cs typeface="+mj-cs"/>
+            </a:endParaRPr>
+          </a:p>
+        </p:txBody>
+      </p:sp>
+      <p:sp>
+        <p:nvSpPr>
+          <p:cNvPr id="5" name="ZoneTexte 4"/>
+          <p:cNvSpPr txBox="1"/>
+          <p:nvPr/>
+        </p:nvSpPr>
+        <p:spPr>
+          <a:xfrm>
+            <a:off x="857224" y="928674"/>
+            <a:ext cx="5857916" cy="369332"/>
+          </a:xfrm>
+          <a:prstGeom prst="rect">
+            <a:avLst/>
+          </a:prstGeom>
+          <a:noFill/>
+        </p:spPr>
+        <p:txBody>
+          <a:bodyPr wrap="square" rtlCol="0">
+            <a:spAutoFit/>
+          </a:bodyPr>
+          <a:lstStyle/>
+          <a:p>
+            <a:r>
+              <a:rPr lang="fr-FR" dirty="0" smtClean="0"/>
+              <a:t>Contrôle du module RTC</a:t>
+            </a:r>
+            <a:endParaRPr lang="fr-FR" dirty="0"/>
+          </a:p>
+        </p:txBody>
+      </p:sp>
+      <p:sp>
+        <p:nvSpPr>
+          <p:cNvPr id="7" name="ZoneTexte 6"/>
+          <p:cNvSpPr txBox="1"/>
+          <p:nvPr/>
+        </p:nvSpPr>
+        <p:spPr>
+          <a:xfrm>
+            <a:off x="5643570" y="1071550"/>
+            <a:ext cx="3000396" cy="369332"/>
+          </a:xfrm>
+          <a:prstGeom prst="rect">
+            <a:avLst/>
+          </a:prstGeom>
+          <a:noFill/>
+        </p:spPr>
+        <p:txBody>
+          <a:bodyPr wrap="square" rtlCol="0">
+            <a:spAutoFit/>
+          </a:bodyPr>
+          <a:lstStyle/>
+          <a:p>
+            <a:r>
+              <a:rPr lang="fr-FR" dirty="0" smtClean="0"/>
+              <a:t>Montage</a:t>
+            </a:r>
+            <a:endParaRPr lang="fr-FR" dirty="0"/>
+          </a:p>
+        </p:txBody>
+      </p:sp>
+      <p:pic>
+        <p:nvPicPr>
+          <p:cNvPr id="10" name="Image 9" descr="Q:\Projet_Domotique_GITBTS\Rapport\Lore\img\ch3-schematic-arduino_rtc.png"/>
+          <p:cNvPicPr/>
+          <p:nvPr/>
+        </p:nvPicPr>
+        <p:blipFill>
+          <a:blip r:embed="rId2"/>
+          <a:srcRect/>
+          <a:stretch>
+            <a:fillRect/>
+          </a:stretch>
+        </p:blipFill>
+        <p:spPr bwMode="auto">
+          <a:xfrm>
+            <a:off x="3428992" y="1714492"/>
+            <a:ext cx="5434914" cy="2500330"/>
+          </a:xfrm>
+          <a:prstGeom prst="rect">
+            <a:avLst/>
+          </a:prstGeom>
+          <a:ln w="38100" cap="sq">
+            <a:solidFill>
+              <a:schemeClr val="accent2"/>
+            </a:solidFill>
+            <a:prstDash val="solid"/>
+            <a:miter lim="800000"/>
+          </a:ln>
+          <a:effectLst>
+            <a:outerShdw blurRad="50800" dist="38100" dir="2700000" algn="tl" rotWithShape="0">
+              <a:srgbClr val="000000">
+                <a:alpha val="43000"/>
+              </a:srgbClr>
+            </a:outerShdw>
+          </a:effectLst>
+        </p:spPr>
+      </p:pic>
+      <p:pic>
+        <p:nvPicPr>
+          <p:cNvPr id="11" name="Image 10"/>
+          <p:cNvPicPr/>
+          <p:nvPr/>
+        </p:nvPicPr>
+        <p:blipFill>
+          <a:blip r:embed="rId3"/>
+          <a:srcRect/>
+          <a:stretch>
+            <a:fillRect/>
+          </a:stretch>
+        </p:blipFill>
+        <p:spPr bwMode="auto">
+          <a:xfrm>
+            <a:off x="571472" y="1571616"/>
+            <a:ext cx="2383699" cy="3000396"/>
+          </a:xfrm>
+          <a:prstGeom prst="rect">
+            <a:avLst/>
+          </a:prstGeom>
+          <a:ln w="38100" cap="sq">
+            <a:solidFill>
+              <a:schemeClr val="accent2"/>
+            </a:solidFill>
+            <a:prstDash val="solid"/>
+            <a:miter lim="800000"/>
+          </a:ln>
+          <a:effectLst>
+            <a:outerShdw blurRad="50800" dist="38100" dir="2700000" algn="tl" rotWithShape="0">
+              <a:srgbClr val="000000">
+                <a:alpha val="43000"/>
+              </a:srgbClr>
+            </a:outerShdw>
+          </a:effectLst>
+        </p:spPr>
+      </p:pic>
+    </p:spTree>
+  </p:cSld>
+  <p:clrMapOvr>
+    <a:masterClrMapping/>
+  </p:clrMapOvr>
+  <p:timing>
+    <p:tnLst>
+      <p:par>
+        <p:cTn id="1" dur="indefinite" restart="never" nodeType="tmRoot"/>
+      </p:par>
+    </p:tnLst>
+  </p:timing>
+</p:sld>
+</file>
+
+<file path=ppt/slides/slide19.xml><?xml version="1.0" encoding="utf-8"?>
+<p:sld xmlns:a="http://schemas.openxmlformats.org/drawingml/2006/main" xmlns:r="http://schemas.openxmlformats.org/officeDocument/2006/relationships" xmlns:p="http://schemas.openxmlformats.org/presentationml/2006/main">
+  <p:cSld>
+    <p:spTree>
+      <p:nvGrpSpPr>
+        <p:cNvPr id="1" name=""/>
+        <p:cNvGrpSpPr/>
+        <p:nvPr/>
+      </p:nvGrpSpPr>
+      <p:grpSpPr>
+        <a:xfrm>
+          <a:off x="0" y="0"/>
+          <a:ext cx="0" cy="0"/>
+          <a:chOff x="0" y="0"/>
+          <a:chExt cx="0" cy="0"/>
+        </a:xfrm>
+      </p:grpSpPr>
+      <p:sp>
+        <p:nvSpPr>
+          <p:cNvPr id="4" name="Titre 1"/>
+          <p:cNvSpPr txBox="1">
+            <a:spLocks/>
+          </p:cNvSpPr>
+          <p:nvPr/>
+        </p:nvSpPr>
+        <p:spPr>
+          <a:xfrm>
+            <a:off x="428596" y="142856"/>
+            <a:ext cx="7467600" cy="952500"/>
+          </a:xfrm>
+          <a:prstGeom prst="rect">
+            <a:avLst/>
+          </a:prstGeom>
+        </p:spPr>
+        <p:txBody>
+          <a:bodyPr vert="horz" lIns="45720" rIns="45720" anchor="ctr">
+            <a:normAutofit/>
+          </a:bodyPr>
+          <a:lstStyle/>
+          <a:p>
+            <a:pPr marL="0" marR="0" lvl="0" indent="0" algn="l" defTabSz="914400" rtl="0" eaLnBrk="1" fontAlgn="auto" latinLnBrk="0" hangingPunct="1">
+              <a:lnSpc>
+                <a:spcPct val="100000"/>
+              </a:lnSpc>
+              <a:spcBef>
+                <a:spcPct val="0"/>
+              </a:spcBef>
+              <a:spcAft>
+                <a:spcPts val="0"/>
+              </a:spcAft>
+              <a:buClrTx/>
+              <a:buSzTx/>
+              <a:buFontTx/>
+              <a:buNone/>
+              <a:tabLst/>
+              <a:defRPr/>
+            </a:pPr>
+            <a:r>
+              <a:rPr kumimoji="0" lang="fr-FR" sz="4600" b="0" i="0" u="none" strike="noStrike" kern="1200" cap="none" spc="0" normalizeH="0" baseline="0" noProof="0" dirty="0" smtClean="0">
+                <a:ln w="18415" cmpd="sng">
+                  <a:solidFill>
+                    <a:srgbClr val="FFFFFF"/>
+                  </a:solidFill>
+                  <a:prstDash val="solid"/>
+                </a:ln>
+                <a:solidFill>
+                  <a:srgbClr val="FFFFFF"/>
+                </a:solidFill>
+                <a:effectLst>
+                  <a:outerShdw blurRad="63500" dir="3600000" algn="tl" rotWithShape="0">
+                    <a:srgbClr val="000000">
+                      <a:alpha val="70000"/>
+                    </a:srgbClr>
+                  </a:outerShdw>
+                </a:effectLst>
+                <a:uLnTx/>
+                <a:uFillTx/>
+                <a:latin typeface="+mj-lt"/>
+                <a:ea typeface="+mj-ea"/>
+                <a:cs typeface="+mj-cs"/>
+              </a:rPr>
+              <a:t>LES TESTS UNITAIRES</a:t>
+            </a:r>
+            <a:endParaRPr kumimoji="0" lang="fr-FR" sz="4600" b="0" i="0" u="none" strike="noStrike" kern="1200" cap="none" spc="0" normalizeH="0" baseline="0" noProof="0" dirty="0">
+              <a:ln w="18415" cmpd="sng">
+                <a:solidFill>
+                  <a:srgbClr val="FFFFFF"/>
+                </a:solidFill>
+                <a:prstDash val="solid"/>
+              </a:ln>
+              <a:solidFill>
+                <a:srgbClr val="FFFFFF"/>
+              </a:solidFill>
+              <a:effectLst>
+                <a:outerShdw blurRad="63500" dir="3600000" algn="tl" rotWithShape="0">
+                  <a:srgbClr val="000000">
+                    <a:alpha val="70000"/>
+                  </a:srgbClr>
+                </a:outerShdw>
+              </a:effectLst>
+              <a:uLnTx/>
+              <a:uFillTx/>
+              <a:latin typeface="+mj-lt"/>
+              <a:ea typeface="+mj-ea"/>
+              <a:cs typeface="+mj-cs"/>
+            </a:endParaRPr>
+          </a:p>
+        </p:txBody>
+      </p:sp>
+      <p:sp>
+        <p:nvSpPr>
+          <p:cNvPr id="5" name="ZoneTexte 4"/>
+          <p:cNvSpPr txBox="1"/>
+          <p:nvPr/>
+        </p:nvSpPr>
+        <p:spPr>
+          <a:xfrm>
+            <a:off x="857224" y="928674"/>
+            <a:ext cx="5857916" cy="369332"/>
+          </a:xfrm>
+          <a:prstGeom prst="rect">
+            <a:avLst/>
+          </a:prstGeom>
+          <a:noFill/>
+        </p:spPr>
+        <p:txBody>
+          <a:bodyPr wrap="square" rtlCol="0">
+            <a:spAutoFit/>
+          </a:bodyPr>
+          <a:lstStyle/>
+          <a:p>
+            <a:r>
+              <a:rPr lang="fr-FR" dirty="0" smtClean="0"/>
+              <a:t>Compteur électrique</a:t>
+            </a:r>
+            <a:endParaRPr lang="fr-FR" dirty="0"/>
+          </a:p>
+        </p:txBody>
+      </p:sp>
+      <p:sp>
+        <p:nvSpPr>
+          <p:cNvPr id="7" name="ZoneTexte 6"/>
+          <p:cNvSpPr txBox="1"/>
+          <p:nvPr/>
+        </p:nvSpPr>
+        <p:spPr>
+          <a:xfrm>
+            <a:off x="5572132" y="928674"/>
+            <a:ext cx="3000396" cy="369332"/>
+          </a:xfrm>
+          <a:prstGeom prst="rect">
+            <a:avLst/>
+          </a:prstGeom>
+          <a:noFill/>
+        </p:spPr>
+        <p:txBody>
+          <a:bodyPr wrap="square" rtlCol="0">
+            <a:spAutoFit/>
+          </a:bodyPr>
+          <a:lstStyle/>
+          <a:p>
+            <a:r>
+              <a:rPr lang="fr-FR" dirty="0" smtClean="0"/>
+              <a:t>Montage</a:t>
+            </a:r>
+            <a:endParaRPr lang="fr-FR" dirty="0"/>
+          </a:p>
+        </p:txBody>
+      </p:sp>
+      <p:pic>
+        <p:nvPicPr>
+          <p:cNvPr id="10" name="Image 9" descr="FIG001.BMP"/>
+          <p:cNvPicPr/>
+          <p:nvPr/>
+        </p:nvPicPr>
+        <p:blipFill>
+          <a:blip r:embed="rId2"/>
+          <a:stretch>
+            <a:fillRect/>
+          </a:stretch>
+        </p:blipFill>
+        <p:spPr>
+          <a:xfrm>
+            <a:off x="428596" y="1714492"/>
+            <a:ext cx="4582234" cy="3447728"/>
+          </a:xfrm>
+          <a:prstGeom prst="rect">
+            <a:avLst/>
+          </a:prstGeom>
+          <a:ln w="38100" cap="sq">
+            <a:solidFill>
+              <a:schemeClr val="accent2"/>
+            </a:solidFill>
+            <a:prstDash val="solid"/>
+            <a:miter lim="800000"/>
+          </a:ln>
+          <a:effectLst>
+            <a:outerShdw blurRad="50800" dist="38100" dir="2700000" algn="tl" rotWithShape="0">
+              <a:srgbClr val="000000">
+                <a:alpha val="43000"/>
+              </a:srgbClr>
+            </a:outerShdw>
+          </a:effectLst>
+        </p:spPr>
+      </p:pic>
+      <p:pic>
+        <p:nvPicPr>
+          <p:cNvPr id="11" name="Image 10" descr="Q:\Projet_Domotique_GITBTS\Rapport\Lore\img\compteur_elec.png"/>
+          <p:cNvPicPr/>
+          <p:nvPr/>
+        </p:nvPicPr>
+        <p:blipFill>
+          <a:blip r:embed="rId3"/>
+          <a:srcRect/>
+          <a:stretch>
+            <a:fillRect/>
+          </a:stretch>
+        </p:blipFill>
+        <p:spPr bwMode="auto">
+          <a:xfrm>
+            <a:off x="4429124" y="1571616"/>
+            <a:ext cx="4354564" cy="3000396"/>
+          </a:xfrm>
+          <a:prstGeom prst="rect">
+            <a:avLst/>
+          </a:prstGeom>
+          <a:ln w="38100" cap="sq">
+            <a:solidFill>
+              <a:schemeClr val="accent2"/>
+            </a:solidFill>
+            <a:prstDash val="solid"/>
+            <a:miter lim="800000"/>
+          </a:ln>
+          <a:effectLst>
+            <a:outerShdw blurRad="50800" dist="38100" dir="2700000" algn="tl" rotWithShape="0">
+              <a:srgbClr val="000000">
+                <a:alpha val="43000"/>
+              </a:srgbClr>
+            </a:outerShdw>
+          </a:effectLst>
+        </p:spPr>
+      </p:pic>
+    </p:spTree>
+  </p:cSld>
+  <p:clrMapOvr>
+    <a:masterClrMapping/>
+  </p:clrMapOvr>
+  <p:timing>
+    <p:tnLst>
+      <p:par>
+        <p:cTn id="1" dur="indefinite" restart="never" nodeType="tmRoot"/>
+      </p:par>
+    </p:tnLst>
+  </p:timing>
 </p:sld>
 </file>
 
@@ -9873,4 +11218,287 @@
   <a:objectDefaults/>
   <a:extraClrSchemeLst/>
 </a:theme>
+</file>
+
+<file path=ppt/theme/theme2.xml><?xml version="1.0" encoding="utf-8"?>
+<a:theme xmlns:a="http://schemas.openxmlformats.org/drawingml/2006/main" name="Thème Office">
+  <a:themeElements>
+    <a:clrScheme name="Office">
+      <a:dk1>
+        <a:sysClr val="windowText" lastClr="000000"/>
+      </a:dk1>
+      <a:lt1>
+        <a:sysClr val="window" lastClr="FFFFFF"/>
+      </a:lt1>
+      <a:dk2>
+        <a:srgbClr val="1F497D"/>
+      </a:dk2>
+      <a:lt2>
+        <a:srgbClr val="EEECE1"/>
+      </a:lt2>
+      <a:accent1>
+        <a:srgbClr val="4F81BD"/>
+      </a:accent1>
+      <a:accent2>
+        <a:srgbClr val="C0504D"/>
+      </a:accent2>
+      <a:accent3>
+        <a:srgbClr val="9BBB59"/>
+      </a:accent3>
+      <a:accent4>
+        <a:srgbClr val="8064A2"/>
+      </a:accent4>
+      <a:accent5>
+        <a:srgbClr val="4BACC6"/>
+      </a:accent5>
+      <a:accent6>
+        <a:srgbClr val="F79646"/>
+      </a:accent6>
+      <a:hlink>
+        <a:srgbClr val="0000FF"/>
+      </a:hlink>
+      <a:folHlink>
+        <a:srgbClr val="800080"/>
+      </a:folHlink>
+    </a:clrScheme>
+    <a:fontScheme name="Office">
+      <a:majorFont>
+        <a:latin typeface="Calibri"/>
+        <a:ea typeface=""/>
+        <a:cs typeface=""/>
+        <a:font script="Jpan" typeface="ＭＳ Ｐゴシック"/>
+        <a:font script="Hang" typeface="맑은 고딕"/>
+        <a:font script="Hans" typeface="宋体"/>
+        <a:font script="Hant" typeface="新細明體"/>
+        <a:font script="Arab" typeface="Times New Roman"/>
+        <a:font script="Hebr" typeface="Times New Roman"/>
+        <a:font script="Thai" typeface="Angsana New"/>
+        <a:font script="Ethi" typeface="Nyala"/>
+        <a:font script="Beng" typeface="Vrinda"/>
+        <a:font script="Gujr" typeface="Shruti"/>
+        <a:font script="Khmr" typeface="MoolBoran"/>
+        <a:font script="Knda" typeface="Tunga"/>
+        <a:font script="Guru" typeface="Raavi"/>
+        <a:font script="Cans" typeface="Euphemia"/>
+        <a:font script="Cher" typeface="Plantagenet Cherokee"/>
+        <a:font script="Yiii" typeface="Microsoft Yi Baiti"/>
+        <a:font script="Tibt" typeface="Microsoft Himalaya"/>
+        <a:font script="Thaa" typeface="MV Boli"/>
+        <a:font script="Deva" typeface="Mangal"/>
+        <a:font script="Telu" typeface="Gautami"/>
+        <a:font script="Taml" typeface="Latha"/>
+        <a:font script="Syrc" typeface="Estrangelo Edessa"/>
+        <a:font script="Orya" typeface="Kalinga"/>
+        <a:font script="Mlym" typeface="Kartika"/>
+        <a:font script="Laoo" typeface="DokChampa"/>
+        <a:font script="Sinh" typeface="Iskoola Pota"/>
+        <a:font script="Mong" typeface="Mongolian Baiti"/>
+        <a:font script="Viet" typeface="Times New Roman"/>
+        <a:font script="Uigh" typeface="Microsoft Uighur"/>
+      </a:majorFont>
+      <a:minorFont>
+        <a:latin typeface="Calibri"/>
+        <a:ea typeface=""/>
+        <a:cs typeface=""/>
+        <a:font script="Jpan" typeface="ＭＳ Ｐゴシック"/>
+        <a:font script="Hang" typeface="맑은 고딕"/>
+        <a:font script="Hans" typeface="宋体"/>
+        <a:font script="Hant" typeface="新細明體"/>
+        <a:font script="Arab" typeface="Arial"/>
+        <a:font script="Hebr" typeface="Arial"/>
+        <a:font script="Thai" typeface="Cordia New"/>
+        <a:font script="Ethi" typeface="Nyala"/>
+        <a:font script="Beng" typeface="Vrinda"/>
+        <a:font script="Gujr" typeface="Shruti"/>
+        <a:font script="Khmr" typeface="DaunPenh"/>
+        <a:font script="Knda" typeface="Tunga"/>
+        <a:font script="Guru" typeface="Raavi"/>
+        <a:font script="Cans" typeface="Euphemia"/>
+        <a:font script="Cher" typeface="Plantagenet Cherokee"/>
+        <a:font script="Yiii" typeface="Microsoft Yi Baiti"/>
+        <a:font script="Tibt" typeface="Microsoft Himalaya"/>
+        <a:font script="Thaa" typeface="MV Boli"/>
+        <a:font script="Deva" typeface="Mangal"/>
+        <a:font script="Telu" typeface="Gautami"/>
+        <a:font script="Taml" typeface="Latha"/>
+        <a:font script="Syrc" typeface="Estrangelo Edessa"/>
+        <a:font script="Orya" typeface="Kalinga"/>
+        <a:font script="Mlym" typeface="Kartika"/>
+        <a:font script="Laoo" typeface="DokChampa"/>
+        <a:font script="Sinh" typeface="Iskoola Pota"/>
+        <a:font script="Mong" typeface="Mongolian Baiti"/>
+        <a:font script="Viet" typeface="Arial"/>
+        <a:font script="Uigh" typeface="Microsoft Uighur"/>
+      </a:minorFont>
+    </a:fontScheme>
+    <a:fmtScheme name="Office">
+      <a:fillStyleLst>
+        <a:solidFill>
+          <a:schemeClr val="phClr"/>
+        </a:solidFill>
+        <a:gradFill rotWithShape="1">
+          <a:gsLst>
+            <a:gs pos="0">
+              <a:schemeClr val="phClr">
+                <a:tint val="50000"/>
+                <a:satMod val="300000"/>
+              </a:schemeClr>
+            </a:gs>
+            <a:gs pos="35000">
+              <a:schemeClr val="phClr">
+                <a:tint val="37000"/>
+                <a:satMod val="300000"/>
+              </a:schemeClr>
+            </a:gs>
+            <a:gs pos="100000">
+              <a:schemeClr val="phClr">
+                <a:tint val="15000"/>
+                <a:satMod val="350000"/>
+              </a:schemeClr>
+            </a:gs>
+          </a:gsLst>
+          <a:lin ang="16200000" scaled="1"/>
+        </a:gradFill>
+        <a:gradFill rotWithShape="1">
+          <a:gsLst>
+            <a:gs pos="0">
+              <a:schemeClr val="phClr">
+                <a:shade val="51000"/>
+                <a:satMod val="130000"/>
+              </a:schemeClr>
+            </a:gs>
+            <a:gs pos="80000">
+              <a:schemeClr val="phClr">
+                <a:shade val="93000"/>
+                <a:satMod val="130000"/>
+              </a:schemeClr>
+            </a:gs>
+            <a:gs pos="100000">
+              <a:schemeClr val="phClr">
+                <a:shade val="94000"/>
+                <a:satMod val="135000"/>
+              </a:schemeClr>
+            </a:gs>
+          </a:gsLst>
+          <a:lin ang="16200000" scaled="0"/>
+        </a:gradFill>
+      </a:fillStyleLst>
+      <a:lnStyleLst>
+        <a:ln w="9525" cap="flat" cmpd="sng" algn="ctr">
+          <a:solidFill>
+            <a:schemeClr val="phClr">
+              <a:shade val="95000"/>
+              <a:satMod val="105000"/>
+            </a:schemeClr>
+          </a:solidFill>
+          <a:prstDash val="solid"/>
+        </a:ln>
+        <a:ln w="25400" cap="flat" cmpd="sng" algn="ctr">
+          <a:solidFill>
+            <a:schemeClr val="phClr"/>
+          </a:solidFill>
+          <a:prstDash val="solid"/>
+        </a:ln>
+        <a:ln w="38100" cap="flat" cmpd="sng" algn="ctr">
+          <a:solidFill>
+            <a:schemeClr val="phClr"/>
+          </a:solidFill>
+          <a:prstDash val="solid"/>
+        </a:ln>
+      </a:lnStyleLst>
+      <a:effectStyleLst>
+        <a:effectStyle>
+          <a:effectLst>
+            <a:outerShdw blurRad="40000" dist="20000" dir="5400000" rotWithShape="0">
+              <a:srgbClr val="000000">
+                <a:alpha val="38000"/>
+              </a:srgbClr>
+            </a:outerShdw>
+          </a:effectLst>
+        </a:effectStyle>
+        <a:effectStyle>
+          <a:effectLst>
+            <a:outerShdw blurRad="40000" dist="23000" dir="5400000" rotWithShape="0">
+              <a:srgbClr val="000000">
+                <a:alpha val="35000"/>
+              </a:srgbClr>
+            </a:outerShdw>
+          </a:effectLst>
+        </a:effectStyle>
+        <a:effectStyle>
+          <a:effectLst>
+            <a:outerShdw blurRad="40000" dist="23000" dir="5400000" rotWithShape="0">
+              <a:srgbClr val="000000">
+                <a:alpha val="35000"/>
+              </a:srgbClr>
+            </a:outerShdw>
+          </a:effectLst>
+          <a:scene3d>
+            <a:camera prst="orthographicFront">
+              <a:rot lat="0" lon="0" rev="0"/>
+            </a:camera>
+            <a:lightRig rig="threePt" dir="t">
+              <a:rot lat="0" lon="0" rev="1200000"/>
+            </a:lightRig>
+          </a:scene3d>
+          <a:sp3d>
+            <a:bevelT w="63500" h="25400"/>
+          </a:sp3d>
+        </a:effectStyle>
+      </a:effectStyleLst>
+      <a:bgFillStyleLst>
+        <a:solidFill>
+          <a:schemeClr val="phClr"/>
+        </a:solidFill>
+        <a:gradFill rotWithShape="1">
+          <a:gsLst>
+            <a:gs pos="0">
+              <a:schemeClr val="phClr">
+                <a:tint val="40000"/>
+                <a:satMod val="350000"/>
+              </a:schemeClr>
+            </a:gs>
+            <a:gs pos="40000">
+              <a:schemeClr val="phClr">
+                <a:tint val="45000"/>
+                <a:shade val="99000"/>
+                <a:satMod val="350000"/>
+              </a:schemeClr>
+            </a:gs>
+            <a:gs pos="100000">
+              <a:schemeClr val="phClr">
+                <a:shade val="20000"/>
+                <a:satMod val="255000"/>
+              </a:schemeClr>
+            </a:gs>
+          </a:gsLst>
+          <a:path path="circle">
+            <a:fillToRect l="50000" t="-80000" r="50000" b="180000"/>
+          </a:path>
+        </a:gradFill>
+        <a:gradFill rotWithShape="1">
+          <a:gsLst>
+            <a:gs pos="0">
+              <a:schemeClr val="phClr">
+                <a:tint val="80000"/>
+                <a:satMod val="300000"/>
+              </a:schemeClr>
+            </a:gs>
+            <a:gs pos="100000">
+              <a:schemeClr val="phClr">
+                <a:shade val="30000"/>
+                <a:satMod val="200000"/>
+              </a:schemeClr>
+            </a:gs>
+          </a:gsLst>
+          <a:path path="circle">
+            <a:fillToRect l="50000" t="50000" r="50000" b="50000"/>
+          </a:path>
+        </a:gradFill>
+      </a:bgFillStyleLst>
+    </a:fmtScheme>
+  </a:themeElements>
+  <a:objectDefaults/>
+  <a:extraClrSchemeLst/>
+</a:theme>
 </file>
--- a/Rapport/Lore/presentation_revu.pptx
+++ b/Rapport/Lore/presentation_revu.pptx
@@ -5,7 +5,7 @@
     <p:sldMasterId id="2147483828" r:id="rId1"/>
   </p:sldMasterIdLst>
   <p:notesMasterIdLst>
-    <p:notesMasterId r:id="rId21"/>
+    <p:notesMasterId r:id="rId18"/>
   </p:notesMasterIdLst>
   <p:sldIdLst>
     <p:sldId id="256" r:id="rId2"/>
@@ -13,20 +13,17 @@
     <p:sldId id="258" r:id="rId4"/>
     <p:sldId id="260" r:id="rId5"/>
     <p:sldId id="259" r:id="rId6"/>
-    <p:sldId id="266" r:id="rId7"/>
-    <p:sldId id="267" r:id="rId8"/>
-    <p:sldId id="268" r:id="rId9"/>
-    <p:sldId id="261" r:id="rId10"/>
-    <p:sldId id="262" r:id="rId11"/>
-    <p:sldId id="263" r:id="rId12"/>
-    <p:sldId id="264" r:id="rId13"/>
-    <p:sldId id="271" r:id="rId14"/>
-    <p:sldId id="265" r:id="rId15"/>
-    <p:sldId id="269" r:id="rId16"/>
-    <p:sldId id="270" r:id="rId17"/>
-    <p:sldId id="272" r:id="rId18"/>
-    <p:sldId id="273" r:id="rId19"/>
-    <p:sldId id="274" r:id="rId20"/>
+    <p:sldId id="261" r:id="rId7"/>
+    <p:sldId id="262" r:id="rId8"/>
+    <p:sldId id="263" r:id="rId9"/>
+    <p:sldId id="264" r:id="rId10"/>
+    <p:sldId id="271" r:id="rId11"/>
+    <p:sldId id="265" r:id="rId12"/>
+    <p:sldId id="269" r:id="rId13"/>
+    <p:sldId id="270" r:id="rId14"/>
+    <p:sldId id="272" r:id="rId15"/>
+    <p:sldId id="273" r:id="rId16"/>
+    <p:sldId id="274" r:id="rId17"/>
   </p:sldIdLst>
   <p:sldSz cx="9144000" cy="5715000" type="screen16x10"/>
   <p:notesSz cx="6858000" cy="9144000"/>
@@ -210,7 +207,8 @@
           <a:p>
             <a:fld id="{C96F4F48-8193-4084-9575-C48AE4CFB5A7}" type="datetimeFigureOut">
               <a:rPr lang="fr-FR" smtClean="0"/>
-              <a:t>14/03/2018</a:t>
+              <a:pPr/>
+              <a:t>15/03/2018</a:t>
             </a:fld>
             <a:endParaRPr lang="fr-FR"/>
           </a:p>
@@ -371,6 +369,7 @@
           <a:p>
             <a:fld id="{DB3D6AC6-0CE7-43FB-A3EF-B6370ACDA050}" type="slidenum">
               <a:rPr lang="fr-FR" smtClean="0"/>
+              <a:pPr/>
               <a:t>‹N°›</a:t>
             </a:fld>
             <a:endParaRPr lang="fr-FR"/>
@@ -860,7 +859,7 @@
             <a:fld id="{7385B5F2-299D-41E4-81B4-55AECBC730DC}" type="datetimeFigureOut">
               <a:rPr lang="fr-FR" smtClean="0"/>
               <a:pPr/>
-              <a:t>14/03/2018</a:t>
+              <a:t>15/03/2018</a:t>
             </a:fld>
             <a:endParaRPr lang="fr-FR"/>
           </a:p>
@@ -1027,7 +1026,7 @@
             <a:fld id="{7385B5F2-299D-41E4-81B4-55AECBC730DC}" type="datetimeFigureOut">
               <a:rPr lang="fr-FR" smtClean="0"/>
               <a:pPr/>
-              <a:t>14/03/2018</a:t>
+              <a:t>15/03/2018</a:t>
             </a:fld>
             <a:endParaRPr lang="fr-FR"/>
           </a:p>
@@ -1204,7 +1203,7 @@
             <a:fld id="{7385B5F2-299D-41E4-81B4-55AECBC730DC}" type="datetimeFigureOut">
               <a:rPr lang="fr-FR" smtClean="0"/>
               <a:pPr/>
-              <a:t>14/03/2018</a:t>
+              <a:t>15/03/2018</a:t>
             </a:fld>
             <a:endParaRPr lang="fr-FR"/>
           </a:p>
@@ -1375,7 +1374,7 @@
             <a:fld id="{7385B5F2-299D-41E4-81B4-55AECBC730DC}" type="datetimeFigureOut">
               <a:rPr lang="fr-FR" smtClean="0"/>
               <a:pPr/>
-              <a:t>14/03/2018</a:t>
+              <a:t>15/03/2018</a:t>
             </a:fld>
             <a:endParaRPr lang="fr-FR"/>
           </a:p>
@@ -1839,7 +1838,7 @@
             <a:fld id="{7385B5F2-299D-41E4-81B4-55AECBC730DC}" type="datetimeFigureOut">
               <a:rPr lang="fr-FR" smtClean="0"/>
               <a:pPr/>
-              <a:t>14/03/2018</a:t>
+              <a:t>15/03/2018</a:t>
             </a:fld>
             <a:endParaRPr lang="fr-FR"/>
           </a:p>
@@ -2105,7 +2104,7 @@
             <a:fld id="{7385B5F2-299D-41E4-81B4-55AECBC730DC}" type="datetimeFigureOut">
               <a:rPr lang="fr-FR" smtClean="0"/>
               <a:pPr/>
-              <a:t>14/03/2018</a:t>
+              <a:t>15/03/2018</a:t>
             </a:fld>
             <a:endParaRPr lang="fr-FR"/>
           </a:p>
@@ -2481,7 +2480,7 @@
             <a:fld id="{7385B5F2-299D-41E4-81B4-55AECBC730DC}" type="datetimeFigureOut">
               <a:rPr lang="fr-FR" smtClean="0"/>
               <a:pPr/>
-              <a:t>14/03/2018</a:t>
+              <a:t>15/03/2018</a:t>
             </a:fld>
             <a:endParaRPr lang="fr-FR"/>
           </a:p>
@@ -2605,7 +2604,7 @@
             <a:fld id="{7385B5F2-299D-41E4-81B4-55AECBC730DC}" type="datetimeFigureOut">
               <a:rPr lang="fr-FR" smtClean="0"/>
               <a:pPr/>
-              <a:t>14/03/2018</a:t>
+              <a:t>15/03/2018</a:t>
             </a:fld>
             <a:endParaRPr lang="fr-FR"/>
           </a:p>
@@ -2697,7 +2696,7 @@
             <a:fld id="{7385B5F2-299D-41E4-81B4-55AECBC730DC}" type="datetimeFigureOut">
               <a:rPr lang="fr-FR" smtClean="0"/>
               <a:pPr/>
-              <a:t>14/03/2018</a:t>
+              <a:t>15/03/2018</a:t>
             </a:fld>
             <a:endParaRPr lang="fr-FR"/>
           </a:p>
@@ -2948,7 +2947,7 @@
             <a:fld id="{7385B5F2-299D-41E4-81B4-55AECBC730DC}" type="datetimeFigureOut">
               <a:rPr lang="fr-FR" smtClean="0"/>
               <a:pPr/>
-              <a:t>14/03/2018</a:t>
+              <a:t>15/03/2018</a:t>
             </a:fld>
             <a:endParaRPr lang="fr-FR"/>
           </a:p>
@@ -3209,7 +3208,7 @@
             <a:fld id="{7385B5F2-299D-41E4-81B4-55AECBC730DC}" type="datetimeFigureOut">
               <a:rPr lang="fr-FR" smtClean="0"/>
               <a:pPr/>
-              <a:t>14/03/2018</a:t>
+              <a:t>15/03/2018</a:t>
             </a:fld>
             <a:endParaRPr lang="fr-FR"/>
           </a:p>
@@ -3615,7 +3614,7 @@
             <a:fld id="{7385B5F2-299D-41E4-81B4-55AECBC730DC}" type="datetimeFigureOut">
               <a:rPr lang="fr-FR" smtClean="0"/>
               <a:pPr/>
-              <a:t>14/03/2018</a:t>
+              <a:t>15/03/2018</a:t>
             </a:fld>
             <a:endParaRPr lang="fr-FR"/>
           </a:p>
@@ -4096,30 +4095,25 @@
       </p:grpSpPr>
       <p:sp>
         <p:nvSpPr>
-          <p:cNvPr id="4" name="ZoneTexte 3"/>
-          <p:cNvSpPr txBox="1"/>
-          <p:nvPr/>
-        </p:nvSpPr>
-        <p:spPr>
-          <a:xfrm>
-            <a:off x="142844" y="71418"/>
-            <a:ext cx="4105611" cy="461665"/>
-          </a:xfrm>
-          <a:prstGeom prst="rect">
-            <a:avLst/>
-          </a:prstGeom>
-          <a:noFill/>
-        </p:spPr>
-        <p:txBody>
-          <a:bodyPr wrap="none" rtlCol="0">
-            <a:spAutoFit/>
-          </a:bodyPr>
+          <p:cNvPr id="2" name="Titre 1"/>
+          <p:cNvSpPr>
+            <a:spLocks noGrp="1"/>
+          </p:cNvSpPr>
+          <p:nvPr>
+            <p:ph type="title"/>
+          </p:nvPr>
+        </p:nvSpPr>
+        <p:spPr/>
+        <p:txBody>
+          <a:bodyPr/>
           <a:lstStyle/>
           <a:p>
             <a:r>
-              <a:rPr lang="fr-FR" sz="2400" dirty="0" smtClean="0">
+              <a:rPr lang="fr-FR" dirty="0" smtClean="0">
                 <a:ln w="18415" cmpd="sng">
-                  <a:noFill/>
+                  <a:solidFill>
+                    <a:srgbClr val="FFFFFF"/>
+                  </a:solidFill>
                   <a:prstDash val="solid"/>
                 </a:ln>
                 <a:solidFill>
@@ -4133,11 +4127,13 @@
                   </a:outerShdw>
                 </a:effectLst>
               </a:rPr>
-              <a:t>Diagramme séquence web : </a:t>
-            </a:r>
-            <a:endParaRPr lang="fr-FR" sz="2400" dirty="0">
+              <a:t>Mon rôle dans ce projet</a:t>
+            </a:r>
+            <a:endParaRPr lang="fr-FR" dirty="0">
               <a:ln w="18415" cmpd="sng">
-                <a:noFill/>
+                <a:solidFill>
+                  <a:srgbClr val="FFFFFF"/>
+                </a:solidFill>
                 <a:prstDash val="solid"/>
               </a:ln>
               <a:solidFill>
@@ -4154,9 +4150,164 @@
           </a:p>
         </p:txBody>
       </p:sp>
+      <p:sp>
+        <p:nvSpPr>
+          <p:cNvPr id="4" name="ZoneTexte 3"/>
+          <p:cNvSpPr txBox="1"/>
+          <p:nvPr/>
+        </p:nvSpPr>
+        <p:spPr>
+          <a:xfrm>
+            <a:off x="1002804" y="1585514"/>
+            <a:ext cx="2214578" cy="523220"/>
+          </a:xfrm>
+          <a:prstGeom prst="rect">
+            <a:avLst/>
+          </a:prstGeom>
+          <a:noFill/>
+          <a:ln>
+            <a:noFill/>
+          </a:ln>
+        </p:spPr>
+        <p:txBody>
+          <a:bodyPr wrap="square" rtlCol="0">
+            <a:spAutoFit/>
+          </a:bodyPr>
+          <a:lstStyle/>
+          <a:p>
+            <a:r>
+              <a:rPr lang="fr-FR" sz="2800" b="1" spc="50" dirty="0" smtClean="0">
+                <a:ln w="13500">
+                  <a:solidFill>
+                    <a:schemeClr val="accent1">
+                      <a:shade val="2500"/>
+                      <a:alpha val="6500"/>
+                    </a:schemeClr>
+                  </a:solidFill>
+                  <a:prstDash val="solid"/>
+                </a:ln>
+                <a:solidFill>
+                  <a:schemeClr val="accent1">
+                    <a:tint val="3000"/>
+                    <a:alpha val="95000"/>
+                  </a:schemeClr>
+                </a:solidFill>
+                <a:effectLst>
+                  <a:innerShdw blurRad="50900" dist="38500" dir="13500000">
+                    <a:srgbClr val="000000">
+                      <a:alpha val="60000"/>
+                    </a:srgbClr>
+                  </a:innerShdw>
+                </a:effectLst>
+              </a:rPr>
+              <a:t>Confort</a:t>
+            </a:r>
+            <a:endParaRPr lang="fr-FR" sz="2800" b="1" spc="50" dirty="0">
+              <a:ln w="13500">
+                <a:solidFill>
+                  <a:schemeClr val="accent1">
+                    <a:shade val="2500"/>
+                    <a:alpha val="6500"/>
+                  </a:schemeClr>
+                </a:solidFill>
+                <a:prstDash val="solid"/>
+              </a:ln>
+              <a:solidFill>
+                <a:schemeClr val="accent1">
+                  <a:tint val="3000"/>
+                  <a:alpha val="95000"/>
+                </a:schemeClr>
+              </a:solidFill>
+              <a:effectLst>
+                <a:innerShdw blurRad="50900" dist="38500" dir="13500000">
+                  <a:srgbClr val="000000">
+                    <a:alpha val="60000"/>
+                  </a:srgbClr>
+                </a:innerShdw>
+              </a:effectLst>
+            </a:endParaRPr>
+          </a:p>
+        </p:txBody>
+      </p:sp>
+      <p:sp>
+        <p:nvSpPr>
+          <p:cNvPr id="5" name="ZoneTexte 4"/>
+          <p:cNvSpPr txBox="1"/>
+          <p:nvPr/>
+        </p:nvSpPr>
+        <p:spPr>
+          <a:xfrm>
+            <a:off x="5429256" y="1605983"/>
+            <a:ext cx="2857520" cy="523220"/>
+          </a:xfrm>
+          <a:prstGeom prst="rect">
+            <a:avLst/>
+          </a:prstGeom>
+          <a:noFill/>
+        </p:spPr>
+        <p:txBody>
+          <a:bodyPr wrap="square" rtlCol="0">
+            <a:spAutoFit/>
+          </a:bodyPr>
+          <a:lstStyle/>
+          <a:p>
+            <a:r>
+              <a:rPr lang="fr-FR" sz="2800" b="1" spc="50" dirty="0" smtClean="0">
+                <a:ln w="13500">
+                  <a:solidFill>
+                    <a:schemeClr val="accent1">
+                      <a:shade val="2500"/>
+                      <a:alpha val="6500"/>
+                    </a:schemeClr>
+                  </a:solidFill>
+                  <a:prstDash val="solid"/>
+                </a:ln>
+                <a:solidFill>
+                  <a:schemeClr val="accent1">
+                    <a:tint val="3000"/>
+                    <a:alpha val="95000"/>
+                  </a:schemeClr>
+                </a:solidFill>
+                <a:effectLst>
+                  <a:innerShdw blurRad="50900" dist="38500" dir="13500000">
+                    <a:srgbClr val="000000">
+                      <a:alpha val="60000"/>
+                    </a:srgbClr>
+                  </a:innerShdw>
+                </a:effectLst>
+              </a:rPr>
+              <a:t>Consommation</a:t>
+            </a:r>
+            <a:endParaRPr lang="fr-FR" sz="2800" b="1" spc="50" dirty="0">
+              <a:ln w="13500">
+                <a:solidFill>
+                  <a:schemeClr val="accent1">
+                    <a:shade val="2500"/>
+                    <a:alpha val="6500"/>
+                  </a:schemeClr>
+                </a:solidFill>
+                <a:prstDash val="solid"/>
+              </a:ln>
+              <a:solidFill>
+                <a:schemeClr val="accent1">
+                  <a:tint val="3000"/>
+                  <a:alpha val="95000"/>
+                </a:schemeClr>
+              </a:solidFill>
+              <a:effectLst>
+                <a:innerShdw blurRad="50900" dist="38500" dir="13500000">
+                  <a:srgbClr val="000000">
+                    <a:alpha val="60000"/>
+                  </a:srgbClr>
+                </a:innerShdw>
+              </a:effectLst>
+            </a:endParaRPr>
+          </a:p>
+        </p:txBody>
+      </p:sp>
       <p:pic>
         <p:nvPicPr>
-          <p:cNvPr id="1026" name="Picture 2"/>
+          <p:cNvPr id="1026" name="Picture 2" descr="Q:\domotique\humidite.jpg"/>
           <p:cNvPicPr>
             <a:picLocks noChangeAspect="1" noChangeArrowheads="1"/>
           </p:cNvPicPr>
@@ -4171,26 +4322,203 @@
         </p:blipFill>
         <p:spPr bwMode="auto">
           <a:xfrm>
-            <a:off x="1182227" y="571484"/>
-            <a:ext cx="6779546" cy="5081692"/>
+            <a:off x="500034" y="2411107"/>
+            <a:ext cx="1214438" cy="1214438"/>
           </a:xfrm>
           <a:prstGeom prst="rect">
             <a:avLst/>
           </a:prstGeom>
-          <a:ln w="38100" cap="sq">
+          <a:noFill/>
+          <a:ln w="19050">
             <a:solidFill>
               <a:schemeClr val="accent2"/>
             </a:solidFill>
-            <a:prstDash val="solid"/>
-            <a:miter lim="800000"/>
           </a:ln>
-          <a:effectLst>
-            <a:outerShdw blurRad="50800" dist="38100" dir="2700000" algn="tl" rotWithShape="0">
-              <a:srgbClr val="000000">
-                <a:alpha val="43000"/>
-              </a:srgbClr>
-            </a:outerShdw>
-          </a:effectLst>
+        </p:spPr>
+      </p:pic>
+      <p:pic>
+        <p:nvPicPr>
+          <p:cNvPr id="1027" name="Picture 3" descr="Q:\domotique\relais.jpg"/>
+          <p:cNvPicPr>
+            <a:picLocks noChangeAspect="1" noChangeArrowheads="1"/>
+          </p:cNvPicPr>
+          <p:nvPr/>
+        </p:nvPicPr>
+        <p:blipFill>
+          <a:blip r:embed="rId3"/>
+          <a:srcRect/>
+          <a:stretch>
+            <a:fillRect/>
+          </a:stretch>
+        </p:blipFill>
+        <p:spPr bwMode="auto">
+          <a:xfrm>
+            <a:off x="1928794" y="2411107"/>
+            <a:ext cx="1214438" cy="1214438"/>
+          </a:xfrm>
+          <a:prstGeom prst="rect">
+            <a:avLst/>
+          </a:prstGeom>
+          <a:noFill/>
+          <a:ln w="19050">
+            <a:solidFill>
+              <a:schemeClr val="accent2"/>
+            </a:solidFill>
+          </a:ln>
+        </p:spPr>
+      </p:pic>
+      <p:pic>
+        <p:nvPicPr>
+          <p:cNvPr id="1028" name="Picture 4" descr="Q:\domotique\radiateur.jpg"/>
+          <p:cNvPicPr>
+            <a:picLocks noChangeAspect="1" noChangeArrowheads="1"/>
+          </p:cNvPicPr>
+          <p:nvPr/>
+        </p:nvPicPr>
+        <p:blipFill>
+          <a:blip r:embed="rId4"/>
+          <a:srcRect/>
+          <a:stretch>
+            <a:fillRect/>
+          </a:stretch>
+        </p:blipFill>
+        <p:spPr bwMode="auto">
+          <a:xfrm>
+            <a:off x="500034" y="3786194"/>
+            <a:ext cx="1143008" cy="1143008"/>
+          </a:xfrm>
+          <a:prstGeom prst="rect">
+            <a:avLst/>
+          </a:prstGeom>
+          <a:noFill/>
+          <a:ln w="19050">
+            <a:solidFill>
+              <a:schemeClr val="accent2"/>
+            </a:solidFill>
+          </a:ln>
+        </p:spPr>
+      </p:pic>
+      <p:pic>
+        <p:nvPicPr>
+          <p:cNvPr id="1029" name="Picture 5" descr="Q:\domotique\compteur.jpg"/>
+          <p:cNvPicPr>
+            <a:picLocks noChangeAspect="1" noChangeArrowheads="1"/>
+          </p:cNvPicPr>
+          <p:nvPr/>
+        </p:nvPicPr>
+        <p:blipFill>
+          <a:blip r:embed="rId5"/>
+          <a:srcRect/>
+          <a:stretch>
+            <a:fillRect/>
+          </a:stretch>
+        </p:blipFill>
+        <p:spPr bwMode="auto">
+          <a:xfrm>
+            <a:off x="5357818" y="2344699"/>
+            <a:ext cx="1285884" cy="1285884"/>
+          </a:xfrm>
+          <a:prstGeom prst="rect">
+            <a:avLst/>
+          </a:prstGeom>
+          <a:noFill/>
+          <a:ln w="19050">
+            <a:solidFill>
+              <a:schemeClr val="accent2"/>
+            </a:solidFill>
+          </a:ln>
+        </p:spPr>
+      </p:pic>
+      <p:pic>
+        <p:nvPicPr>
+          <p:cNvPr id="1030" name="Picture 6" descr="Q:\domotique\RTC.jpg"/>
+          <p:cNvPicPr>
+            <a:picLocks noChangeAspect="1" noChangeArrowheads="1"/>
+          </p:cNvPicPr>
+          <p:nvPr/>
+        </p:nvPicPr>
+        <p:blipFill>
+          <a:blip r:embed="rId6"/>
+          <a:srcRect/>
+          <a:stretch>
+            <a:fillRect/>
+          </a:stretch>
+        </p:blipFill>
+        <p:spPr bwMode="auto">
+          <a:xfrm>
+            <a:off x="6929454" y="2344699"/>
+            <a:ext cx="1285884" cy="1285884"/>
+          </a:xfrm>
+          <a:prstGeom prst="rect">
+            <a:avLst/>
+          </a:prstGeom>
+          <a:noFill/>
+          <a:ln w="19050">
+            <a:solidFill>
+              <a:schemeClr val="accent2"/>
+            </a:solidFill>
+          </a:ln>
+        </p:spPr>
+      </p:pic>
+      <p:pic>
+        <p:nvPicPr>
+          <p:cNvPr id="1031" name="Picture 7" descr="Q:\domotique\microSD.jpg"/>
+          <p:cNvPicPr>
+            <a:picLocks noChangeAspect="1" noChangeArrowheads="1"/>
+          </p:cNvPicPr>
+          <p:nvPr/>
+        </p:nvPicPr>
+        <p:blipFill>
+          <a:blip r:embed="rId7"/>
+          <a:srcRect/>
+          <a:stretch>
+            <a:fillRect/>
+          </a:stretch>
+        </p:blipFill>
+        <p:spPr bwMode="auto">
+          <a:xfrm>
+            <a:off x="6215074" y="3916335"/>
+            <a:ext cx="1285884" cy="1285884"/>
+          </a:xfrm>
+          <a:prstGeom prst="rect">
+            <a:avLst/>
+          </a:prstGeom>
+          <a:noFill/>
+          <a:ln w="19050">
+            <a:solidFill>
+              <a:schemeClr val="accent2"/>
+            </a:solidFill>
+          </a:ln>
+        </p:spPr>
+      </p:pic>
+      <p:pic>
+        <p:nvPicPr>
+          <p:cNvPr id="3" name="Picture 2" descr="Q:\domotique\capteur-de-qualite-d-air-grove-v13 (1).jpg"/>
+          <p:cNvPicPr>
+            <a:picLocks noChangeAspect="1" noChangeArrowheads="1"/>
+          </p:cNvPicPr>
+          <p:nvPr/>
+        </p:nvPicPr>
+        <p:blipFill>
+          <a:blip r:embed="rId8"/>
+          <a:stretch>
+            <a:fillRect/>
+          </a:stretch>
+        </p:blipFill>
+        <p:spPr bwMode="auto">
+          <a:xfrm>
+            <a:off x="1928794" y="3786194"/>
+            <a:ext cx="1143008" cy="1143008"/>
+          </a:xfrm>
+          <a:prstGeom prst="rect">
+            <a:avLst/>
+          </a:prstGeom>
+          <a:noFill/>
+          <a:ln w="19050">
+            <a:solidFill>
+              <a:schemeClr val="accent2"/>
+            </a:solidFill>
+          </a:ln>
         </p:spPr>
       </p:pic>
     </p:spTree>
@@ -4225,32 +4553,68 @@
           <a:chExt cx="0" cy="0"/>
         </a:xfrm>
       </p:grpSpPr>
-      <p:sp>
-        <p:nvSpPr>
-          <p:cNvPr id="4" name="ZoneTexte 3"/>
-          <p:cNvSpPr txBox="1"/>
+      <p:pic>
+        <p:nvPicPr>
+          <p:cNvPr id="14" name="Image 13" descr="convertisseur_HIH6130.jpg"/>
+          <p:cNvPicPr/>
           <p:nvPr/>
-        </p:nvSpPr>
+        </p:nvPicPr>
+        <p:blipFill>
+          <a:blip r:embed="rId2"/>
+          <a:stretch>
+            <a:fillRect/>
+          </a:stretch>
+        </p:blipFill>
         <p:spPr>
           <a:xfrm>
-            <a:off x="71406" y="71418"/>
-            <a:ext cx="4618572" cy="461665"/>
+            <a:off x="4643438" y="2143120"/>
+            <a:ext cx="3278442" cy="3271268"/>
           </a:xfrm>
           <a:prstGeom prst="rect">
             <a:avLst/>
           </a:prstGeom>
-          <a:noFill/>
-        </p:spPr>
-        <p:txBody>
-          <a:bodyPr wrap="none" rtlCol="0">
-            <a:spAutoFit/>
-          </a:bodyPr>
+          <a:ln w="38100" cap="sq">
+            <a:solidFill>
+              <a:schemeClr val="accent2"/>
+            </a:solidFill>
+            <a:prstDash val="solid"/>
+            <a:miter lim="800000"/>
+          </a:ln>
+          <a:effectLst>
+            <a:outerShdw blurRad="50800" dist="38100" dir="2700000" algn="tl" rotWithShape="0">
+              <a:srgbClr val="000000">
+                <a:alpha val="43000"/>
+              </a:srgbClr>
+            </a:outerShdw>
+          </a:effectLst>
+        </p:spPr>
+      </p:pic>
+      <p:sp>
+        <p:nvSpPr>
+          <p:cNvPr id="2" name="Titre 1"/>
+          <p:cNvSpPr>
+            <a:spLocks noGrp="1"/>
+          </p:cNvSpPr>
+          <p:nvPr>
+            <p:ph type="title"/>
+          </p:nvPr>
+        </p:nvSpPr>
+        <p:spPr>
+          <a:xfrm>
+            <a:off x="428596" y="142856"/>
+            <a:ext cx="7467600" cy="952500"/>
+          </a:xfrm>
+        </p:spPr>
+        <p:txBody>
+          <a:bodyPr/>
           <a:lstStyle/>
           <a:p>
             <a:r>
-              <a:rPr lang="fr-FR" sz="2400" dirty="0" smtClean="0">
+              <a:rPr lang="fr-FR" dirty="0" smtClean="0">
                 <a:ln w="18415" cmpd="sng">
-                  <a:noFill/>
+                  <a:solidFill>
+                    <a:srgbClr val="FFFFFF"/>
+                  </a:solidFill>
                   <a:prstDash val="solid"/>
                 </a:ln>
                 <a:solidFill>
@@ -4264,11 +4628,13 @@
                   </a:outerShdw>
                 </a:effectLst>
               </a:rPr>
-              <a:t>Diagramme séquence sécurité : </a:t>
-            </a:r>
-            <a:endParaRPr lang="fr-FR" sz="2400" dirty="0">
+              <a:t>LES TESTS UNITAIRES</a:t>
+            </a:r>
+            <a:endParaRPr lang="fr-FR" dirty="0">
               <a:ln w="18415" cmpd="sng">
-                <a:noFill/>
+                <a:solidFill>
+                  <a:srgbClr val="FFFFFF"/>
+                </a:solidFill>
                 <a:prstDash val="solid"/>
               </a:ln>
               <a:solidFill>
@@ -4285,16 +4651,44 @@
           </a:p>
         </p:txBody>
       </p:sp>
+      <p:sp>
+        <p:nvSpPr>
+          <p:cNvPr id="4" name="ZoneTexte 3"/>
+          <p:cNvSpPr txBox="1"/>
+          <p:nvPr/>
+        </p:nvSpPr>
+        <p:spPr>
+          <a:xfrm>
+            <a:off x="857224" y="928674"/>
+            <a:ext cx="5857916" cy="369332"/>
+          </a:xfrm>
+          <a:prstGeom prst="rect">
+            <a:avLst/>
+          </a:prstGeom>
+          <a:noFill/>
+        </p:spPr>
+        <p:txBody>
+          <a:bodyPr wrap="square" rtlCol="0">
+            <a:spAutoFit/>
+          </a:bodyPr>
+          <a:lstStyle/>
+          <a:p>
+            <a:r>
+              <a:rPr lang="fr-FR" dirty="0" smtClean="0"/>
+              <a:t>Le thermomètre et l’hygromètre</a:t>
+            </a:r>
+            <a:endParaRPr lang="fr-FR" dirty="0"/>
+          </a:p>
+        </p:txBody>
+      </p:sp>
       <p:pic>
         <p:nvPicPr>
-          <p:cNvPr id="3074" name="Picture 2"/>
-          <p:cNvPicPr>
-            <a:picLocks noChangeAspect="1" noChangeArrowheads="1"/>
-          </p:cNvPicPr>
+          <p:cNvPr id="6" name="Image 5" descr="Résultat de recherche d'images pour &quot;bmp180&quot;"/>
+          <p:cNvPicPr/>
           <p:nvPr/>
         </p:nvPicPr>
         <p:blipFill>
-          <a:blip r:embed="rId2"/>
+          <a:blip r:embed="rId3"/>
           <a:srcRect/>
           <a:stretch>
             <a:fillRect/>
@@ -4302,8 +4696,142 @@
         </p:blipFill>
         <p:spPr bwMode="auto">
           <a:xfrm>
-            <a:off x="1666981" y="571484"/>
-            <a:ext cx="5810038" cy="5060965"/>
+            <a:off x="285720" y="2500310"/>
+            <a:ext cx="3267699" cy="2048935"/>
+          </a:xfrm>
+          <a:prstGeom prst="rect">
+            <a:avLst/>
+          </a:prstGeom>
+          <a:ln w="38100" cap="sq">
+            <a:solidFill>
+              <a:schemeClr val="accent2"/>
+            </a:solidFill>
+            <a:prstDash val="solid"/>
+            <a:miter lim="800000"/>
+          </a:ln>
+          <a:effectLst>
+            <a:outerShdw blurRad="50800" dist="38100" dir="2700000" algn="tl" rotWithShape="0">
+              <a:srgbClr val="000000">
+                <a:alpha val="43000"/>
+              </a:srgbClr>
+            </a:outerShdw>
+          </a:effectLst>
+        </p:spPr>
+      </p:pic>
+      <p:sp>
+        <p:nvSpPr>
+          <p:cNvPr id="8" name="ZoneTexte 7"/>
+          <p:cNvSpPr txBox="1"/>
+          <p:nvPr/>
+        </p:nvSpPr>
+        <p:spPr>
+          <a:xfrm>
+            <a:off x="285720" y="2071682"/>
+            <a:ext cx="2571768" cy="369332"/>
+          </a:xfrm>
+          <a:prstGeom prst="rect">
+            <a:avLst/>
+          </a:prstGeom>
+          <a:noFill/>
+        </p:spPr>
+        <p:txBody>
+          <a:bodyPr wrap="square" rtlCol="0">
+            <a:spAutoFit/>
+          </a:bodyPr>
+          <a:lstStyle/>
+          <a:p>
+            <a:r>
+              <a:rPr lang="fr-FR" dirty="0" smtClean="0"/>
+              <a:t>Montage du BMP180</a:t>
+            </a:r>
+            <a:endParaRPr lang="fr-FR" dirty="0"/>
+          </a:p>
+        </p:txBody>
+      </p:sp>
+      <p:sp>
+        <p:nvSpPr>
+          <p:cNvPr id="9" name="ZoneTexte 8"/>
+          <p:cNvSpPr txBox="1"/>
+          <p:nvPr/>
+        </p:nvSpPr>
+        <p:spPr>
+          <a:xfrm>
+            <a:off x="4429124" y="1500178"/>
+            <a:ext cx="2571768" cy="369332"/>
+          </a:xfrm>
+          <a:prstGeom prst="rect">
+            <a:avLst/>
+          </a:prstGeom>
+          <a:noFill/>
+        </p:spPr>
+        <p:txBody>
+          <a:bodyPr wrap="square" rtlCol="0">
+            <a:spAutoFit/>
+          </a:bodyPr>
+          <a:lstStyle/>
+          <a:p>
+            <a:r>
+              <a:rPr lang="fr-FR" dirty="0" smtClean="0"/>
+              <a:t>Montage du HIH6130</a:t>
+            </a:r>
+            <a:endParaRPr lang="fr-FR" dirty="0"/>
+          </a:p>
+        </p:txBody>
+      </p:sp>
+      <p:pic>
+        <p:nvPicPr>
+          <p:cNvPr id="11" name="Image 10"/>
+          <p:cNvPicPr/>
+          <p:nvPr/>
+        </p:nvPicPr>
+        <p:blipFill>
+          <a:blip r:embed="rId4"/>
+          <a:srcRect/>
+          <a:stretch>
+            <a:fillRect/>
+          </a:stretch>
+        </p:blipFill>
+        <p:spPr bwMode="auto">
+          <a:xfrm>
+            <a:off x="2714612" y="1500178"/>
+            <a:ext cx="1583937" cy="2083782"/>
+          </a:xfrm>
+          <a:prstGeom prst="rect">
+            <a:avLst/>
+          </a:prstGeom>
+          <a:ln w="38100" cap="sq">
+            <a:solidFill>
+              <a:schemeClr val="accent2"/>
+            </a:solidFill>
+            <a:prstDash val="solid"/>
+            <a:miter lim="800000"/>
+          </a:ln>
+          <a:effectLst>
+            <a:outerShdw blurRad="50800" dist="38100" dir="2700000" algn="tl" rotWithShape="0">
+              <a:srgbClr val="000000">
+                <a:alpha val="43000"/>
+              </a:srgbClr>
+            </a:outerShdw>
+          </a:effectLst>
+        </p:spPr>
+      </p:pic>
+      <p:pic>
+        <p:nvPicPr>
+          <p:cNvPr id="13" name="Image 12"/>
+          <p:cNvPicPr/>
+          <p:nvPr/>
+        </p:nvPicPr>
+        <p:blipFill>
+          <a:blip r:embed="rId5"/>
+          <a:srcRect/>
+          <a:stretch>
+            <a:fillRect/>
+          </a:stretch>
+        </p:blipFill>
+        <p:spPr bwMode="auto">
+          <a:xfrm>
+            <a:off x="7858148" y="2500310"/>
+            <a:ext cx="1177637" cy="3036982"/>
           </a:xfrm>
           <a:prstGeom prst="rect">
             <a:avLst/>
@@ -4358,21 +4886,46 @@
       </p:grpSpPr>
       <p:sp>
         <p:nvSpPr>
-          <p:cNvPr id="2" name="Titre 1"/>
-          <p:cNvSpPr>
-            <a:spLocks noGrp="1"/>
+          <p:cNvPr id="4" name="Titre 1"/>
+          <p:cNvSpPr txBox="1">
+            <a:spLocks/>
           </p:cNvSpPr>
-          <p:nvPr>
-            <p:ph type="title"/>
-          </p:nvPr>
-        </p:nvSpPr>
-        <p:spPr/>
-        <p:txBody>
-          <a:bodyPr/>
+          <p:nvPr/>
+        </p:nvSpPr>
+        <p:spPr>
+          <a:xfrm>
+            <a:off x="428596" y="142856"/>
+            <a:ext cx="7467600" cy="952500"/>
+          </a:xfrm>
+          <a:prstGeom prst="rect">
+            <a:avLst/>
+          </a:prstGeom>
+        </p:spPr>
+        <p:txBody>
+          <a:bodyPr vert="horz" lIns="45720" rIns="45720" anchor="ctr">
+            <a:normAutofit/>
+          </a:bodyPr>
           <a:lstStyle/>
           <a:p>
-            <a:r>
-              <a:rPr lang="fr-FR" dirty="0" smtClean="0">
+            <a:pPr marL="0" marR="0" lvl="0" indent="0" algn="l" defTabSz="914400" rtl="0" eaLnBrk="1" fontAlgn="auto" latinLnBrk="0" hangingPunct="1">
+              <a:lnSpc>
+                <a:spcPct val="100000"/>
+              </a:lnSpc>
+              <a:spcBef>
+                <a:spcPct val="0"/>
+              </a:spcBef>
+              <a:spcAft>
+                <a:spcPts val="0"/>
+              </a:spcAft>
+              <a:buClrTx/>
+              <a:buSzTx/>
+              <a:buFontTx/>
+              <a:buNone/>
+              <a:tabLst/>
+              <a:defRPr/>
+            </a:pPr>
+            <a:r>
+              <a:rPr kumimoji="0" lang="fr-FR" sz="4600" b="0" i="0" u="none" strike="noStrike" kern="1200" cap="none" spc="0" normalizeH="0" baseline="0" noProof="0" dirty="0" smtClean="0">
                 <a:ln w="18415" cmpd="sng">
                   <a:solidFill>
                     <a:srgbClr val="FFFFFF"/>
@@ -4389,10 +4942,15 @@
                     </a:srgbClr>
                   </a:outerShdw>
                 </a:effectLst>
+                <a:uLnTx/>
+                <a:uFillTx/>
+                <a:latin typeface="+mj-lt"/>
+                <a:ea typeface="+mj-ea"/>
+                <a:cs typeface="+mj-cs"/>
               </a:rPr>
-              <a:t>Les protocoles</a:t>
-            </a:r>
-            <a:endParaRPr lang="fr-FR" dirty="0">
+              <a:t>LES TESTS UNITAIRES</a:t>
+            </a:r>
+            <a:endParaRPr kumimoji="0" lang="fr-FR" sz="4600" b="0" i="0" u="none" strike="noStrike" kern="1200" cap="none" spc="0" normalizeH="0" baseline="0" noProof="0" dirty="0">
               <a:ln w="18415" cmpd="sng">
                 <a:solidFill>
                   <a:srgbClr val="FFFFFF"/>
@@ -4409,20 +4967,25 @@
                   </a:srgbClr>
                 </a:outerShdw>
               </a:effectLst>
+              <a:uLnTx/>
+              <a:uFillTx/>
+              <a:latin typeface="+mj-lt"/>
+              <a:ea typeface="+mj-ea"/>
+              <a:cs typeface="+mj-cs"/>
             </a:endParaRPr>
           </a:p>
         </p:txBody>
       </p:sp>
       <p:sp>
         <p:nvSpPr>
-          <p:cNvPr id="4" name="ZoneTexte 3"/>
+          <p:cNvPr id="5" name="ZoneTexte 4"/>
           <p:cNvSpPr txBox="1"/>
           <p:nvPr/>
         </p:nvSpPr>
         <p:spPr>
           <a:xfrm>
-            <a:off x="500034" y="1142988"/>
-            <a:ext cx="7358114" cy="4401205"/>
+            <a:off x="857224" y="928674"/>
+            <a:ext cx="5857916" cy="369332"/>
           </a:xfrm>
           <a:prstGeom prst="rect">
             <a:avLst/>
@@ -4435,329 +4998,22 @@
           </a:bodyPr>
           <a:lstStyle/>
           <a:p>
-            <a:pPr>
-              <a:buFont typeface="Wingdings" pitchFamily="2" charset="2"/>
-              <a:buChar char="v"/>
-            </a:pPr>
-            <a:r>
-              <a:rPr lang="fr-FR" sz="2400" dirty="0" err="1" smtClean="0">
-                <a:ln>
-                  <a:solidFill>
-                    <a:schemeClr val="bg2"/>
-                  </a:solidFill>
-                </a:ln>
-              </a:rPr>
-              <a:t>lum</a:t>
-            </a:r>
-            <a:r>
-              <a:rPr lang="fr-FR" sz="2400" dirty="0" smtClean="0">
-                <a:ln>
-                  <a:solidFill>
-                    <a:schemeClr val="bg2"/>
-                  </a:solidFill>
-                </a:ln>
-              </a:rPr>
-              <a:t>(</a:t>
-            </a:r>
-            <a:r>
-              <a:rPr lang="fr-FR" sz="2400" dirty="0" err="1" smtClean="0">
-                <a:ln>
-                  <a:solidFill>
-                    <a:schemeClr val="bg2"/>
-                  </a:solidFill>
-                </a:ln>
-              </a:rPr>
-              <a:t>bool</a:t>
-            </a:r>
-            <a:r>
-              <a:rPr lang="fr-FR" sz="2400" dirty="0" smtClean="0">
-                <a:ln>
-                  <a:solidFill>
-                    <a:schemeClr val="bg2"/>
-                  </a:solidFill>
-                </a:ln>
-              </a:rPr>
-              <a:t>)				3sec</a:t>
-            </a:r>
-          </a:p>
-          <a:p>
-            <a:pPr>
-              <a:buFont typeface="Wingdings" pitchFamily="2" charset="2"/>
-              <a:buChar char="v"/>
-            </a:pPr>
-            <a:r>
-              <a:rPr lang="fr-FR" sz="2400" dirty="0" smtClean="0">
-                <a:ln>
-                  <a:solidFill>
-                    <a:schemeClr val="bg2"/>
-                  </a:solidFill>
-                </a:ln>
-              </a:rPr>
-              <a:t>rad(</a:t>
-            </a:r>
-            <a:r>
-              <a:rPr lang="fr-FR" sz="2400" dirty="0" err="1" smtClean="0">
-                <a:ln>
-                  <a:solidFill>
-                    <a:schemeClr val="bg2"/>
-                  </a:solidFill>
-                </a:ln>
-              </a:rPr>
-              <a:t>bool</a:t>
-            </a:r>
-            <a:r>
-              <a:rPr lang="fr-FR" sz="2400" dirty="0" smtClean="0">
-                <a:ln>
-                  <a:solidFill>
-                    <a:schemeClr val="bg2"/>
-                  </a:solidFill>
-                </a:ln>
-              </a:rPr>
-              <a:t>)				3sec</a:t>
-            </a:r>
-          </a:p>
-          <a:p>
-            <a:pPr>
-              <a:buFont typeface="Wingdings" pitchFamily="2" charset="2"/>
-              <a:buChar char="v"/>
-            </a:pPr>
-            <a:r>
-              <a:rPr lang="fr-FR" sz="2400" dirty="0" smtClean="0">
-                <a:ln>
-                  <a:solidFill>
-                    <a:schemeClr val="bg2"/>
-                  </a:solidFill>
-                </a:ln>
-              </a:rPr>
-              <a:t>vol(</a:t>
-            </a:r>
-            <a:r>
-              <a:rPr lang="fr-FR" sz="2400" dirty="0" err="1" smtClean="0">
-                <a:ln>
-                  <a:solidFill>
-                    <a:schemeClr val="bg2"/>
-                  </a:solidFill>
-                </a:ln>
-              </a:rPr>
-              <a:t>bool</a:t>
-            </a:r>
-            <a:r>
-              <a:rPr lang="fr-FR" sz="2400" dirty="0" smtClean="0">
-                <a:ln>
-                  <a:solidFill>
-                    <a:schemeClr val="bg2"/>
-                  </a:solidFill>
-                </a:ln>
-              </a:rPr>
-              <a:t>)				3sec</a:t>
-            </a:r>
-          </a:p>
-          <a:p>
-            <a:pPr>
-              <a:buFont typeface="Wingdings" pitchFamily="2" charset="2"/>
-              <a:buChar char="v"/>
-            </a:pPr>
-            <a:r>
-              <a:rPr lang="fr-FR" sz="2400" dirty="0" smtClean="0">
-                <a:ln>
-                  <a:solidFill>
-                    <a:schemeClr val="bg2"/>
-                  </a:solidFill>
-                </a:ln>
-              </a:rPr>
-              <a:t>lux(lux)				3sec</a:t>
-            </a:r>
-          </a:p>
-          <a:p>
-            <a:pPr>
-              <a:buFont typeface="Wingdings" pitchFamily="2" charset="2"/>
-              <a:buChar char="v"/>
-            </a:pPr>
-            <a:r>
-              <a:rPr lang="fr-FR" sz="2400" dirty="0" smtClean="0">
-                <a:ln>
-                  <a:solidFill>
-                    <a:schemeClr val="bg2"/>
-                  </a:solidFill>
-                </a:ln>
-              </a:rPr>
-              <a:t>tem(c°) 				3sec</a:t>
-            </a:r>
-          </a:p>
-          <a:p>
-            <a:pPr>
-              <a:buFont typeface="Wingdings" pitchFamily="2" charset="2"/>
-              <a:buChar char="v"/>
-            </a:pPr>
-            <a:r>
-              <a:rPr lang="fr-FR" sz="2400" dirty="0" smtClean="0">
-                <a:ln>
-                  <a:solidFill>
-                    <a:schemeClr val="bg2"/>
-                  </a:solidFill>
-                </a:ln>
-              </a:rPr>
-              <a:t>hum(%) 				3sec</a:t>
-            </a:r>
-          </a:p>
-          <a:p>
-            <a:pPr>
-              <a:buFont typeface="Wingdings" pitchFamily="2" charset="2"/>
-              <a:buChar char="v"/>
-            </a:pPr>
-            <a:r>
-              <a:rPr lang="fr-FR" sz="2400" dirty="0" smtClean="0">
-                <a:ln>
-                  <a:solidFill>
-                    <a:schemeClr val="bg2"/>
-                  </a:solidFill>
-                </a:ln>
-              </a:rPr>
-              <a:t>air(1-10) 				3sec</a:t>
-            </a:r>
-          </a:p>
-          <a:p>
-            <a:pPr>
-              <a:buFont typeface="Wingdings" pitchFamily="2" charset="2"/>
-              <a:buChar char="v"/>
-            </a:pPr>
-            <a:r>
-              <a:rPr lang="fr-FR" sz="2400" dirty="0" smtClean="0">
-                <a:ln>
-                  <a:solidFill>
-                    <a:schemeClr val="bg2"/>
-                  </a:solidFill>
-                </a:ln>
-              </a:rPr>
-              <a:t>con(w)			impulsion du compteur</a:t>
-            </a:r>
-          </a:p>
-          <a:p>
-            <a:pPr>
-              <a:buFont typeface="Wingdings" pitchFamily="2" charset="2"/>
-              <a:buChar char="v"/>
-            </a:pPr>
-            <a:r>
-              <a:rPr lang="fr-FR" sz="2400" dirty="0" smtClean="0">
-                <a:ln>
-                  <a:solidFill>
-                    <a:schemeClr val="bg2"/>
-                  </a:solidFill>
-                </a:ln>
-              </a:rPr>
-              <a:t>heu(</a:t>
-            </a:r>
-            <a:r>
-              <a:rPr lang="fr-FR" sz="2400" dirty="0" err="1" smtClean="0">
-                <a:ln>
-                  <a:solidFill>
-                    <a:schemeClr val="bg2"/>
-                  </a:solidFill>
-                </a:ln>
-              </a:rPr>
-              <a:t>ss</a:t>
-            </a:r>
-            <a:r>
-              <a:rPr lang="fr-FR" sz="2400" dirty="0" smtClean="0">
-                <a:ln>
-                  <a:solidFill>
-                    <a:schemeClr val="bg2"/>
-                  </a:solidFill>
-                </a:ln>
-              </a:rPr>
-              <a:t>)			impulsion du compteur</a:t>
-            </a:r>
-          </a:p>
-          <a:p>
-            <a:pPr>
-              <a:buFont typeface="Wingdings" pitchFamily="2" charset="2"/>
-              <a:buChar char="v"/>
-            </a:pPr>
-            <a:r>
-              <a:rPr lang="fr-FR" sz="2400" dirty="0" err="1" smtClean="0">
-                <a:ln>
-                  <a:solidFill>
-                    <a:schemeClr val="bg2"/>
-                  </a:solidFill>
-                </a:ln>
-              </a:rPr>
-              <a:t>dat</a:t>
-            </a:r>
-            <a:r>
-              <a:rPr lang="fr-FR" sz="2400" dirty="0" smtClean="0">
-                <a:ln>
-                  <a:solidFill>
-                    <a:schemeClr val="bg2"/>
-                  </a:solidFill>
-                </a:ln>
-              </a:rPr>
-              <a:t>(jour)			impulsion du compteur</a:t>
-            </a:r>
-            <a:endParaRPr lang="fr-FR" dirty="0" smtClean="0">
-              <a:ln>
-                <a:solidFill>
-                  <a:schemeClr val="bg2"/>
-                </a:solidFill>
-              </a:ln>
-            </a:endParaRPr>
-          </a:p>
-          <a:p>
-            <a:pPr>
-              <a:buFont typeface="Wingdings" pitchFamily="2" charset="2"/>
-              <a:buChar char="v"/>
-            </a:pPr>
-            <a:endParaRPr lang="fr-FR" sz="2000" b="1" dirty="0" smtClean="0">
-              <a:ln>
-                <a:solidFill>
-                  <a:schemeClr val="bg2"/>
-                </a:solidFill>
-              </a:ln>
-            </a:endParaRPr>
-          </a:p>
-          <a:p>
-            <a:r>
-              <a:rPr lang="fr-FR" sz="2000" b="1" dirty="0" smtClean="0">
-                <a:ln>
-                  <a:solidFill>
-                    <a:schemeClr val="bg2"/>
-                  </a:solidFill>
-                </a:ln>
-              </a:rPr>
-              <a:t>Exemple de trame  : $</a:t>
-            </a:r>
-            <a:r>
-              <a:rPr lang="fr-FR" sz="2000" b="1" dirty="0" smtClean="0">
-                <a:ln>
-                  <a:solidFill>
-                    <a:schemeClr val="bg2"/>
-                  </a:solidFill>
-                </a:ln>
-              </a:rPr>
-              <a:t>lum0$lux121$tem20$air5$heu86400</a:t>
-            </a:r>
-            <a:r>
-              <a:rPr lang="fr-FR" sz="2000" b="1" dirty="0" smtClean="0">
-                <a:ln>
-                  <a:solidFill>
-                    <a:schemeClr val="bg2"/>
-                  </a:solidFill>
-                </a:ln>
-              </a:rPr>
-              <a:t>;</a:t>
-            </a:r>
+            <a:r>
+              <a:rPr lang="fr-FR" dirty="0" smtClean="0"/>
+              <a:t>Le capteur de qualité d’air</a:t>
+            </a:r>
+            <a:endParaRPr lang="fr-FR" dirty="0"/>
           </a:p>
         </p:txBody>
       </p:sp>
       <p:pic>
         <p:nvPicPr>
-          <p:cNvPr id="1026" name="Picture 2" descr="Q:\Projet_Domotique_GITBTS\Rapport\img\bluetooth-670069_640.png"/>
-          <p:cNvPicPr>
-            <a:picLocks noChangeAspect="1" noChangeArrowheads="1"/>
-          </p:cNvPicPr>
+          <p:cNvPr id="6" name="Image 5" descr="Q:\Projet_Domotique_GITBTS\Rapport\Lore\img\ch3-schematic-arduino-compare-01.png"/>
+          <p:cNvPicPr/>
           <p:nvPr/>
         </p:nvPicPr>
         <p:blipFill>
-          <a:blip r:embed="rId2" cstate="print"/>
+          <a:blip r:embed="rId2"/>
           <a:srcRect/>
           <a:stretch>
             <a:fillRect/>
@@ -4765,13 +5021,157 @@
         </p:blipFill>
         <p:spPr bwMode="auto">
           <a:xfrm>
-            <a:off x="6858016" y="654829"/>
-            <a:ext cx="1071570" cy="1363971"/>
+            <a:off x="285720" y="2500310"/>
+            <a:ext cx="4390959" cy="2334433"/>
+          </a:xfrm>
+          <a:prstGeom prst="rect">
+            <a:avLst/>
+          </a:prstGeom>
+          <a:ln w="38100" cap="sq">
+            <a:solidFill>
+              <a:schemeClr val="accent2"/>
+            </a:solidFill>
+            <a:prstDash val="solid"/>
+            <a:miter lim="800000"/>
+          </a:ln>
+          <a:effectLst>
+            <a:outerShdw blurRad="50800" dist="38100" dir="2700000" algn="tl" rotWithShape="0">
+              <a:srgbClr val="000000">
+                <a:alpha val="43000"/>
+              </a:srgbClr>
+            </a:outerShdw>
+          </a:effectLst>
+        </p:spPr>
+      </p:pic>
+      <p:sp>
+        <p:nvSpPr>
+          <p:cNvPr id="7" name="ZoneTexte 6"/>
+          <p:cNvSpPr txBox="1"/>
+          <p:nvPr/>
+        </p:nvSpPr>
+        <p:spPr>
+          <a:xfrm>
+            <a:off x="285720" y="2071682"/>
+            <a:ext cx="2571768" cy="369332"/>
           </a:xfrm>
           <a:prstGeom prst="rect">
             <a:avLst/>
           </a:prstGeom>
           <a:noFill/>
+        </p:spPr>
+        <p:txBody>
+          <a:bodyPr wrap="square" rtlCol="0">
+            <a:spAutoFit/>
+          </a:bodyPr>
+          <a:lstStyle/>
+          <a:p>
+            <a:r>
+              <a:rPr lang="fr-FR" dirty="0" smtClean="0"/>
+              <a:t>Montage du MP503</a:t>
+            </a:r>
+            <a:endParaRPr lang="fr-FR" dirty="0"/>
+          </a:p>
+        </p:txBody>
+      </p:sp>
+      <p:sp>
+        <p:nvSpPr>
+          <p:cNvPr id="8" name="ZoneTexte 7"/>
+          <p:cNvSpPr txBox="1"/>
+          <p:nvPr/>
+        </p:nvSpPr>
+        <p:spPr>
+          <a:xfrm>
+            <a:off x="5429256" y="1571616"/>
+            <a:ext cx="3071834" cy="1200329"/>
+          </a:xfrm>
+          <a:prstGeom prst="rect">
+            <a:avLst/>
+          </a:prstGeom>
+          <a:noFill/>
+        </p:spPr>
+        <p:txBody>
+          <a:bodyPr wrap="square" rtlCol="0">
+            <a:spAutoFit/>
+          </a:bodyPr>
+          <a:lstStyle/>
+          <a:p>
+            <a:pPr marL="342900" indent="-342900">
+              <a:buFont typeface="Wingdings" pitchFamily="2" charset="2"/>
+              <a:buChar char="v"/>
+            </a:pPr>
+            <a:r>
+              <a:rPr lang="fr-FR" dirty="0" smtClean="0"/>
+              <a:t>Air pure</a:t>
+            </a:r>
+          </a:p>
+          <a:p>
+            <a:pPr marL="342900" indent="-342900">
+              <a:buFont typeface="Wingdings" pitchFamily="2" charset="2"/>
+              <a:buChar char="v"/>
+            </a:pPr>
+            <a:r>
+              <a:rPr lang="fr-FR" dirty="0" smtClean="0"/>
+              <a:t>Air faiblement pollué</a:t>
+            </a:r>
+          </a:p>
+          <a:p>
+            <a:pPr marL="342900" indent="-342900">
+              <a:buFont typeface="Wingdings" pitchFamily="2" charset="2"/>
+              <a:buChar char="v"/>
+            </a:pPr>
+            <a:r>
+              <a:rPr lang="fr-FR" dirty="0" smtClean="0"/>
+              <a:t>Air pollué</a:t>
+            </a:r>
+          </a:p>
+          <a:p>
+            <a:pPr marL="342900" indent="-342900">
+              <a:buFont typeface="Wingdings" pitchFamily="2" charset="2"/>
+              <a:buChar char="v"/>
+            </a:pPr>
+            <a:r>
+              <a:rPr lang="fr-FR" dirty="0" smtClean="0"/>
+              <a:t>Air très pollué  </a:t>
+            </a:r>
+            <a:endParaRPr lang="fr-FR" dirty="0"/>
+          </a:p>
+        </p:txBody>
+      </p:sp>
+      <p:pic>
+        <p:nvPicPr>
+          <p:cNvPr id="9" name="Image 8"/>
+          <p:cNvPicPr/>
+          <p:nvPr/>
+        </p:nvPicPr>
+        <p:blipFill>
+          <a:blip r:embed="rId3"/>
+          <a:srcRect/>
+          <a:stretch>
+            <a:fillRect/>
+          </a:stretch>
+        </p:blipFill>
+        <p:spPr bwMode="auto">
+          <a:xfrm>
+            <a:off x="6143636" y="3000376"/>
+            <a:ext cx="1207547" cy="2462076"/>
+          </a:xfrm>
+          <a:prstGeom prst="rect">
+            <a:avLst/>
+          </a:prstGeom>
+          <a:ln w="38100" cap="sq">
+            <a:solidFill>
+              <a:schemeClr val="accent2"/>
+            </a:solidFill>
+            <a:prstDash val="solid"/>
+            <a:miter lim="800000"/>
+          </a:ln>
+          <a:effectLst>
+            <a:outerShdw blurRad="50800" dist="38100" dir="2700000" algn="tl" rotWithShape="0">
+              <a:srgbClr val="000000">
+                <a:alpha val="43000"/>
+              </a:srgbClr>
+            </a:outerShdw>
+          </a:effectLst>
         </p:spPr>
       </p:pic>
     </p:spTree>
@@ -4808,767 +5208,6 @@
       </p:grpSpPr>
       <p:sp>
         <p:nvSpPr>
-          <p:cNvPr id="2" name="Titre 1"/>
-          <p:cNvSpPr>
-            <a:spLocks noGrp="1"/>
-          </p:cNvSpPr>
-          <p:nvPr>
-            <p:ph type="title"/>
-          </p:nvPr>
-        </p:nvSpPr>
-        <p:spPr/>
-        <p:txBody>
-          <a:bodyPr/>
-          <a:lstStyle/>
-          <a:p>
-            <a:r>
-              <a:rPr lang="fr-FR" dirty="0" smtClean="0">
-                <a:ln w="18415" cmpd="sng">
-                  <a:solidFill>
-                    <a:srgbClr val="FFFFFF"/>
-                  </a:solidFill>
-                  <a:prstDash val="solid"/>
-                </a:ln>
-                <a:solidFill>
-                  <a:srgbClr val="FFFFFF"/>
-                </a:solidFill>
-                <a:effectLst>
-                  <a:outerShdw blurRad="63500" dir="3600000" algn="tl" rotWithShape="0">
-                    <a:srgbClr val="000000">
-                      <a:alpha val="70000"/>
-                    </a:srgbClr>
-                  </a:outerShdw>
-                </a:effectLst>
-              </a:rPr>
-              <a:t>Mon rôle dans ce projet</a:t>
-            </a:r>
-            <a:endParaRPr lang="fr-FR" dirty="0">
-              <a:ln w="18415" cmpd="sng">
-                <a:solidFill>
-                  <a:srgbClr val="FFFFFF"/>
-                </a:solidFill>
-                <a:prstDash val="solid"/>
-              </a:ln>
-              <a:solidFill>
-                <a:srgbClr val="FFFFFF"/>
-              </a:solidFill>
-              <a:effectLst>
-                <a:outerShdw blurRad="63500" dir="3600000" algn="tl" rotWithShape="0">
-                  <a:srgbClr val="000000">
-                    <a:alpha val="70000"/>
-                  </a:srgbClr>
-                </a:outerShdw>
-              </a:effectLst>
-            </a:endParaRPr>
-          </a:p>
-        </p:txBody>
-      </p:sp>
-      <p:sp>
-        <p:nvSpPr>
-          <p:cNvPr id="4" name="ZoneTexte 3"/>
-          <p:cNvSpPr txBox="1"/>
-          <p:nvPr/>
-        </p:nvSpPr>
-        <p:spPr>
-          <a:xfrm>
-            <a:off x="1002804" y="1585514"/>
-            <a:ext cx="2214578" cy="523220"/>
-          </a:xfrm>
-          <a:prstGeom prst="rect">
-            <a:avLst/>
-          </a:prstGeom>
-          <a:noFill/>
-          <a:ln>
-            <a:noFill/>
-          </a:ln>
-        </p:spPr>
-        <p:txBody>
-          <a:bodyPr wrap="square" rtlCol="0">
-            <a:spAutoFit/>
-          </a:bodyPr>
-          <a:lstStyle/>
-          <a:p>
-            <a:r>
-              <a:rPr lang="fr-FR" sz="2800" b="1" spc="50" dirty="0" smtClean="0">
-                <a:ln w="13500">
-                  <a:solidFill>
-                    <a:schemeClr val="accent1">
-                      <a:shade val="2500"/>
-                      <a:alpha val="6500"/>
-                    </a:schemeClr>
-                  </a:solidFill>
-                  <a:prstDash val="solid"/>
-                </a:ln>
-                <a:solidFill>
-                  <a:schemeClr val="accent1">
-                    <a:tint val="3000"/>
-                    <a:alpha val="95000"/>
-                  </a:schemeClr>
-                </a:solidFill>
-                <a:effectLst>
-                  <a:innerShdw blurRad="50900" dist="38500" dir="13500000">
-                    <a:srgbClr val="000000">
-                      <a:alpha val="60000"/>
-                    </a:srgbClr>
-                  </a:innerShdw>
-                </a:effectLst>
-              </a:rPr>
-              <a:t>Confort</a:t>
-            </a:r>
-            <a:endParaRPr lang="fr-FR" sz="2800" b="1" spc="50" dirty="0">
-              <a:ln w="13500">
-                <a:solidFill>
-                  <a:schemeClr val="accent1">
-                    <a:shade val="2500"/>
-                    <a:alpha val="6500"/>
-                  </a:schemeClr>
-                </a:solidFill>
-                <a:prstDash val="solid"/>
-              </a:ln>
-              <a:solidFill>
-                <a:schemeClr val="accent1">
-                  <a:tint val="3000"/>
-                  <a:alpha val="95000"/>
-                </a:schemeClr>
-              </a:solidFill>
-              <a:effectLst>
-                <a:innerShdw blurRad="50900" dist="38500" dir="13500000">
-                  <a:srgbClr val="000000">
-                    <a:alpha val="60000"/>
-                  </a:srgbClr>
-                </a:innerShdw>
-              </a:effectLst>
-            </a:endParaRPr>
-          </a:p>
-        </p:txBody>
-      </p:sp>
-      <p:sp>
-        <p:nvSpPr>
-          <p:cNvPr id="5" name="ZoneTexte 4"/>
-          <p:cNvSpPr txBox="1"/>
-          <p:nvPr/>
-        </p:nvSpPr>
-        <p:spPr>
-          <a:xfrm>
-            <a:off x="5429256" y="1605983"/>
-            <a:ext cx="2857520" cy="523220"/>
-          </a:xfrm>
-          <a:prstGeom prst="rect">
-            <a:avLst/>
-          </a:prstGeom>
-          <a:noFill/>
-        </p:spPr>
-        <p:txBody>
-          <a:bodyPr wrap="square" rtlCol="0">
-            <a:spAutoFit/>
-          </a:bodyPr>
-          <a:lstStyle/>
-          <a:p>
-            <a:r>
-              <a:rPr lang="fr-FR" sz="2800" b="1" spc="50" dirty="0" smtClean="0">
-                <a:ln w="13500">
-                  <a:solidFill>
-                    <a:schemeClr val="accent1">
-                      <a:shade val="2500"/>
-                      <a:alpha val="6500"/>
-                    </a:schemeClr>
-                  </a:solidFill>
-                  <a:prstDash val="solid"/>
-                </a:ln>
-                <a:solidFill>
-                  <a:schemeClr val="accent1">
-                    <a:tint val="3000"/>
-                    <a:alpha val="95000"/>
-                  </a:schemeClr>
-                </a:solidFill>
-                <a:effectLst>
-                  <a:innerShdw blurRad="50900" dist="38500" dir="13500000">
-                    <a:srgbClr val="000000">
-                      <a:alpha val="60000"/>
-                    </a:srgbClr>
-                  </a:innerShdw>
-                </a:effectLst>
-              </a:rPr>
-              <a:t>Consommation</a:t>
-            </a:r>
-            <a:endParaRPr lang="fr-FR" sz="2800" b="1" spc="50" dirty="0">
-              <a:ln w="13500">
-                <a:solidFill>
-                  <a:schemeClr val="accent1">
-                    <a:shade val="2500"/>
-                    <a:alpha val="6500"/>
-                  </a:schemeClr>
-                </a:solidFill>
-                <a:prstDash val="solid"/>
-              </a:ln>
-              <a:solidFill>
-                <a:schemeClr val="accent1">
-                  <a:tint val="3000"/>
-                  <a:alpha val="95000"/>
-                </a:schemeClr>
-              </a:solidFill>
-              <a:effectLst>
-                <a:innerShdw blurRad="50900" dist="38500" dir="13500000">
-                  <a:srgbClr val="000000">
-                    <a:alpha val="60000"/>
-                  </a:srgbClr>
-                </a:innerShdw>
-              </a:effectLst>
-            </a:endParaRPr>
-          </a:p>
-        </p:txBody>
-      </p:sp>
-      <p:pic>
-        <p:nvPicPr>
-          <p:cNvPr id="1026" name="Picture 2" descr="Q:\domotique\humidite.jpg"/>
-          <p:cNvPicPr>
-            <a:picLocks noChangeAspect="1" noChangeArrowheads="1"/>
-          </p:cNvPicPr>
-          <p:nvPr/>
-        </p:nvPicPr>
-        <p:blipFill>
-          <a:blip r:embed="rId2"/>
-          <a:srcRect/>
-          <a:stretch>
-            <a:fillRect/>
-          </a:stretch>
-        </p:blipFill>
-        <p:spPr bwMode="auto">
-          <a:xfrm>
-            <a:off x="500034" y="2411107"/>
-            <a:ext cx="1214438" cy="1214438"/>
-          </a:xfrm>
-          <a:prstGeom prst="rect">
-            <a:avLst/>
-          </a:prstGeom>
-          <a:noFill/>
-          <a:ln w="19050">
-            <a:solidFill>
-              <a:schemeClr val="accent2"/>
-            </a:solidFill>
-          </a:ln>
-        </p:spPr>
-      </p:pic>
-      <p:pic>
-        <p:nvPicPr>
-          <p:cNvPr id="1027" name="Picture 3" descr="Q:\domotique\relais.jpg"/>
-          <p:cNvPicPr>
-            <a:picLocks noChangeAspect="1" noChangeArrowheads="1"/>
-          </p:cNvPicPr>
-          <p:nvPr/>
-        </p:nvPicPr>
-        <p:blipFill>
-          <a:blip r:embed="rId3"/>
-          <a:srcRect/>
-          <a:stretch>
-            <a:fillRect/>
-          </a:stretch>
-        </p:blipFill>
-        <p:spPr bwMode="auto">
-          <a:xfrm>
-            <a:off x="1928794" y="2411107"/>
-            <a:ext cx="1214438" cy="1214438"/>
-          </a:xfrm>
-          <a:prstGeom prst="rect">
-            <a:avLst/>
-          </a:prstGeom>
-          <a:noFill/>
-          <a:ln w="19050">
-            <a:solidFill>
-              <a:schemeClr val="accent2"/>
-            </a:solidFill>
-          </a:ln>
-        </p:spPr>
-      </p:pic>
-      <p:pic>
-        <p:nvPicPr>
-          <p:cNvPr id="1028" name="Picture 4" descr="Q:\domotique\radiateur.jpg"/>
-          <p:cNvPicPr>
-            <a:picLocks noChangeAspect="1" noChangeArrowheads="1"/>
-          </p:cNvPicPr>
-          <p:nvPr/>
-        </p:nvPicPr>
-        <p:blipFill>
-          <a:blip r:embed="rId4"/>
-          <a:srcRect/>
-          <a:stretch>
-            <a:fillRect/>
-          </a:stretch>
-        </p:blipFill>
-        <p:spPr bwMode="auto">
-          <a:xfrm>
-            <a:off x="1214414" y="3857254"/>
-            <a:ext cx="1143008" cy="1143008"/>
-          </a:xfrm>
-          <a:prstGeom prst="rect">
-            <a:avLst/>
-          </a:prstGeom>
-          <a:noFill/>
-          <a:ln w="19050">
-            <a:solidFill>
-              <a:schemeClr val="accent2"/>
-            </a:solidFill>
-          </a:ln>
-        </p:spPr>
-      </p:pic>
-      <p:pic>
-        <p:nvPicPr>
-          <p:cNvPr id="1029" name="Picture 5" descr="Q:\domotique\compteur.jpg"/>
-          <p:cNvPicPr>
-            <a:picLocks noChangeAspect="1" noChangeArrowheads="1"/>
-          </p:cNvPicPr>
-          <p:nvPr/>
-        </p:nvPicPr>
-        <p:blipFill>
-          <a:blip r:embed="rId5"/>
-          <a:srcRect/>
-          <a:stretch>
-            <a:fillRect/>
-          </a:stretch>
-        </p:blipFill>
-        <p:spPr bwMode="auto">
-          <a:xfrm>
-            <a:off x="5357818" y="2344699"/>
-            <a:ext cx="1285884" cy="1285884"/>
-          </a:xfrm>
-          <a:prstGeom prst="rect">
-            <a:avLst/>
-          </a:prstGeom>
-          <a:noFill/>
-          <a:ln w="19050">
-            <a:solidFill>
-              <a:schemeClr val="accent2"/>
-            </a:solidFill>
-          </a:ln>
-        </p:spPr>
-      </p:pic>
-      <p:pic>
-        <p:nvPicPr>
-          <p:cNvPr id="1030" name="Picture 6" descr="Q:\domotique\RTC.jpg"/>
-          <p:cNvPicPr>
-            <a:picLocks noChangeAspect="1" noChangeArrowheads="1"/>
-          </p:cNvPicPr>
-          <p:nvPr/>
-        </p:nvPicPr>
-        <p:blipFill>
-          <a:blip r:embed="rId6"/>
-          <a:srcRect/>
-          <a:stretch>
-            <a:fillRect/>
-          </a:stretch>
-        </p:blipFill>
-        <p:spPr bwMode="auto">
-          <a:xfrm>
-            <a:off x="6929454" y="2344699"/>
-            <a:ext cx="1285884" cy="1285884"/>
-          </a:xfrm>
-          <a:prstGeom prst="rect">
-            <a:avLst/>
-          </a:prstGeom>
-          <a:noFill/>
-          <a:ln w="19050">
-            <a:solidFill>
-              <a:schemeClr val="accent2"/>
-            </a:solidFill>
-          </a:ln>
-        </p:spPr>
-      </p:pic>
-      <p:pic>
-        <p:nvPicPr>
-          <p:cNvPr id="1031" name="Picture 7" descr="Q:\domotique\microSD.jpg"/>
-          <p:cNvPicPr>
-            <a:picLocks noChangeAspect="1" noChangeArrowheads="1"/>
-          </p:cNvPicPr>
-          <p:nvPr/>
-        </p:nvPicPr>
-        <p:blipFill>
-          <a:blip r:embed="rId7"/>
-          <a:srcRect/>
-          <a:stretch>
-            <a:fillRect/>
-          </a:stretch>
-        </p:blipFill>
-        <p:spPr bwMode="auto">
-          <a:xfrm>
-            <a:off x="6215074" y="3916335"/>
-            <a:ext cx="1285884" cy="1285884"/>
-          </a:xfrm>
-          <a:prstGeom prst="rect">
-            <a:avLst/>
-          </a:prstGeom>
-          <a:noFill/>
-          <a:ln w="19050">
-            <a:solidFill>
-              <a:schemeClr val="accent2"/>
-            </a:solidFill>
-          </a:ln>
-        </p:spPr>
-      </p:pic>
-    </p:spTree>
-  </p:cSld>
-  <p:clrMapOvr>
-    <a:masterClrMapping/>
-  </p:clrMapOvr>
-  <p:timing>
-    <p:tnLst>
-      <p:par>
-        <p:cTn id="1" dur="indefinite" restart="never" nodeType="tmRoot"/>
-      </p:par>
-    </p:tnLst>
-  </p:timing>
-</p:sld>
-</file>
-
-<file path=ppt/slides/slide14.xml><?xml version="1.0" encoding="utf-8"?>
-<p:sld xmlns:a="http://schemas.openxmlformats.org/drawingml/2006/main" xmlns:r="http://schemas.openxmlformats.org/officeDocument/2006/relationships" xmlns:p="http://schemas.openxmlformats.org/presentationml/2006/main">
-  <p:cSld>
-    <p:spTree>
-      <p:nvGrpSpPr>
-        <p:cNvPr id="1" name=""/>
-        <p:cNvGrpSpPr/>
-        <p:nvPr/>
-      </p:nvGrpSpPr>
-      <p:grpSpPr>
-        <a:xfrm>
-          <a:off x="0" y="0"/>
-          <a:ext cx="0" cy="0"/>
-          <a:chOff x="0" y="0"/>
-          <a:chExt cx="0" cy="0"/>
-        </a:xfrm>
-      </p:grpSpPr>
-      <p:pic>
-        <p:nvPicPr>
-          <p:cNvPr id="14" name="Image 13" descr="convertisseur_HIH6130.jpg"/>
-          <p:cNvPicPr/>
-          <p:nvPr/>
-        </p:nvPicPr>
-        <p:blipFill>
-          <a:blip r:embed="rId2"/>
-          <a:stretch>
-            <a:fillRect/>
-          </a:stretch>
-        </p:blipFill>
-        <p:spPr>
-          <a:xfrm>
-            <a:off x="4643438" y="2143120"/>
-            <a:ext cx="3278442" cy="3271268"/>
-          </a:xfrm>
-          <a:prstGeom prst="rect">
-            <a:avLst/>
-          </a:prstGeom>
-          <a:ln w="38100" cap="sq">
-            <a:solidFill>
-              <a:schemeClr val="accent2"/>
-            </a:solidFill>
-            <a:prstDash val="solid"/>
-            <a:miter lim="800000"/>
-          </a:ln>
-          <a:effectLst>
-            <a:outerShdw blurRad="50800" dist="38100" dir="2700000" algn="tl" rotWithShape="0">
-              <a:srgbClr val="000000">
-                <a:alpha val="43000"/>
-              </a:srgbClr>
-            </a:outerShdw>
-          </a:effectLst>
-        </p:spPr>
-      </p:pic>
-      <p:sp>
-        <p:nvSpPr>
-          <p:cNvPr id="2" name="Titre 1"/>
-          <p:cNvSpPr>
-            <a:spLocks noGrp="1"/>
-          </p:cNvSpPr>
-          <p:nvPr>
-            <p:ph type="title"/>
-          </p:nvPr>
-        </p:nvSpPr>
-        <p:spPr>
-          <a:xfrm>
-            <a:off x="428596" y="142856"/>
-            <a:ext cx="7467600" cy="952500"/>
-          </a:xfrm>
-        </p:spPr>
-        <p:txBody>
-          <a:bodyPr/>
-          <a:lstStyle/>
-          <a:p>
-            <a:r>
-              <a:rPr lang="fr-FR" dirty="0" smtClean="0">
-                <a:ln w="18415" cmpd="sng">
-                  <a:solidFill>
-                    <a:srgbClr val="FFFFFF"/>
-                  </a:solidFill>
-                  <a:prstDash val="solid"/>
-                </a:ln>
-                <a:solidFill>
-                  <a:srgbClr val="FFFFFF"/>
-                </a:solidFill>
-                <a:effectLst>
-                  <a:outerShdw blurRad="63500" dir="3600000" algn="tl" rotWithShape="0">
-                    <a:srgbClr val="000000">
-                      <a:alpha val="70000"/>
-                    </a:srgbClr>
-                  </a:outerShdw>
-                </a:effectLst>
-              </a:rPr>
-              <a:t>LES TESTS UNITAIRES</a:t>
-            </a:r>
-            <a:endParaRPr lang="fr-FR" dirty="0">
-              <a:ln w="18415" cmpd="sng">
-                <a:solidFill>
-                  <a:srgbClr val="FFFFFF"/>
-                </a:solidFill>
-                <a:prstDash val="solid"/>
-              </a:ln>
-              <a:solidFill>
-                <a:srgbClr val="FFFFFF"/>
-              </a:solidFill>
-              <a:effectLst>
-                <a:outerShdw blurRad="63500" dir="3600000" algn="tl" rotWithShape="0">
-                  <a:srgbClr val="000000">
-                    <a:alpha val="70000"/>
-                  </a:srgbClr>
-                </a:outerShdw>
-              </a:effectLst>
-            </a:endParaRPr>
-          </a:p>
-        </p:txBody>
-      </p:sp>
-      <p:sp>
-        <p:nvSpPr>
-          <p:cNvPr id="4" name="ZoneTexte 3"/>
-          <p:cNvSpPr txBox="1"/>
-          <p:nvPr/>
-        </p:nvSpPr>
-        <p:spPr>
-          <a:xfrm>
-            <a:off x="857224" y="928674"/>
-            <a:ext cx="5857916" cy="369332"/>
-          </a:xfrm>
-          <a:prstGeom prst="rect">
-            <a:avLst/>
-          </a:prstGeom>
-          <a:noFill/>
-        </p:spPr>
-        <p:txBody>
-          <a:bodyPr wrap="square" rtlCol="0">
-            <a:spAutoFit/>
-          </a:bodyPr>
-          <a:lstStyle/>
-          <a:p>
-            <a:r>
-              <a:rPr lang="fr-FR" dirty="0" smtClean="0"/>
-              <a:t>Le thermomètre et l’hygromètre</a:t>
-            </a:r>
-            <a:endParaRPr lang="fr-FR" dirty="0"/>
-          </a:p>
-        </p:txBody>
-      </p:sp>
-      <p:pic>
-        <p:nvPicPr>
-          <p:cNvPr id="6" name="Image 5" descr="Résultat de recherche d'images pour &quot;bmp180&quot;"/>
-          <p:cNvPicPr/>
-          <p:nvPr/>
-        </p:nvPicPr>
-        <p:blipFill>
-          <a:blip r:embed="rId3"/>
-          <a:srcRect/>
-          <a:stretch>
-            <a:fillRect/>
-          </a:stretch>
-        </p:blipFill>
-        <p:spPr bwMode="auto">
-          <a:xfrm>
-            <a:off x="285720" y="2500310"/>
-            <a:ext cx="3267699" cy="2048935"/>
-          </a:xfrm>
-          <a:prstGeom prst="rect">
-            <a:avLst/>
-          </a:prstGeom>
-          <a:ln w="38100" cap="sq">
-            <a:solidFill>
-              <a:schemeClr val="accent2"/>
-            </a:solidFill>
-            <a:prstDash val="solid"/>
-            <a:miter lim="800000"/>
-          </a:ln>
-          <a:effectLst>
-            <a:outerShdw blurRad="50800" dist="38100" dir="2700000" algn="tl" rotWithShape="0">
-              <a:srgbClr val="000000">
-                <a:alpha val="43000"/>
-              </a:srgbClr>
-            </a:outerShdw>
-          </a:effectLst>
-        </p:spPr>
-      </p:pic>
-      <p:sp>
-        <p:nvSpPr>
-          <p:cNvPr id="8" name="ZoneTexte 7"/>
-          <p:cNvSpPr txBox="1"/>
-          <p:nvPr/>
-        </p:nvSpPr>
-        <p:spPr>
-          <a:xfrm>
-            <a:off x="285720" y="2071682"/>
-            <a:ext cx="2571768" cy="369332"/>
-          </a:xfrm>
-          <a:prstGeom prst="rect">
-            <a:avLst/>
-          </a:prstGeom>
-          <a:noFill/>
-        </p:spPr>
-        <p:txBody>
-          <a:bodyPr wrap="square" rtlCol="0">
-            <a:spAutoFit/>
-          </a:bodyPr>
-          <a:lstStyle/>
-          <a:p>
-            <a:r>
-              <a:rPr lang="fr-FR" dirty="0" smtClean="0"/>
-              <a:t>Montage du BMP180</a:t>
-            </a:r>
-            <a:endParaRPr lang="fr-FR" dirty="0"/>
-          </a:p>
-        </p:txBody>
-      </p:sp>
-      <p:sp>
-        <p:nvSpPr>
-          <p:cNvPr id="9" name="ZoneTexte 8"/>
-          <p:cNvSpPr txBox="1"/>
-          <p:nvPr/>
-        </p:nvSpPr>
-        <p:spPr>
-          <a:xfrm>
-            <a:off x="4429124" y="1500178"/>
-            <a:ext cx="2571768" cy="369332"/>
-          </a:xfrm>
-          <a:prstGeom prst="rect">
-            <a:avLst/>
-          </a:prstGeom>
-          <a:noFill/>
-        </p:spPr>
-        <p:txBody>
-          <a:bodyPr wrap="square" rtlCol="0">
-            <a:spAutoFit/>
-          </a:bodyPr>
-          <a:lstStyle/>
-          <a:p>
-            <a:r>
-              <a:rPr lang="fr-FR" dirty="0" smtClean="0"/>
-              <a:t>Montage du HIH6130</a:t>
-            </a:r>
-            <a:endParaRPr lang="fr-FR" dirty="0"/>
-          </a:p>
-        </p:txBody>
-      </p:sp>
-      <p:pic>
-        <p:nvPicPr>
-          <p:cNvPr id="11" name="Image 10"/>
-          <p:cNvPicPr/>
-          <p:nvPr/>
-        </p:nvPicPr>
-        <p:blipFill>
-          <a:blip r:embed="rId4"/>
-          <a:srcRect/>
-          <a:stretch>
-            <a:fillRect/>
-          </a:stretch>
-        </p:blipFill>
-        <p:spPr bwMode="auto">
-          <a:xfrm>
-            <a:off x="2714612" y="3000376"/>
-            <a:ext cx="1583937" cy="2083782"/>
-          </a:xfrm>
-          <a:prstGeom prst="rect">
-            <a:avLst/>
-          </a:prstGeom>
-          <a:ln w="38100" cap="sq">
-            <a:solidFill>
-              <a:schemeClr val="accent2"/>
-            </a:solidFill>
-            <a:prstDash val="solid"/>
-            <a:miter lim="800000"/>
-          </a:ln>
-          <a:effectLst>
-            <a:outerShdw blurRad="50800" dist="38100" dir="2700000" algn="tl" rotWithShape="0">
-              <a:srgbClr val="000000">
-                <a:alpha val="43000"/>
-              </a:srgbClr>
-            </a:outerShdw>
-          </a:effectLst>
-        </p:spPr>
-      </p:pic>
-      <p:pic>
-        <p:nvPicPr>
-          <p:cNvPr id="13" name="Image 12"/>
-          <p:cNvPicPr/>
-          <p:nvPr/>
-        </p:nvPicPr>
-        <p:blipFill>
-          <a:blip r:embed="rId5"/>
-          <a:srcRect/>
-          <a:stretch>
-            <a:fillRect/>
-          </a:stretch>
-        </p:blipFill>
-        <p:spPr bwMode="auto">
-          <a:xfrm>
-            <a:off x="7858148" y="2500310"/>
-            <a:ext cx="1177637" cy="3036982"/>
-          </a:xfrm>
-          <a:prstGeom prst="rect">
-            <a:avLst/>
-          </a:prstGeom>
-          <a:ln w="38100" cap="sq">
-            <a:solidFill>
-              <a:schemeClr val="accent2"/>
-            </a:solidFill>
-            <a:prstDash val="solid"/>
-            <a:miter lim="800000"/>
-          </a:ln>
-          <a:effectLst>
-            <a:outerShdw blurRad="50800" dist="38100" dir="2700000" algn="tl" rotWithShape="0">
-              <a:srgbClr val="000000">
-                <a:alpha val="43000"/>
-              </a:srgbClr>
-            </a:outerShdw>
-          </a:effectLst>
-        </p:spPr>
-      </p:pic>
-    </p:spTree>
-  </p:cSld>
-  <p:clrMapOvr>
-    <a:masterClrMapping/>
-  </p:clrMapOvr>
-  <p:timing>
-    <p:tnLst>
-      <p:par>
-        <p:cTn id="1" dur="indefinite" restart="never" nodeType="tmRoot"/>
-      </p:par>
-    </p:tnLst>
-  </p:timing>
-</p:sld>
-</file>
-
-<file path=ppt/slides/slide15.xml><?xml version="1.0" encoding="utf-8"?>
-<p:sld xmlns:a="http://schemas.openxmlformats.org/drawingml/2006/main" xmlns:r="http://schemas.openxmlformats.org/officeDocument/2006/relationships" xmlns:p="http://schemas.openxmlformats.org/presentationml/2006/main">
-  <p:cSld>
-    <p:spTree>
-      <p:nvGrpSpPr>
-        <p:cNvPr id="1" name=""/>
-        <p:cNvGrpSpPr/>
-        <p:nvPr/>
-      </p:nvGrpSpPr>
-      <p:grpSpPr>
-        <a:xfrm>
-          <a:off x="0" y="0"/>
-          <a:ext cx="0" cy="0"/>
-          <a:chOff x="0" y="0"/>
-          <a:chExt cx="0" cy="0"/>
-        </a:xfrm>
-      </p:grpSpPr>
-      <p:sp>
-        <p:nvSpPr>
           <p:cNvPr id="4" name="Titre 1"/>
           <p:cNvSpPr txBox="1">
             <a:spLocks/>
@@ -5683,7 +5322,7 @@
           <a:p>
             <a:r>
               <a:rPr lang="fr-FR" dirty="0" smtClean="0"/>
-              <a:t>Le capteur de qualité d’air</a:t>
+              <a:t>Sauvegarder sur une carte SD</a:t>
             </a:r>
             <a:endParaRPr lang="fr-FR" dirty="0"/>
           </a:p>
@@ -5691,12 +5330,12 @@
       </p:sp>
       <p:pic>
         <p:nvPicPr>
-          <p:cNvPr id="6" name="Image 5" descr="Q:\Projet_Domotique_GITBTS\Rapport\Lore\img\ch3-schematic-arduino-compare-01.png"/>
+          <p:cNvPr id="6" name="Image 5" descr="Résultat de recherche d'images pour &quot;micro sd card adapter arduino schematic&quot;"/>
           <p:cNvPicPr/>
           <p:nvPr/>
         </p:nvPicPr>
         <p:blipFill>
-          <a:blip r:embed="rId2"/>
+          <a:blip r:embed="rId2" cstate="print"/>
           <a:srcRect/>
           <a:stretch>
             <a:fillRect/>
@@ -5704,8 +5343,8 @@
         </p:blipFill>
         <p:spPr bwMode="auto">
           <a:xfrm>
-            <a:off x="285720" y="2500310"/>
-            <a:ext cx="4390959" cy="2334433"/>
+            <a:off x="4786314" y="1928806"/>
+            <a:ext cx="3420217" cy="3243941"/>
           </a:xfrm>
           <a:prstGeom prst="rect">
             <a:avLst/>
@@ -5734,8 +5373,8 @@
         </p:nvSpPr>
         <p:spPr>
           <a:xfrm>
-            <a:off x="285720" y="2071682"/>
-            <a:ext cx="2571768" cy="369332"/>
+            <a:off x="4714876" y="1571616"/>
+            <a:ext cx="3000396" cy="369332"/>
           </a:xfrm>
           <a:prstGeom prst="rect">
             <a:avLst/>
@@ -5750,71 +5389,7 @@
           <a:p>
             <a:r>
               <a:rPr lang="fr-FR" dirty="0" smtClean="0"/>
-              <a:t>Montage du MP503</a:t>
-            </a:r>
-            <a:endParaRPr lang="fr-FR" dirty="0"/>
-          </a:p>
-        </p:txBody>
-      </p:sp>
-      <p:sp>
-        <p:nvSpPr>
-          <p:cNvPr id="8" name="ZoneTexte 7"/>
-          <p:cNvSpPr txBox="1"/>
-          <p:nvPr/>
-        </p:nvSpPr>
-        <p:spPr>
-          <a:xfrm>
-            <a:off x="5429256" y="1571616"/>
-            <a:ext cx="3071834" cy="1200329"/>
-          </a:xfrm>
-          <a:prstGeom prst="rect">
-            <a:avLst/>
-          </a:prstGeom>
-          <a:noFill/>
-        </p:spPr>
-        <p:txBody>
-          <a:bodyPr wrap="square" rtlCol="0">
-            <a:spAutoFit/>
-          </a:bodyPr>
-          <a:lstStyle/>
-          <a:p>
-            <a:pPr marL="342900" indent="-342900">
-              <a:buFont typeface="Wingdings" pitchFamily="2" charset="2"/>
-              <a:buChar char="v"/>
-            </a:pPr>
-            <a:r>
-              <a:rPr lang="fr-FR" dirty="0" smtClean="0"/>
-              <a:t>Aire pure</a:t>
-            </a:r>
-          </a:p>
-          <a:p>
-            <a:pPr marL="342900" indent="-342900">
-              <a:buFont typeface="Wingdings" pitchFamily="2" charset="2"/>
-              <a:buChar char="v"/>
-            </a:pPr>
-            <a:r>
-              <a:rPr lang="fr-FR" dirty="0" smtClean="0"/>
-              <a:t>Aire faiblement pollué</a:t>
-            </a:r>
-          </a:p>
-          <a:p>
-            <a:pPr marL="342900" indent="-342900">
-              <a:buFont typeface="Wingdings" pitchFamily="2" charset="2"/>
-              <a:buChar char="v"/>
-            </a:pPr>
-            <a:r>
-              <a:rPr lang="fr-FR" dirty="0" smtClean="0"/>
-              <a:t>Aire pollué</a:t>
-            </a:r>
-          </a:p>
-          <a:p>
-            <a:pPr marL="342900" indent="-342900">
-              <a:buFont typeface="Wingdings" pitchFamily="2" charset="2"/>
-              <a:buChar char="v"/>
-            </a:pPr>
-            <a:r>
-              <a:rPr lang="fr-FR" dirty="0" smtClean="0"/>
-              <a:t>Aire très pollué  </a:t>
+              <a:t>Montage de l’adaptateur</a:t>
             </a:r>
             <a:endParaRPr lang="fr-FR" dirty="0"/>
           </a:p>
@@ -5822,7 +5397,7 @@
       </p:sp>
       <p:pic>
         <p:nvPicPr>
-          <p:cNvPr id="9" name="Image 8"/>
+          <p:cNvPr id="8" name="Image 7"/>
           <p:cNvPicPr/>
           <p:nvPr/>
         </p:nvPicPr>
@@ -5835,8 +5410,8 @@
         </p:blipFill>
         <p:spPr bwMode="auto">
           <a:xfrm>
-            <a:off x="6143636" y="3000376"/>
-            <a:ext cx="1207547" cy="2462076"/>
+            <a:off x="928661" y="1714492"/>
+            <a:ext cx="1896703" cy="1214446"/>
           </a:xfrm>
           <a:prstGeom prst="rect">
             <a:avLst/>
@@ -5857,6 +5432,72 @@
           </a:effectLst>
         </p:spPr>
       </p:pic>
+      <p:sp>
+        <p:nvSpPr>
+          <p:cNvPr id="9" name="ZoneTexte 8"/>
+          <p:cNvSpPr txBox="1"/>
+          <p:nvPr/>
+        </p:nvSpPr>
+        <p:spPr>
+          <a:xfrm>
+            <a:off x="714348" y="3429004"/>
+            <a:ext cx="2500330" cy="1200329"/>
+          </a:xfrm>
+          <a:prstGeom prst="rect">
+            <a:avLst/>
+          </a:prstGeom>
+          <a:noFill/>
+        </p:spPr>
+        <p:txBody>
+          <a:bodyPr wrap="square" rtlCol="0">
+            <a:spAutoFit/>
+          </a:bodyPr>
+          <a:lstStyle/>
+          <a:p>
+            <a:r>
+              <a:rPr lang="fr-FR" b="1" dirty="0" smtClean="0">
+                <a:solidFill>
+                  <a:srgbClr val="FF0000"/>
+                </a:solidFill>
+              </a:rPr>
+              <a:t>11  toto.txt</a:t>
+            </a:r>
+            <a:r>
+              <a:rPr lang="fr-FR" dirty="0" smtClean="0">
+                <a:solidFill>
+                  <a:srgbClr val="FF0000"/>
+                </a:solidFill>
+              </a:rPr>
+              <a:t> </a:t>
+            </a:r>
+            <a:r>
+              <a:rPr lang="fr-FR" dirty="0" smtClean="0"/>
+              <a:t>: 11 correspond au nombre d'octet dans le fichier nommé </a:t>
+            </a:r>
+            <a:r>
+              <a:rPr lang="fr-FR" b="1" dirty="0" smtClean="0">
+                <a:solidFill>
+                  <a:srgbClr val="FF0000"/>
+                </a:solidFill>
+              </a:rPr>
+              <a:t>toto.txt</a:t>
+            </a:r>
+            <a:r>
+              <a:rPr lang="fr-FR" dirty="0" smtClean="0">
+                <a:solidFill>
+                  <a:srgbClr val="FF0000"/>
+                </a:solidFill>
+              </a:rPr>
+              <a:t> </a:t>
+            </a:r>
+            <a:endParaRPr lang="fr-FR" dirty="0">
+              <a:solidFill>
+                <a:srgbClr val="FF0000"/>
+              </a:solidFill>
+            </a:endParaRPr>
+          </a:p>
+        </p:txBody>
+      </p:sp>
     </p:spTree>
   </p:cSld>
   <p:clrMapOvr>
@@ -5872,331 +5513,7 @@
 </p:sld>
 </file>
 
-<file path=ppt/slides/slide16.xml><?xml version="1.0" encoding="utf-8"?>
-<p:sld xmlns:a="http://schemas.openxmlformats.org/drawingml/2006/main" xmlns:r="http://schemas.openxmlformats.org/officeDocument/2006/relationships" xmlns:p="http://schemas.openxmlformats.org/presentationml/2006/main">
-  <p:cSld>
-    <p:spTree>
-      <p:nvGrpSpPr>
-        <p:cNvPr id="1" name=""/>
-        <p:cNvGrpSpPr/>
-        <p:nvPr/>
-      </p:nvGrpSpPr>
-      <p:grpSpPr>
-        <a:xfrm>
-          <a:off x="0" y="0"/>
-          <a:ext cx="0" cy="0"/>
-          <a:chOff x="0" y="0"/>
-          <a:chExt cx="0" cy="0"/>
-        </a:xfrm>
-      </p:grpSpPr>
-      <p:sp>
-        <p:nvSpPr>
-          <p:cNvPr id="4" name="Titre 1"/>
-          <p:cNvSpPr txBox="1">
-            <a:spLocks/>
-          </p:cNvSpPr>
-          <p:nvPr/>
-        </p:nvSpPr>
-        <p:spPr>
-          <a:xfrm>
-            <a:off x="428596" y="142856"/>
-            <a:ext cx="7467600" cy="952500"/>
-          </a:xfrm>
-          <a:prstGeom prst="rect">
-            <a:avLst/>
-          </a:prstGeom>
-        </p:spPr>
-        <p:txBody>
-          <a:bodyPr vert="horz" lIns="45720" rIns="45720" anchor="ctr">
-            <a:normAutofit/>
-          </a:bodyPr>
-          <a:lstStyle/>
-          <a:p>
-            <a:pPr marL="0" marR="0" lvl="0" indent="0" algn="l" defTabSz="914400" rtl="0" eaLnBrk="1" fontAlgn="auto" latinLnBrk="0" hangingPunct="1">
-              <a:lnSpc>
-                <a:spcPct val="100000"/>
-              </a:lnSpc>
-              <a:spcBef>
-                <a:spcPct val="0"/>
-              </a:spcBef>
-              <a:spcAft>
-                <a:spcPts val="0"/>
-              </a:spcAft>
-              <a:buClrTx/>
-              <a:buSzTx/>
-              <a:buFontTx/>
-              <a:buNone/>
-              <a:tabLst/>
-              <a:defRPr/>
-            </a:pPr>
-            <a:r>
-              <a:rPr kumimoji="0" lang="fr-FR" sz="4600" b="0" i="0" u="none" strike="noStrike" kern="1200" cap="none" spc="0" normalizeH="0" baseline="0" noProof="0" dirty="0" smtClean="0">
-                <a:ln w="18415" cmpd="sng">
-                  <a:solidFill>
-                    <a:srgbClr val="FFFFFF"/>
-                  </a:solidFill>
-                  <a:prstDash val="solid"/>
-                </a:ln>
-                <a:solidFill>
-                  <a:srgbClr val="FFFFFF"/>
-                </a:solidFill>
-                <a:effectLst>
-                  <a:outerShdw blurRad="63500" dir="3600000" algn="tl" rotWithShape="0">
-                    <a:srgbClr val="000000">
-                      <a:alpha val="70000"/>
-                    </a:srgbClr>
-                  </a:outerShdw>
-                </a:effectLst>
-                <a:uLnTx/>
-                <a:uFillTx/>
-                <a:latin typeface="+mj-lt"/>
-                <a:ea typeface="+mj-ea"/>
-                <a:cs typeface="+mj-cs"/>
-              </a:rPr>
-              <a:t>LES TESTS UNITAIRES</a:t>
-            </a:r>
-            <a:endParaRPr kumimoji="0" lang="fr-FR" sz="4600" b="0" i="0" u="none" strike="noStrike" kern="1200" cap="none" spc="0" normalizeH="0" baseline="0" noProof="0" dirty="0">
-              <a:ln w="18415" cmpd="sng">
-                <a:solidFill>
-                  <a:srgbClr val="FFFFFF"/>
-                </a:solidFill>
-                <a:prstDash val="solid"/>
-              </a:ln>
-              <a:solidFill>
-                <a:srgbClr val="FFFFFF"/>
-              </a:solidFill>
-              <a:effectLst>
-                <a:outerShdw blurRad="63500" dir="3600000" algn="tl" rotWithShape="0">
-                  <a:srgbClr val="000000">
-                    <a:alpha val="70000"/>
-                  </a:srgbClr>
-                </a:outerShdw>
-              </a:effectLst>
-              <a:uLnTx/>
-              <a:uFillTx/>
-              <a:latin typeface="+mj-lt"/>
-              <a:ea typeface="+mj-ea"/>
-              <a:cs typeface="+mj-cs"/>
-            </a:endParaRPr>
-          </a:p>
-        </p:txBody>
-      </p:sp>
-      <p:sp>
-        <p:nvSpPr>
-          <p:cNvPr id="5" name="ZoneTexte 4"/>
-          <p:cNvSpPr txBox="1"/>
-          <p:nvPr/>
-        </p:nvSpPr>
-        <p:spPr>
-          <a:xfrm>
-            <a:off x="857224" y="928674"/>
-            <a:ext cx="5857916" cy="369332"/>
-          </a:xfrm>
-          <a:prstGeom prst="rect">
-            <a:avLst/>
-          </a:prstGeom>
-          <a:noFill/>
-        </p:spPr>
-        <p:txBody>
-          <a:bodyPr wrap="square" rtlCol="0">
-            <a:spAutoFit/>
-          </a:bodyPr>
-          <a:lstStyle/>
-          <a:p>
-            <a:r>
-              <a:rPr lang="fr-FR" dirty="0" smtClean="0"/>
-              <a:t>Sauvegarder sur une carte SD</a:t>
-            </a:r>
-            <a:endParaRPr lang="fr-FR" dirty="0"/>
-          </a:p>
-        </p:txBody>
-      </p:sp>
-      <p:pic>
-        <p:nvPicPr>
-          <p:cNvPr id="6" name="Image 5" descr="Résultat de recherche d'images pour &quot;micro sd card adapter arduino schematic&quot;"/>
-          <p:cNvPicPr/>
-          <p:nvPr/>
-        </p:nvPicPr>
-        <p:blipFill>
-          <a:blip r:embed="rId2" cstate="print"/>
-          <a:srcRect/>
-          <a:stretch>
-            <a:fillRect/>
-          </a:stretch>
-        </p:blipFill>
-        <p:spPr bwMode="auto">
-          <a:xfrm>
-            <a:off x="4786314" y="1928806"/>
-            <a:ext cx="3420217" cy="3243941"/>
-          </a:xfrm>
-          <a:prstGeom prst="rect">
-            <a:avLst/>
-          </a:prstGeom>
-          <a:ln w="38100" cap="sq">
-            <a:solidFill>
-              <a:schemeClr val="accent2"/>
-            </a:solidFill>
-            <a:prstDash val="solid"/>
-            <a:miter lim="800000"/>
-          </a:ln>
-          <a:effectLst>
-            <a:outerShdw blurRad="50800" dist="38100" dir="2700000" algn="tl" rotWithShape="0">
-              <a:srgbClr val="000000">
-                <a:alpha val="43000"/>
-              </a:srgbClr>
-            </a:outerShdw>
-          </a:effectLst>
-        </p:spPr>
-      </p:pic>
-      <p:sp>
-        <p:nvSpPr>
-          <p:cNvPr id="7" name="ZoneTexte 6"/>
-          <p:cNvSpPr txBox="1"/>
-          <p:nvPr/>
-        </p:nvSpPr>
-        <p:spPr>
-          <a:xfrm>
-            <a:off x="4714876" y="1571616"/>
-            <a:ext cx="3000396" cy="369332"/>
-          </a:xfrm>
-          <a:prstGeom prst="rect">
-            <a:avLst/>
-          </a:prstGeom>
-          <a:noFill/>
-        </p:spPr>
-        <p:txBody>
-          <a:bodyPr wrap="square" rtlCol="0">
-            <a:spAutoFit/>
-          </a:bodyPr>
-          <a:lstStyle/>
-          <a:p>
-            <a:r>
-              <a:rPr lang="fr-FR" dirty="0" smtClean="0"/>
-              <a:t>Montage de l’adaptateur</a:t>
-            </a:r>
-            <a:endParaRPr lang="fr-FR" dirty="0"/>
-          </a:p>
-        </p:txBody>
-      </p:sp>
-      <p:pic>
-        <p:nvPicPr>
-          <p:cNvPr id="8" name="Image 7"/>
-          <p:cNvPicPr/>
-          <p:nvPr/>
-        </p:nvPicPr>
-        <p:blipFill>
-          <a:blip r:embed="rId3"/>
-          <a:srcRect/>
-          <a:stretch>
-            <a:fillRect/>
-          </a:stretch>
-        </p:blipFill>
-        <p:spPr bwMode="auto">
-          <a:xfrm>
-            <a:off x="928661" y="1714492"/>
-            <a:ext cx="1896703" cy="1214446"/>
-          </a:xfrm>
-          <a:prstGeom prst="rect">
-            <a:avLst/>
-          </a:prstGeom>
-          <a:ln w="38100" cap="sq">
-            <a:solidFill>
-              <a:schemeClr val="accent2"/>
-            </a:solidFill>
-            <a:prstDash val="solid"/>
-            <a:miter lim="800000"/>
-          </a:ln>
-          <a:effectLst>
-            <a:outerShdw blurRad="50800" dist="38100" dir="2700000" algn="tl" rotWithShape="0">
-              <a:srgbClr val="000000">
-                <a:alpha val="43000"/>
-              </a:srgbClr>
-            </a:outerShdw>
-          </a:effectLst>
-        </p:spPr>
-      </p:pic>
-      <p:sp>
-        <p:nvSpPr>
-          <p:cNvPr id="9" name="ZoneTexte 8"/>
-          <p:cNvSpPr txBox="1"/>
-          <p:nvPr/>
-        </p:nvSpPr>
-        <p:spPr>
-          <a:xfrm>
-            <a:off x="714348" y="3429004"/>
-            <a:ext cx="2500330" cy="1200329"/>
-          </a:xfrm>
-          <a:prstGeom prst="rect">
-            <a:avLst/>
-          </a:prstGeom>
-          <a:noFill/>
-        </p:spPr>
-        <p:txBody>
-          <a:bodyPr wrap="square" rtlCol="0">
-            <a:spAutoFit/>
-          </a:bodyPr>
-          <a:lstStyle/>
-          <a:p>
-            <a:r>
-              <a:rPr lang="fr-FR" b="1" dirty="0" smtClean="0">
-                <a:solidFill>
-                  <a:srgbClr val="FF0000"/>
-                </a:solidFill>
-              </a:rPr>
-              <a:t>11  toto.txt</a:t>
-            </a:r>
-            <a:r>
-              <a:rPr lang="fr-FR" dirty="0" smtClean="0">
-                <a:solidFill>
-                  <a:srgbClr val="FF0000"/>
-                </a:solidFill>
-              </a:rPr>
-              <a:t> </a:t>
-            </a:r>
-            <a:r>
-              <a:rPr lang="fr-FR" dirty="0" smtClean="0"/>
-              <a:t>: 11 correspond au nombre d'octet dans le fichier nommé </a:t>
-            </a:r>
-            <a:r>
-              <a:rPr lang="fr-FR" b="1" dirty="0" smtClean="0">
-                <a:solidFill>
-                  <a:srgbClr val="FF0000"/>
-                </a:solidFill>
-              </a:rPr>
-              <a:t>toto.txt</a:t>
-            </a:r>
-            <a:r>
-              <a:rPr lang="fr-FR" dirty="0" smtClean="0">
-                <a:solidFill>
-                  <a:srgbClr val="FF0000"/>
-                </a:solidFill>
-              </a:rPr>
-              <a:t> </a:t>
-            </a:r>
-            <a:endParaRPr lang="fr-FR" dirty="0">
-              <a:solidFill>
-                <a:srgbClr val="FF0000"/>
-              </a:solidFill>
-            </a:endParaRPr>
-          </a:p>
-        </p:txBody>
-      </p:sp>
-    </p:spTree>
-  </p:cSld>
-  <p:clrMapOvr>
-    <a:masterClrMapping/>
-  </p:clrMapOvr>
-  <p:timing>
-    <p:tnLst>
-      <p:par>
-        <p:cTn id="1" dur="indefinite" restart="never" nodeType="tmRoot"/>
-      </p:par>
-    </p:tnLst>
-  </p:timing>
-</p:sld>
-</file>
-
-<file path=ppt/slides/slide17.xml><?xml version="1.0" encoding="utf-8"?>
+<file path=ppt/slides/slide14.xml><?xml version="1.0" encoding="utf-8"?>
 <p:sld xmlns:a="http://schemas.openxmlformats.org/drawingml/2006/main" xmlns:r="http://schemas.openxmlformats.org/officeDocument/2006/relationships" xmlns:p="http://schemas.openxmlformats.org/presentationml/2006/main">
   <p:cSld>
     <p:spTree>
@@ -6593,7 +5910,7 @@
 </p:sld>
 </file>
 
-<file path=ppt/slides/slide18.xml><?xml version="1.0" encoding="utf-8"?>
+<file path=ppt/slides/slide15.xml><?xml version="1.0" encoding="utf-8"?>
 <p:sld xmlns:a="http://schemas.openxmlformats.org/drawingml/2006/main" xmlns:r="http://schemas.openxmlformats.org/officeDocument/2006/relationships" xmlns:p="http://schemas.openxmlformats.org/presentationml/2006/main">
   <p:cSld>
     <p:spTree>
@@ -6851,7 +6168,7 @@
 </p:sld>
 </file>
 
-<file path=ppt/slides/slide19.xml><?xml version="1.0" encoding="utf-8"?>
+<file path=ppt/slides/slide16.xml><?xml version="1.0" encoding="utf-8"?>
 <p:sld xmlns:a="http://schemas.openxmlformats.org/drawingml/2006/main" xmlns:r="http://schemas.openxmlformats.org/officeDocument/2006/relationships" xmlns:p="http://schemas.openxmlformats.org/presentationml/2006/main">
   <p:cSld>
     <p:spTree>
@@ -7304,7 +6621,11 @@
             </a:r>
             <a:r>
               <a:rPr lang="fr-FR" sz="2000" dirty="0" smtClean="0"/>
-              <a:t>Aspect gestion des ouvrants  </a:t>
+              <a:t>Aspect gestion des </a:t>
+            </a:r>
+            <a:r>
+              <a:rPr lang="fr-FR" sz="2000" dirty="0" smtClean="0"/>
+              <a:t>actionneur  </a:t>
             </a:r>
             <a:endParaRPr lang="fr-FR" sz="2000" dirty="0"/>
           </a:p>
@@ -10413,25 +9734,30 @@
       </p:grpSpPr>
       <p:sp>
         <p:nvSpPr>
-          <p:cNvPr id="2" name="Titre 1"/>
-          <p:cNvSpPr>
-            <a:spLocks noGrp="1"/>
-          </p:cNvSpPr>
-          <p:nvPr>
-            <p:ph type="title"/>
-          </p:nvPr>
-        </p:nvSpPr>
-        <p:spPr/>
-        <p:txBody>
-          <a:bodyPr/>
+          <p:cNvPr id="4" name="ZoneTexte 3"/>
+          <p:cNvSpPr txBox="1"/>
+          <p:nvPr/>
+        </p:nvSpPr>
+        <p:spPr>
+          <a:xfrm>
+            <a:off x="71406" y="71418"/>
+            <a:ext cx="5014514" cy="461665"/>
+          </a:xfrm>
+          <a:prstGeom prst="rect">
+            <a:avLst/>
+          </a:prstGeom>
+          <a:noFill/>
+        </p:spPr>
+        <p:txBody>
+          <a:bodyPr wrap="none" rtlCol="0">
+            <a:spAutoFit/>
+          </a:bodyPr>
           <a:lstStyle/>
           <a:p>
             <a:r>
-              <a:rPr lang="fr-FR" dirty="0" smtClean="0">
+              <a:rPr lang="fr-FR" sz="2400" dirty="0" smtClean="0">
                 <a:ln w="18415" cmpd="sng">
-                  <a:solidFill>
-                    <a:srgbClr val="FFFFFF"/>
-                  </a:solidFill>
+                  <a:noFill/>
                   <a:prstDash val="solid"/>
                 </a:ln>
                 <a:solidFill>
@@ -10445,13 +9771,11 @@
                   </a:outerShdw>
                 </a:effectLst>
               </a:rPr>
-              <a:t>Scénario d’alerte sécurité </a:t>
-            </a:r>
-            <a:endParaRPr lang="fr-FR" dirty="0">
+              <a:t>Diagramme séquence application : </a:t>
+            </a:r>
+            <a:endParaRPr lang="fr-FR" sz="2400" dirty="0">
               <a:ln w="18415" cmpd="sng">
-                <a:solidFill>
-                  <a:srgbClr val="FFFFFF"/>
-                </a:solidFill>
+                <a:noFill/>
                 <a:prstDash val="solid"/>
               </a:ln>
               <a:solidFill>
@@ -10485,8 +9809,8 @@
         </p:blipFill>
         <p:spPr bwMode="auto">
           <a:xfrm>
-            <a:off x="571472" y="1026118"/>
-            <a:ext cx="8001056" cy="4623189"/>
+            <a:off x="1032706" y="571484"/>
+            <a:ext cx="7078588" cy="5000640"/>
           </a:xfrm>
           <a:prstGeom prst="rect">
             <a:avLst/>
@@ -10541,25 +9865,30 @@
       </p:grpSpPr>
       <p:sp>
         <p:nvSpPr>
-          <p:cNvPr id="2" name="Titre 1"/>
-          <p:cNvSpPr>
-            <a:spLocks noGrp="1"/>
-          </p:cNvSpPr>
-          <p:nvPr>
-            <p:ph type="title"/>
-          </p:nvPr>
-        </p:nvSpPr>
-        <p:spPr/>
-        <p:txBody>
-          <a:bodyPr/>
+          <p:cNvPr id="4" name="ZoneTexte 3"/>
+          <p:cNvSpPr txBox="1"/>
+          <p:nvPr/>
+        </p:nvSpPr>
+        <p:spPr>
+          <a:xfrm>
+            <a:off x="142844" y="71418"/>
+            <a:ext cx="4105611" cy="461665"/>
+          </a:xfrm>
+          <a:prstGeom prst="rect">
+            <a:avLst/>
+          </a:prstGeom>
+          <a:noFill/>
+        </p:spPr>
+        <p:txBody>
+          <a:bodyPr wrap="none" rtlCol="0">
+            <a:spAutoFit/>
+          </a:bodyPr>
           <a:lstStyle/>
           <a:p>
             <a:r>
-              <a:rPr lang="fr-FR" dirty="0" smtClean="0">
+              <a:rPr lang="fr-FR" sz="2400" dirty="0" smtClean="0">
                 <a:ln w="18415" cmpd="sng">
-                  <a:solidFill>
-                    <a:srgbClr val="FFFFFF"/>
-                  </a:solidFill>
+                  <a:noFill/>
                   <a:prstDash val="solid"/>
                 </a:ln>
                 <a:solidFill>
@@ -10573,15 +9902,30 @@
                   </a:outerShdw>
                 </a:effectLst>
               </a:rPr>
-              <a:t>Scénario d’application</a:t>
-            </a:r>
-            <a:endParaRPr lang="fr-FR" dirty="0"/>
+              <a:t>Diagramme séquence web : </a:t>
+            </a:r>
+            <a:endParaRPr lang="fr-FR" sz="2400" dirty="0">
+              <a:ln w="18415" cmpd="sng">
+                <a:noFill/>
+                <a:prstDash val="solid"/>
+              </a:ln>
+              <a:solidFill>
+                <a:srgbClr val="FFFFFF"/>
+              </a:solidFill>
+              <a:effectLst>
+                <a:outerShdw blurRad="63500" dir="3600000" algn="tl" rotWithShape="0">
+                  <a:srgbClr val="000000">
+                    <a:alpha val="70000"/>
+                  </a:srgbClr>
+                </a:outerShdw>
+              </a:effectLst>
+            </a:endParaRPr>
           </a:p>
         </p:txBody>
       </p:sp>
       <p:pic>
         <p:nvPicPr>
-          <p:cNvPr id="3074" name="Picture 2"/>
+          <p:cNvPr id="1026" name="Picture 2"/>
           <p:cNvPicPr>
             <a:picLocks noChangeAspect="1" noChangeArrowheads="1"/>
           </p:cNvPicPr>
@@ -10596,8 +9940,8 @@
         </p:blipFill>
         <p:spPr bwMode="auto">
           <a:xfrm>
-            <a:off x="238122" y="1571616"/>
-            <a:ext cx="8708532" cy="3714776"/>
+            <a:off x="1182227" y="571484"/>
+            <a:ext cx="6779546" cy="5081692"/>
           </a:xfrm>
           <a:prstGeom prst="rect">
             <a:avLst/>
@@ -10652,25 +9996,30 @@
       </p:grpSpPr>
       <p:sp>
         <p:nvSpPr>
-          <p:cNvPr id="2" name="Titre 1"/>
-          <p:cNvSpPr>
-            <a:spLocks noGrp="1"/>
-          </p:cNvSpPr>
-          <p:nvPr>
-            <p:ph type="title"/>
-          </p:nvPr>
-        </p:nvSpPr>
-        <p:spPr/>
-        <p:txBody>
-          <a:bodyPr/>
+          <p:cNvPr id="4" name="ZoneTexte 3"/>
+          <p:cNvSpPr txBox="1"/>
+          <p:nvPr/>
+        </p:nvSpPr>
+        <p:spPr>
+          <a:xfrm>
+            <a:off x="71406" y="71418"/>
+            <a:ext cx="4618572" cy="461665"/>
+          </a:xfrm>
+          <a:prstGeom prst="rect">
+            <a:avLst/>
+          </a:prstGeom>
+          <a:noFill/>
+        </p:spPr>
+        <p:txBody>
+          <a:bodyPr wrap="none" rtlCol="0">
+            <a:spAutoFit/>
+          </a:bodyPr>
           <a:lstStyle/>
           <a:p>
             <a:r>
-              <a:rPr lang="fr-FR" dirty="0" smtClean="0">
+              <a:rPr lang="fr-FR" sz="2400" dirty="0" smtClean="0">
                 <a:ln w="18415" cmpd="sng">
-                  <a:solidFill>
-                    <a:srgbClr val="FFFFFF"/>
-                  </a:solidFill>
+                  <a:noFill/>
                   <a:prstDash val="solid"/>
                 </a:ln>
                 <a:solidFill>
@@ -10684,13 +10033,11 @@
                   </a:outerShdw>
                 </a:effectLst>
               </a:rPr>
-              <a:t>Scénario serveur web</a:t>
-            </a:r>
-            <a:endParaRPr lang="fr-FR" dirty="0">
+              <a:t>Diagramme séquence sécurité : </a:t>
+            </a:r>
+            <a:endParaRPr lang="fr-FR" sz="2400" dirty="0">
               <a:ln w="18415" cmpd="sng">
-                <a:solidFill>
-                  <a:srgbClr val="FFFFFF"/>
-                </a:solidFill>
+                <a:noFill/>
                 <a:prstDash val="solid"/>
               </a:ln>
               <a:solidFill>
@@ -10709,7 +10056,7 @@
       </p:sp>
       <p:pic>
         <p:nvPicPr>
-          <p:cNvPr id="4098" name="Picture 2"/>
+          <p:cNvPr id="3074" name="Picture 2"/>
           <p:cNvPicPr>
             <a:picLocks noChangeAspect="1" noChangeArrowheads="1"/>
           </p:cNvPicPr>
@@ -10724,8 +10071,8 @@
         </p:blipFill>
         <p:spPr bwMode="auto">
           <a:xfrm>
-            <a:off x="659132" y="1643054"/>
-            <a:ext cx="7825737" cy="2577055"/>
+            <a:off x="1666981" y="571484"/>
+            <a:ext cx="5810038" cy="5060965"/>
           </a:xfrm>
           <a:prstGeom prst="rect">
             <a:avLst/>
@@ -10780,30 +10127,25 @@
       </p:grpSpPr>
       <p:sp>
         <p:nvSpPr>
-          <p:cNvPr id="4" name="ZoneTexte 3"/>
-          <p:cNvSpPr txBox="1"/>
-          <p:nvPr/>
-        </p:nvSpPr>
-        <p:spPr>
-          <a:xfrm>
-            <a:off x="71406" y="71418"/>
-            <a:ext cx="5014514" cy="461665"/>
-          </a:xfrm>
-          <a:prstGeom prst="rect">
-            <a:avLst/>
-          </a:prstGeom>
-          <a:noFill/>
-        </p:spPr>
-        <p:txBody>
-          <a:bodyPr wrap="none" rtlCol="0">
-            <a:spAutoFit/>
-          </a:bodyPr>
+          <p:cNvPr id="2" name="Titre 1"/>
+          <p:cNvSpPr>
+            <a:spLocks noGrp="1"/>
+          </p:cNvSpPr>
+          <p:nvPr>
+            <p:ph type="title"/>
+          </p:nvPr>
+        </p:nvSpPr>
+        <p:spPr/>
+        <p:txBody>
+          <a:bodyPr/>
           <a:lstStyle/>
           <a:p>
             <a:r>
-              <a:rPr lang="fr-FR" sz="2400" dirty="0" smtClean="0">
+              <a:rPr lang="fr-FR" dirty="0" smtClean="0">
                 <a:ln w="18415" cmpd="sng">
-                  <a:noFill/>
+                  <a:solidFill>
+                    <a:srgbClr val="FFFFFF"/>
+                  </a:solidFill>
                   <a:prstDash val="solid"/>
                 </a:ln>
                 <a:solidFill>
@@ -10817,11 +10159,13 @@
                   </a:outerShdw>
                 </a:effectLst>
               </a:rPr>
-              <a:t>Diagramme séquence application : </a:t>
-            </a:r>
-            <a:endParaRPr lang="fr-FR" sz="2400" dirty="0">
+              <a:t>Les protocoles</a:t>
+            </a:r>
+            <a:endParaRPr lang="fr-FR" dirty="0">
               <a:ln w="18415" cmpd="sng">
-                <a:noFill/>
+                <a:solidFill>
+                  <a:srgbClr val="FFFFFF"/>
+                </a:solidFill>
                 <a:prstDash val="solid"/>
               </a:ln>
               <a:solidFill>
@@ -10838,16 +10182,331 @@
           </a:p>
         </p:txBody>
       </p:sp>
+      <p:sp>
+        <p:nvSpPr>
+          <p:cNvPr id="4" name="ZoneTexte 3"/>
+          <p:cNvSpPr txBox="1"/>
+          <p:nvPr/>
+        </p:nvSpPr>
+        <p:spPr>
+          <a:xfrm>
+            <a:off x="500034" y="1142988"/>
+            <a:ext cx="7358114" cy="4401205"/>
+          </a:xfrm>
+          <a:prstGeom prst="rect">
+            <a:avLst/>
+          </a:prstGeom>
+          <a:noFill/>
+        </p:spPr>
+        <p:txBody>
+          <a:bodyPr wrap="square" rtlCol="0">
+            <a:spAutoFit/>
+          </a:bodyPr>
+          <a:lstStyle/>
+          <a:p>
+            <a:pPr>
+              <a:buFont typeface="Wingdings" pitchFamily="2" charset="2"/>
+              <a:buChar char="v"/>
+            </a:pPr>
+            <a:r>
+              <a:rPr lang="fr-FR" sz="2400" dirty="0" err="1" smtClean="0">
+                <a:ln>
+                  <a:solidFill>
+                    <a:schemeClr val="bg2"/>
+                  </a:solidFill>
+                </a:ln>
+              </a:rPr>
+              <a:t>lum</a:t>
+            </a:r>
+            <a:r>
+              <a:rPr lang="fr-FR" sz="2400" dirty="0" smtClean="0">
+                <a:ln>
+                  <a:solidFill>
+                    <a:schemeClr val="bg2"/>
+                  </a:solidFill>
+                </a:ln>
+              </a:rPr>
+              <a:t>(</a:t>
+            </a:r>
+            <a:r>
+              <a:rPr lang="fr-FR" sz="2400" dirty="0" err="1" smtClean="0">
+                <a:ln>
+                  <a:solidFill>
+                    <a:schemeClr val="bg2"/>
+                  </a:solidFill>
+                </a:ln>
+              </a:rPr>
+              <a:t>bool</a:t>
+            </a:r>
+            <a:r>
+              <a:rPr lang="fr-FR" sz="2400" dirty="0" smtClean="0">
+                <a:ln>
+                  <a:solidFill>
+                    <a:schemeClr val="bg2"/>
+                  </a:solidFill>
+                </a:ln>
+              </a:rPr>
+              <a:t>)				5sec</a:t>
+            </a:r>
+          </a:p>
+          <a:p>
+            <a:pPr>
+              <a:buFont typeface="Wingdings" pitchFamily="2" charset="2"/>
+              <a:buChar char="v"/>
+            </a:pPr>
+            <a:r>
+              <a:rPr lang="fr-FR" sz="2400" dirty="0" smtClean="0">
+                <a:ln>
+                  <a:solidFill>
+                    <a:schemeClr val="bg2"/>
+                  </a:solidFill>
+                </a:ln>
+              </a:rPr>
+              <a:t>rad(</a:t>
+            </a:r>
+            <a:r>
+              <a:rPr lang="fr-FR" sz="2400" dirty="0" err="1" smtClean="0">
+                <a:ln>
+                  <a:solidFill>
+                    <a:schemeClr val="bg2"/>
+                  </a:solidFill>
+                </a:ln>
+              </a:rPr>
+              <a:t>bool</a:t>
+            </a:r>
+            <a:r>
+              <a:rPr lang="fr-FR" sz="2400" dirty="0" smtClean="0">
+                <a:ln>
+                  <a:solidFill>
+                    <a:schemeClr val="bg2"/>
+                  </a:solidFill>
+                </a:ln>
+              </a:rPr>
+              <a:t>)				5sec</a:t>
+            </a:r>
+          </a:p>
+          <a:p>
+            <a:pPr>
+              <a:buFont typeface="Wingdings" pitchFamily="2" charset="2"/>
+              <a:buChar char="v"/>
+            </a:pPr>
+            <a:r>
+              <a:rPr lang="fr-FR" sz="2400" dirty="0" smtClean="0">
+                <a:ln>
+                  <a:solidFill>
+                    <a:schemeClr val="bg2"/>
+                  </a:solidFill>
+                </a:ln>
+              </a:rPr>
+              <a:t>vol(</a:t>
+            </a:r>
+            <a:r>
+              <a:rPr lang="fr-FR" sz="2400" dirty="0" err="1" smtClean="0">
+                <a:ln>
+                  <a:solidFill>
+                    <a:schemeClr val="bg2"/>
+                  </a:solidFill>
+                </a:ln>
+              </a:rPr>
+              <a:t>bool</a:t>
+            </a:r>
+            <a:r>
+              <a:rPr lang="fr-FR" sz="2400" dirty="0" smtClean="0">
+                <a:ln>
+                  <a:solidFill>
+                    <a:schemeClr val="bg2"/>
+                  </a:solidFill>
+                </a:ln>
+              </a:rPr>
+              <a:t>)				5sec</a:t>
+            </a:r>
+          </a:p>
+          <a:p>
+            <a:pPr>
+              <a:buFont typeface="Wingdings" pitchFamily="2" charset="2"/>
+              <a:buChar char="v"/>
+            </a:pPr>
+            <a:r>
+              <a:rPr lang="fr-FR" sz="2400" dirty="0" smtClean="0">
+                <a:ln>
+                  <a:solidFill>
+                    <a:schemeClr val="bg2"/>
+                  </a:solidFill>
+                </a:ln>
+              </a:rPr>
+              <a:t>lux(lux)				10sec</a:t>
+            </a:r>
+          </a:p>
+          <a:p>
+            <a:pPr>
+              <a:buFont typeface="Wingdings" pitchFamily="2" charset="2"/>
+              <a:buChar char="v"/>
+            </a:pPr>
+            <a:r>
+              <a:rPr lang="fr-FR" sz="2400" dirty="0" smtClean="0">
+                <a:ln>
+                  <a:solidFill>
+                    <a:schemeClr val="bg2"/>
+                  </a:solidFill>
+                </a:ln>
+              </a:rPr>
+              <a:t>tem(c°) 				5sec</a:t>
+            </a:r>
+          </a:p>
+          <a:p>
+            <a:pPr>
+              <a:buFont typeface="Wingdings" pitchFamily="2" charset="2"/>
+              <a:buChar char="v"/>
+            </a:pPr>
+            <a:r>
+              <a:rPr lang="fr-FR" sz="2400" dirty="0" smtClean="0">
+                <a:ln>
+                  <a:solidFill>
+                    <a:schemeClr val="bg2"/>
+                  </a:solidFill>
+                </a:ln>
+              </a:rPr>
+              <a:t>hum(%) 				5sec</a:t>
+            </a:r>
+          </a:p>
+          <a:p>
+            <a:pPr>
+              <a:buFont typeface="Wingdings" pitchFamily="2" charset="2"/>
+              <a:buChar char="v"/>
+            </a:pPr>
+            <a:r>
+              <a:rPr lang="fr-FR" sz="2400" dirty="0" smtClean="0">
+                <a:ln>
+                  <a:solidFill>
+                    <a:schemeClr val="bg2"/>
+                  </a:solidFill>
+                </a:ln>
+              </a:rPr>
+              <a:t>air(1-10) 				10sec</a:t>
+            </a:r>
+          </a:p>
+          <a:p>
+            <a:pPr>
+              <a:buFont typeface="Wingdings" pitchFamily="2" charset="2"/>
+              <a:buChar char="v"/>
+            </a:pPr>
+            <a:r>
+              <a:rPr lang="fr-FR" sz="2400" dirty="0" smtClean="0">
+                <a:ln>
+                  <a:solidFill>
+                    <a:schemeClr val="bg2"/>
+                  </a:solidFill>
+                </a:ln>
+              </a:rPr>
+              <a:t>con(w)			impulsion du compteur</a:t>
+            </a:r>
+          </a:p>
+          <a:p>
+            <a:pPr>
+              <a:buFont typeface="Wingdings" pitchFamily="2" charset="2"/>
+              <a:buChar char="v"/>
+            </a:pPr>
+            <a:r>
+              <a:rPr lang="fr-FR" sz="2400" dirty="0" smtClean="0">
+                <a:ln>
+                  <a:solidFill>
+                    <a:schemeClr val="bg2"/>
+                  </a:solidFill>
+                </a:ln>
+              </a:rPr>
+              <a:t>heu(</a:t>
+            </a:r>
+            <a:r>
+              <a:rPr lang="fr-FR" sz="2400" dirty="0" err="1" smtClean="0">
+                <a:ln>
+                  <a:solidFill>
+                    <a:schemeClr val="bg2"/>
+                  </a:solidFill>
+                </a:ln>
+              </a:rPr>
+              <a:t>ss</a:t>
+            </a:r>
+            <a:r>
+              <a:rPr lang="fr-FR" sz="2400" dirty="0" smtClean="0">
+                <a:ln>
+                  <a:solidFill>
+                    <a:schemeClr val="bg2"/>
+                  </a:solidFill>
+                </a:ln>
+              </a:rPr>
+              <a:t>)			impulsion du compteur</a:t>
+            </a:r>
+          </a:p>
+          <a:p>
+            <a:pPr>
+              <a:buFont typeface="Wingdings" pitchFamily="2" charset="2"/>
+              <a:buChar char="v"/>
+            </a:pPr>
+            <a:r>
+              <a:rPr lang="fr-FR" sz="2400" dirty="0" err="1" smtClean="0">
+                <a:ln>
+                  <a:solidFill>
+                    <a:schemeClr val="bg2"/>
+                  </a:solidFill>
+                </a:ln>
+              </a:rPr>
+              <a:t>dat</a:t>
+            </a:r>
+            <a:r>
+              <a:rPr lang="fr-FR" sz="2400" dirty="0" smtClean="0">
+                <a:ln>
+                  <a:solidFill>
+                    <a:schemeClr val="bg2"/>
+                  </a:solidFill>
+                </a:ln>
+              </a:rPr>
+              <a:t>(jour)			impulsion du compteur</a:t>
+            </a:r>
+            <a:endParaRPr lang="fr-FR" dirty="0" smtClean="0">
+              <a:ln>
+                <a:solidFill>
+                  <a:schemeClr val="bg2"/>
+                </a:solidFill>
+              </a:ln>
+            </a:endParaRPr>
+          </a:p>
+          <a:p>
+            <a:pPr>
+              <a:buFont typeface="Wingdings" pitchFamily="2" charset="2"/>
+              <a:buChar char="v"/>
+            </a:pPr>
+            <a:endParaRPr lang="fr-FR" sz="2000" b="1" dirty="0" smtClean="0">
+              <a:ln>
+                <a:solidFill>
+                  <a:schemeClr val="bg2"/>
+                </a:solidFill>
+              </a:ln>
+            </a:endParaRPr>
+          </a:p>
+          <a:p>
+            <a:r>
+              <a:rPr lang="fr-FR" sz="2000" b="1" dirty="0" smtClean="0">
+                <a:ln>
+                  <a:solidFill>
+                    <a:schemeClr val="bg2"/>
+                  </a:solidFill>
+                </a:ln>
+              </a:rPr>
+              <a:t>Exemple de trame  : $lum0$lux121$tem20$air5;</a:t>
+            </a:r>
+          </a:p>
+        </p:txBody>
+      </p:sp>
       <p:pic>
         <p:nvPicPr>
-          <p:cNvPr id="2050" name="Picture 2"/>
+          <p:cNvPr id="1026" name="Picture 2" descr="Q:\Projet_Domotique_GITBTS\Rapport\img\bluetooth-670069_640.png"/>
           <p:cNvPicPr>
             <a:picLocks noChangeAspect="1" noChangeArrowheads="1"/>
           </p:cNvPicPr>
           <p:nvPr/>
         </p:nvPicPr>
         <p:blipFill>
-          <a:blip r:embed="rId2"/>
+          <a:blip r:embed="rId2" cstate="print"/>
           <a:srcRect/>
           <a:stretch>
             <a:fillRect/>
@@ -10855,26 +10514,13 @@
         </p:blipFill>
         <p:spPr bwMode="auto">
           <a:xfrm>
-            <a:off x="1032706" y="571484"/>
-            <a:ext cx="7078588" cy="5000640"/>
+            <a:off x="6858016" y="654829"/>
+            <a:ext cx="1071570" cy="1363971"/>
           </a:xfrm>
           <a:prstGeom prst="rect">
             <a:avLst/>
           </a:prstGeom>
-          <a:ln w="38100" cap="sq">
-            <a:solidFill>
-              <a:schemeClr val="accent2"/>
-            </a:solidFill>
-            <a:prstDash val="solid"/>
-            <a:miter lim="800000"/>
-          </a:ln>
-          <a:effectLst>
-            <a:outerShdw blurRad="50800" dist="38100" dir="2700000" algn="tl" rotWithShape="0">
-              <a:srgbClr val="000000">
-                <a:alpha val="43000"/>
-              </a:srgbClr>
-            </a:outerShdw>
-          </a:effectLst>
+          <a:noFill/>
         </p:spPr>
       </p:pic>
     </p:spTree>
